--- a/class1/group04/Class 1.pptx
+++ b/class1/group04/Class 1.pptx
@@ -1,36 +1,37 @@
 
 <file path=ppt/presentation.xml><?xml version="1.0" encoding="utf-8"?>
-<p:presentation xmlns:a="http://schemas.openxmlformats.org/drawingml/2006/main" xmlns:r="http://schemas.openxmlformats.org/officeDocument/2006/relationships" xmlns:mc="http://schemas.openxmlformats.org/markup-compatibility/2006" xmlns:mv="urn:schemas-microsoft-com:mac:vml" xmlns:p="http://schemas.openxmlformats.org/presentationml/2006/main" xmlns:c="http://schemas.openxmlformats.org/drawingml/2006/chart" xmlns:dgm="http://schemas.openxmlformats.org/drawingml/2006/diagram" xmlns:o="urn:schemas-microsoft-com:office:office" xmlns:v="urn:schemas-microsoft-com:vml" xmlns:pvml="urn:schemas-microsoft-com:office:powerpoint" xmlns:com="http://schemas.openxmlformats.org/drawingml/2006/compatibility" xmlns:p14="http://schemas.microsoft.com/office/powerpoint/2010/main" xmlns:p15="http://schemas.microsoft.com/office/powerpoint/2012/main" autoCompressPictures="0" embedTrueTypeFonts="1" strictFirstAndLastChars="0" saveSubsetFonts="1" showSpecialPlsOnTitleSld="0">
+<p:presentation xmlns:a="http://schemas.openxmlformats.org/drawingml/2006/main" xmlns:r="http://schemas.openxmlformats.org/officeDocument/2006/relationships" xmlns:p="http://schemas.openxmlformats.org/presentationml/2006/main" showSpecialPlsOnTitleSld="0" strictFirstAndLastChars="0" embedTrueTypeFonts="1" saveSubsetFonts="1" autoCompressPictures="0">
   <p:sldMasterIdLst>
-    <p:sldMasterId id="2147483648" r:id="rId3"/>
+    <p:sldMasterId id="2147483648" r:id="rId1"/>
   </p:sldMasterIdLst>
   <p:notesMasterIdLst>
-    <p:notesMasterId r:id="rId4"/>
+    <p:notesMasterId r:id="rId11"/>
   </p:notesMasterIdLst>
   <p:sldIdLst>
-    <p:sldId id="256" r:id="rId5"/>
-    <p:sldId id="257" r:id="rId6"/>
-    <p:sldId id="258" r:id="rId7"/>
-    <p:sldId id="259" r:id="rId8"/>
-    <p:sldId id="260" r:id="rId9"/>
-    <p:sldId id="261" r:id="rId10"/>
-    <p:sldId id="262" r:id="rId11"/>
-    <p:sldId id="263" r:id="rId12"/>
+    <p:sldId id="256" r:id="rId2"/>
+    <p:sldId id="257" r:id="rId3"/>
+    <p:sldId id="258" r:id="rId4"/>
+    <p:sldId id="259" r:id="rId5"/>
+    <p:sldId id="264" r:id="rId6"/>
+    <p:sldId id="260" r:id="rId7"/>
+    <p:sldId id="261" r:id="rId8"/>
+    <p:sldId id="262" r:id="rId9"/>
+    <p:sldId id="263" r:id="rId10"/>
   </p:sldIdLst>
-  <p:sldSz cy="5143500" cx="9144000"/>
+  <p:sldSz cx="9144000" cy="5143500" type="screen16x9"/>
   <p:notesSz cx="6858000" cy="9144000"/>
   <p:embeddedFontLst>
     <p:embeddedFont>
-      <p:font typeface="Sniglet"/>
-      <p:regular r:id="rId13"/>
+      <p:font typeface="Sniglet" pitchFamily="82" charset="0"/>
+      <p:regular r:id="rId12"/>
     </p:embeddedFont>
     <p:embeddedFont>
-      <p:font typeface="Walter Turncoat"/>
-      <p:regular r:id="rId14"/>
+      <p:font typeface="Walter Turncoat" panose="02000000000000000000" pitchFamily="2" charset="0"/>
+      <p:regular r:id="rId13"/>
     </p:embeddedFont>
   </p:embeddedFontLst>
   <p:defaultTextStyle>
-    <a:defPPr lvl="0" marR="0" rtl="0" algn="l">
+    <a:defPPr marR="0" lvl="0" algn="l" rtl="0">
       <a:lnSpc>
         <a:spcPct val="100000"/>
       </a:lnSpc>
@@ -41,7 +42,7 @@
         <a:spcPts val="0"/>
       </a:spcAft>
     </a:defPPr>
-    <a:lvl1pPr lvl="0" marR="0" rtl="0" algn="l">
+    <a:lvl1pPr marR="0" lvl="0" algn="l" rtl="0">
       <a:lnSpc>
         <a:spcPct val="100000"/>
       </a:lnSpc>
@@ -55,7 +56,7 @@
         <a:srgbClr val="000000"/>
       </a:buClr>
       <a:buFont typeface="Arial"/>
-      <a:defRPr b="0" i="0" sz="1400" u="none" cap="none" strike="noStrike">
+      <a:defRPr sz="1400" b="0" i="0" u="none" strike="noStrike" cap="none">
         <a:solidFill>
           <a:srgbClr val="000000"/>
         </a:solidFill>
@@ -65,7 +66,7 @@
         <a:sym typeface="Arial"/>
       </a:defRPr>
     </a:lvl1pPr>
-    <a:lvl2pPr lvl="1" marR="0" rtl="0" algn="l">
+    <a:lvl2pPr marR="0" lvl="1" algn="l" rtl="0">
       <a:lnSpc>
         <a:spcPct val="100000"/>
       </a:lnSpc>
@@ -79,7 +80,7 @@
         <a:srgbClr val="000000"/>
       </a:buClr>
       <a:buFont typeface="Arial"/>
-      <a:defRPr b="0" i="0" sz="1400" u="none" cap="none" strike="noStrike">
+      <a:defRPr sz="1400" b="0" i="0" u="none" strike="noStrike" cap="none">
         <a:solidFill>
           <a:srgbClr val="000000"/>
         </a:solidFill>
@@ -89,7 +90,7 @@
         <a:sym typeface="Arial"/>
       </a:defRPr>
     </a:lvl2pPr>
-    <a:lvl3pPr lvl="2" marR="0" rtl="0" algn="l">
+    <a:lvl3pPr marR="0" lvl="2" algn="l" rtl="0">
       <a:lnSpc>
         <a:spcPct val="100000"/>
       </a:lnSpc>
@@ -103,7 +104,7 @@
         <a:srgbClr val="000000"/>
       </a:buClr>
       <a:buFont typeface="Arial"/>
-      <a:defRPr b="0" i="0" sz="1400" u="none" cap="none" strike="noStrike">
+      <a:defRPr sz="1400" b="0" i="0" u="none" strike="noStrike" cap="none">
         <a:solidFill>
           <a:srgbClr val="000000"/>
         </a:solidFill>
@@ -113,7 +114,7 @@
         <a:sym typeface="Arial"/>
       </a:defRPr>
     </a:lvl3pPr>
-    <a:lvl4pPr lvl="3" marR="0" rtl="0" algn="l">
+    <a:lvl4pPr marR="0" lvl="3" algn="l" rtl="0">
       <a:lnSpc>
         <a:spcPct val="100000"/>
       </a:lnSpc>
@@ -127,7 +128,7 @@
         <a:srgbClr val="000000"/>
       </a:buClr>
       <a:buFont typeface="Arial"/>
-      <a:defRPr b="0" i="0" sz="1400" u="none" cap="none" strike="noStrike">
+      <a:defRPr sz="1400" b="0" i="0" u="none" strike="noStrike" cap="none">
         <a:solidFill>
           <a:srgbClr val="000000"/>
         </a:solidFill>
@@ -137,7 +138,7 @@
         <a:sym typeface="Arial"/>
       </a:defRPr>
     </a:lvl4pPr>
-    <a:lvl5pPr lvl="4" marR="0" rtl="0" algn="l">
+    <a:lvl5pPr marR="0" lvl="4" algn="l" rtl="0">
       <a:lnSpc>
         <a:spcPct val="100000"/>
       </a:lnSpc>
@@ -151,7 +152,7 @@
         <a:srgbClr val="000000"/>
       </a:buClr>
       <a:buFont typeface="Arial"/>
-      <a:defRPr b="0" i="0" sz="1400" u="none" cap="none" strike="noStrike">
+      <a:defRPr sz="1400" b="0" i="0" u="none" strike="noStrike" cap="none">
         <a:solidFill>
           <a:srgbClr val="000000"/>
         </a:solidFill>
@@ -161,7 +162,7 @@
         <a:sym typeface="Arial"/>
       </a:defRPr>
     </a:lvl5pPr>
-    <a:lvl6pPr lvl="5" marR="0" rtl="0" algn="l">
+    <a:lvl6pPr marR="0" lvl="5" algn="l" rtl="0">
       <a:lnSpc>
         <a:spcPct val="100000"/>
       </a:lnSpc>
@@ -175,7 +176,7 @@
         <a:srgbClr val="000000"/>
       </a:buClr>
       <a:buFont typeface="Arial"/>
-      <a:defRPr b="0" i="0" sz="1400" u="none" cap="none" strike="noStrike">
+      <a:defRPr sz="1400" b="0" i="0" u="none" strike="noStrike" cap="none">
         <a:solidFill>
           <a:srgbClr val="000000"/>
         </a:solidFill>
@@ -185,7 +186,7 @@
         <a:sym typeface="Arial"/>
       </a:defRPr>
     </a:lvl6pPr>
-    <a:lvl7pPr lvl="6" marR="0" rtl="0" algn="l">
+    <a:lvl7pPr marR="0" lvl="6" algn="l" rtl="0">
       <a:lnSpc>
         <a:spcPct val="100000"/>
       </a:lnSpc>
@@ -199,7 +200,7 @@
         <a:srgbClr val="000000"/>
       </a:buClr>
       <a:buFont typeface="Arial"/>
-      <a:defRPr b="0" i="0" sz="1400" u="none" cap="none" strike="noStrike">
+      <a:defRPr sz="1400" b="0" i="0" u="none" strike="noStrike" cap="none">
         <a:solidFill>
           <a:srgbClr val="000000"/>
         </a:solidFill>
@@ -209,7 +210,7 @@
         <a:sym typeface="Arial"/>
       </a:defRPr>
     </a:lvl7pPr>
-    <a:lvl8pPr lvl="7" marR="0" rtl="0" algn="l">
+    <a:lvl8pPr marR="0" lvl="7" algn="l" rtl="0">
       <a:lnSpc>
         <a:spcPct val="100000"/>
       </a:lnSpc>
@@ -223,7 +224,7 @@
         <a:srgbClr val="000000"/>
       </a:buClr>
       <a:buFont typeface="Arial"/>
-      <a:defRPr b="0" i="0" sz="1400" u="none" cap="none" strike="noStrike">
+      <a:defRPr sz="1400" b="0" i="0" u="none" strike="noStrike" cap="none">
         <a:solidFill>
           <a:srgbClr val="000000"/>
         </a:solidFill>
@@ -233,7 +234,7 @@
         <a:sym typeface="Arial"/>
       </a:defRPr>
     </a:lvl8pPr>
-    <a:lvl9pPr lvl="8" marR="0" rtl="0" algn="l">
+    <a:lvl9pPr marR="0" lvl="8" algn="l" rtl="0">
       <a:lnSpc>
         <a:spcPct val="100000"/>
       </a:lnSpc>
@@ -247,7 +248,7 @@
         <a:srgbClr val="000000"/>
       </a:buClr>
       <a:buFont typeface="Arial"/>
-      <a:defRPr b="0" i="0" sz="1400" u="none" cap="none" strike="noStrike">
+      <a:defRPr sz="1400" b="0" i="0" u="none" strike="noStrike" cap="none">
         <a:solidFill>
           <a:srgbClr val="000000"/>
         </a:solidFill>
@@ -260,18 +261,23 @@
   </p:defaultTextStyle>
   <p:extLst>
     <p:ext uri="http://customooxmlschemas.google.com/">
-      <go:slidesCustomData xmlns:go="http://customooxmlschemas.google.com/" r:id="rId15" roundtripDataSignature="AMtx7miXgafuIEXRHtMiJgMTff6EF4VeQA=="/>
+      <go:slidesCustomData xmlns:go="http://customooxmlschemas.google.com/" xmlns:p15="http://schemas.microsoft.com/office/powerpoint/2012/main" xmlns:p14="http://schemas.microsoft.com/office/powerpoint/2010/main" xmlns:com="http://schemas.openxmlformats.org/drawingml/2006/compatibility" xmlns:pvml="urn:schemas-microsoft-com:office:powerpoint" xmlns:v="urn:schemas-microsoft-com:vml" xmlns:o="urn:schemas-microsoft-com:office:office" xmlns:dgm="http://schemas.openxmlformats.org/drawingml/2006/diagram" xmlns:c="http://schemas.openxmlformats.org/drawingml/2006/chart" xmlns:mv="urn:schemas-microsoft-com:mac:vml" xmlns:mc="http://schemas.openxmlformats.org/markup-compatibility/2006" xmlns="" r:id="rId15" roundtripDataSignature="AMtx7miXgafuIEXRHtMiJgMTff6EF4VeQA=="/>
     </p:ext>
   </p:extLst>
 </p:presentation>
 </file>
 
 <file path=ppt/notesMasters/notesMaster1.xml><?xml version="1.0" encoding="utf-8"?>
-<p:notesMaster xmlns:a="http://schemas.openxmlformats.org/drawingml/2006/main" xmlns:r="http://schemas.openxmlformats.org/officeDocument/2006/relationships" xmlns:mc="http://schemas.openxmlformats.org/markup-compatibility/2006" xmlns:mv="urn:schemas-microsoft-com:mac:vml" xmlns:p="http://schemas.openxmlformats.org/presentationml/2006/main" xmlns:c="http://schemas.openxmlformats.org/drawingml/2006/chart" xmlns:dgm="http://schemas.openxmlformats.org/drawingml/2006/diagram" xmlns:o="urn:schemas-microsoft-com:office:office" xmlns:v="urn:schemas-microsoft-com:vml" xmlns:pvml="urn:schemas-microsoft-com:office:powerpoint" xmlns:com="http://schemas.openxmlformats.org/drawingml/2006/compatibility" xmlns:p14="http://schemas.microsoft.com/office/powerpoint/2010/main" xmlns:p15="http://schemas.microsoft.com/office/powerpoint/2012/main">
+<p:notesMaster xmlns:a="http://schemas.openxmlformats.org/drawingml/2006/main" xmlns:r="http://schemas.openxmlformats.org/officeDocument/2006/relationships" xmlns:p="http://schemas.openxmlformats.org/presentationml/2006/main">
   <p:cSld>
+    <p:bg>
+      <p:bgRef idx="1001">
+        <a:schemeClr val="bg1"/>
+      </p:bgRef>
+    </p:bg>
     <p:spTree>
       <p:nvGrpSpPr>
-        <p:cNvPr id="2" name="Shape 2"/>
+        <p:cNvPr id="1" name="Shape 2"/>
         <p:cNvGrpSpPr/>
         <p:nvPr/>
       </p:nvGrpSpPr>
@@ -286,9 +292,11 @@
       <p:sp>
         <p:nvSpPr>
           <p:cNvPr id="3" name="Google Shape;3;n"/>
-          <p:cNvSpPr/>
+          <p:cNvSpPr>
+            <a:spLocks noGrp="1" noRot="1" noChangeAspect="1"/>
+          </p:cNvSpPr>
           <p:nvPr>
-            <p:ph idx="2" type="sldImg"/>
+            <p:ph type="sldImg" idx="2"/>
           </p:nvPr>
         </p:nvSpPr>
         <p:spPr>
@@ -297,9 +305,13 @@
             <a:ext cx="6096300" cy="3429000"/>
           </a:xfrm>
           <a:custGeom>
-            <a:rect b="b" l="l" r="r" t="t"/>
+            <a:avLst/>
+            <a:gdLst/>
+            <a:ahLst/>
+            <a:cxnLst/>
+            <a:rect l="l" t="t" r="r" b="b"/>
             <a:pathLst>
-              <a:path extrusionOk="0" h="120000" w="120000">
+              <a:path w="120000" h="120000" extrusionOk="0">
                 <a:moveTo>
                   <a:pt x="0" y="0"/>
                 </a:moveTo>
@@ -317,23 +329,25 @@
             </a:pathLst>
           </a:custGeom>
           <a:noFill/>
-          <a:ln cap="flat" cmpd="sng" w="9525">
+          <a:ln w="9525" cap="flat" cmpd="sng">
             <a:solidFill>
               <a:srgbClr val="000000"/>
             </a:solidFill>
             <a:prstDash val="solid"/>
             <a:round/>
-            <a:headEnd len="sm" w="sm" type="none"/>
-            <a:tailEnd len="sm" w="sm" type="none"/>
+            <a:headEnd type="none" w="sm" len="sm"/>
+            <a:tailEnd type="none" w="sm" len="sm"/>
           </a:ln>
         </p:spPr>
       </p:sp>
       <p:sp>
         <p:nvSpPr>
           <p:cNvPr id="4" name="Google Shape;4;n"/>
-          <p:cNvSpPr txBox="1"/>
+          <p:cNvSpPr txBox="1">
+            <a:spLocks noGrp="1"/>
+          </p:cNvSpPr>
           <p:nvPr>
-            <p:ph idx="1" type="body"/>
+            <p:ph type="body" idx="1"/>
           </p:nvPr>
         </p:nvSpPr>
         <p:spPr>
@@ -350,11 +364,11 @@
           </a:ln>
         </p:spPr>
         <p:txBody>
-          <a:bodyPr anchorCtr="0" anchor="t" bIns="91425" lIns="91425" spcFirstLastPara="1" rIns="91425" wrap="square" tIns="91425">
+          <a:bodyPr spcFirstLastPara="1" wrap="square" lIns="91425" tIns="91425" rIns="91425" bIns="91425" anchor="t" anchorCtr="0">
             <a:noAutofit/>
           </a:bodyPr>
           <a:lstStyle>
-            <a:lvl1pPr indent="-317500" lvl="0" marL="457200" marR="0" rtl="0" algn="l">
+            <a:lvl1pPr marL="457200" marR="0" lvl="0" indent="-317500" algn="l" rtl="0">
               <a:lnSpc>
                 <a:spcPct val="100000"/>
               </a:lnSpc>
@@ -370,7 +384,7 @@
               <a:buSzPts val="1400"/>
               <a:buFont typeface="Arial"/>
               <a:buChar char="●"/>
-              <a:defRPr b="0" i="0" sz="1100" u="none" cap="none" strike="noStrike">
+              <a:defRPr sz="1100" b="0" i="0" u="none" strike="noStrike" cap="none">
                 <a:solidFill>
                   <a:srgbClr val="000000"/>
                 </a:solidFill>
@@ -380,7 +394,7 @@
                 <a:sym typeface="Arial"/>
               </a:defRPr>
             </a:lvl1pPr>
-            <a:lvl2pPr indent="-317500" lvl="1" marL="914400" marR="0" rtl="0" algn="l">
+            <a:lvl2pPr marL="914400" marR="0" lvl="1" indent="-317500" algn="l" rtl="0">
               <a:lnSpc>
                 <a:spcPct val="100000"/>
               </a:lnSpc>
@@ -396,7 +410,7 @@
               <a:buSzPts val="1400"/>
               <a:buFont typeface="Arial"/>
               <a:buChar char="○"/>
-              <a:defRPr b="0" i="0" sz="1100" u="none" cap="none" strike="noStrike">
+              <a:defRPr sz="1100" b="0" i="0" u="none" strike="noStrike" cap="none">
                 <a:solidFill>
                   <a:srgbClr val="000000"/>
                 </a:solidFill>
@@ -406,7 +420,7 @@
                 <a:sym typeface="Arial"/>
               </a:defRPr>
             </a:lvl2pPr>
-            <a:lvl3pPr indent="-317500" lvl="2" marL="1371600" marR="0" rtl="0" algn="l">
+            <a:lvl3pPr marL="1371600" marR="0" lvl="2" indent="-317500" algn="l" rtl="0">
               <a:lnSpc>
                 <a:spcPct val="100000"/>
               </a:lnSpc>
@@ -422,7 +436,7 @@
               <a:buSzPts val="1400"/>
               <a:buFont typeface="Arial"/>
               <a:buChar char="■"/>
-              <a:defRPr b="0" i="0" sz="1100" u="none" cap="none" strike="noStrike">
+              <a:defRPr sz="1100" b="0" i="0" u="none" strike="noStrike" cap="none">
                 <a:solidFill>
                   <a:srgbClr val="000000"/>
                 </a:solidFill>
@@ -432,7 +446,7 @@
                 <a:sym typeface="Arial"/>
               </a:defRPr>
             </a:lvl3pPr>
-            <a:lvl4pPr indent="-317500" lvl="3" marL="1828800" marR="0" rtl="0" algn="l">
+            <a:lvl4pPr marL="1828800" marR="0" lvl="3" indent="-317500" algn="l" rtl="0">
               <a:lnSpc>
                 <a:spcPct val="100000"/>
               </a:lnSpc>
@@ -448,7 +462,7 @@
               <a:buSzPts val="1400"/>
               <a:buFont typeface="Arial"/>
               <a:buChar char="●"/>
-              <a:defRPr b="0" i="0" sz="1100" u="none" cap="none" strike="noStrike">
+              <a:defRPr sz="1100" b="0" i="0" u="none" strike="noStrike" cap="none">
                 <a:solidFill>
                   <a:srgbClr val="000000"/>
                 </a:solidFill>
@@ -458,7 +472,7 @@
                 <a:sym typeface="Arial"/>
               </a:defRPr>
             </a:lvl4pPr>
-            <a:lvl5pPr indent="-317500" lvl="4" marL="2286000" marR="0" rtl="0" algn="l">
+            <a:lvl5pPr marL="2286000" marR="0" lvl="4" indent="-317500" algn="l" rtl="0">
               <a:lnSpc>
                 <a:spcPct val="100000"/>
               </a:lnSpc>
@@ -474,7 +488,7 @@
               <a:buSzPts val="1400"/>
               <a:buFont typeface="Arial"/>
               <a:buChar char="○"/>
-              <a:defRPr b="0" i="0" sz="1100" u="none" cap="none" strike="noStrike">
+              <a:defRPr sz="1100" b="0" i="0" u="none" strike="noStrike" cap="none">
                 <a:solidFill>
                   <a:srgbClr val="000000"/>
                 </a:solidFill>
@@ -484,7 +498,7 @@
                 <a:sym typeface="Arial"/>
               </a:defRPr>
             </a:lvl5pPr>
-            <a:lvl6pPr indent="-317500" lvl="5" marL="2743200" marR="0" rtl="0" algn="l">
+            <a:lvl6pPr marL="2743200" marR="0" lvl="5" indent="-317500" algn="l" rtl="0">
               <a:lnSpc>
                 <a:spcPct val="100000"/>
               </a:lnSpc>
@@ -500,7 +514,7 @@
               <a:buSzPts val="1400"/>
               <a:buFont typeface="Arial"/>
               <a:buChar char="■"/>
-              <a:defRPr b="0" i="0" sz="1100" u="none" cap="none" strike="noStrike">
+              <a:defRPr sz="1100" b="0" i="0" u="none" strike="noStrike" cap="none">
                 <a:solidFill>
                   <a:srgbClr val="000000"/>
                 </a:solidFill>
@@ -510,7 +524,7 @@
                 <a:sym typeface="Arial"/>
               </a:defRPr>
             </a:lvl6pPr>
-            <a:lvl7pPr indent="-317500" lvl="6" marL="3200400" marR="0" rtl="0" algn="l">
+            <a:lvl7pPr marL="3200400" marR="0" lvl="6" indent="-317500" algn="l" rtl="0">
               <a:lnSpc>
                 <a:spcPct val="100000"/>
               </a:lnSpc>
@@ -526,7 +540,7 @@
               <a:buSzPts val="1400"/>
               <a:buFont typeface="Arial"/>
               <a:buChar char="●"/>
-              <a:defRPr b="0" i="0" sz="1100" u="none" cap="none" strike="noStrike">
+              <a:defRPr sz="1100" b="0" i="0" u="none" strike="noStrike" cap="none">
                 <a:solidFill>
                   <a:srgbClr val="000000"/>
                 </a:solidFill>
@@ -536,7 +550,7 @@
                 <a:sym typeface="Arial"/>
               </a:defRPr>
             </a:lvl7pPr>
-            <a:lvl8pPr indent="-317500" lvl="7" marL="3657600" marR="0" rtl="0" algn="l">
+            <a:lvl8pPr marL="3657600" marR="0" lvl="7" indent="-317500" algn="l" rtl="0">
               <a:lnSpc>
                 <a:spcPct val="100000"/>
               </a:lnSpc>
@@ -552,7 +566,7 @@
               <a:buSzPts val="1400"/>
               <a:buFont typeface="Arial"/>
               <a:buChar char="○"/>
-              <a:defRPr b="0" i="0" sz="1100" u="none" cap="none" strike="noStrike">
+              <a:defRPr sz="1100" b="0" i="0" u="none" strike="noStrike" cap="none">
                 <a:solidFill>
                   <a:srgbClr val="000000"/>
                 </a:solidFill>
@@ -562,7 +576,7 @@
                 <a:sym typeface="Arial"/>
               </a:defRPr>
             </a:lvl8pPr>
-            <a:lvl9pPr indent="-317500" lvl="8" marL="4114800" marR="0" rtl="0" algn="l">
+            <a:lvl9pPr marL="4114800" marR="0" lvl="8" indent="-317500" algn="l" rtl="0">
               <a:lnSpc>
                 <a:spcPct val="100000"/>
               </a:lnSpc>
@@ -578,7 +592,7 @@
               <a:buSzPts val="1400"/>
               <a:buFont typeface="Arial"/>
               <a:buChar char="■"/>
-              <a:defRPr b="0" i="0" sz="1100" u="none" cap="none" strike="noStrike">
+              <a:defRPr sz="1100" b="0" i="0" u="none" strike="noStrike" cap="none">
                 <a:solidFill>
                   <a:srgbClr val="000000"/>
                 </a:solidFill>
@@ -589,14 +603,16 @@
               </a:defRPr>
             </a:lvl9pPr>
           </a:lstStyle>
-          <a:p/>
+          <a:p>
+            <a:endParaRPr/>
+          </a:p>
         </p:txBody>
       </p:sp>
     </p:spTree>
   </p:cSld>
-  <p:clrMap accent1="accent1" accent2="accent2" accent3="accent3" accent4="accent4" accent5="accent5" accent6="accent6" bg1="lt1" bg2="dk2" tx1="dk1" tx2="lt2" folHlink="folHlink" hlink="hlink"/>
+  <p:clrMap bg1="lt1" tx1="dk1" bg2="dk2" tx2="lt2" accent1="accent1" accent2="accent2" accent3="accent3" accent4="accent4" accent5="accent5" accent6="accent6" hlink="hlink" folHlink="folHlink"/>
   <p:notesStyle>
-    <a:defPPr lvl="0" marR="0" rtl="0" algn="l">
+    <a:defPPr marR="0" lvl="0" algn="l" rtl="0">
       <a:lnSpc>
         <a:spcPct val="100000"/>
       </a:lnSpc>
@@ -607,7 +623,7 @@
         <a:spcPts val="0"/>
       </a:spcAft>
     </a:defPPr>
-    <a:lvl1pPr lvl="0" marR="0" rtl="0" algn="l">
+    <a:lvl1pPr marR="0" lvl="0" algn="l" rtl="0">
       <a:lnSpc>
         <a:spcPct val="100000"/>
       </a:lnSpc>
@@ -621,7 +637,7 @@
         <a:srgbClr val="000000"/>
       </a:buClr>
       <a:buFont typeface="Arial"/>
-      <a:defRPr b="0" i="0" sz="1400" u="none" cap="none" strike="noStrike">
+      <a:defRPr sz="1400" b="0" i="0" u="none" strike="noStrike" cap="none">
         <a:solidFill>
           <a:srgbClr val="000000"/>
         </a:solidFill>
@@ -631,7 +647,7 @@
         <a:sym typeface="Arial"/>
       </a:defRPr>
     </a:lvl1pPr>
-    <a:lvl2pPr lvl="1" marR="0" rtl="0" algn="l">
+    <a:lvl2pPr marR="0" lvl="1" algn="l" rtl="0">
       <a:lnSpc>
         <a:spcPct val="100000"/>
       </a:lnSpc>
@@ -645,7 +661,7 @@
         <a:srgbClr val="000000"/>
       </a:buClr>
       <a:buFont typeface="Arial"/>
-      <a:defRPr b="0" i="0" sz="1400" u="none" cap="none" strike="noStrike">
+      <a:defRPr sz="1400" b="0" i="0" u="none" strike="noStrike" cap="none">
         <a:solidFill>
           <a:srgbClr val="000000"/>
         </a:solidFill>
@@ -655,7 +671,7 @@
         <a:sym typeface="Arial"/>
       </a:defRPr>
     </a:lvl2pPr>
-    <a:lvl3pPr lvl="2" marR="0" rtl="0" algn="l">
+    <a:lvl3pPr marR="0" lvl="2" algn="l" rtl="0">
       <a:lnSpc>
         <a:spcPct val="100000"/>
       </a:lnSpc>
@@ -669,7 +685,7 @@
         <a:srgbClr val="000000"/>
       </a:buClr>
       <a:buFont typeface="Arial"/>
-      <a:defRPr b="0" i="0" sz="1400" u="none" cap="none" strike="noStrike">
+      <a:defRPr sz="1400" b="0" i="0" u="none" strike="noStrike" cap="none">
         <a:solidFill>
           <a:srgbClr val="000000"/>
         </a:solidFill>
@@ -679,7 +695,7 @@
         <a:sym typeface="Arial"/>
       </a:defRPr>
     </a:lvl3pPr>
-    <a:lvl4pPr lvl="3" marR="0" rtl="0" algn="l">
+    <a:lvl4pPr marR="0" lvl="3" algn="l" rtl="0">
       <a:lnSpc>
         <a:spcPct val="100000"/>
       </a:lnSpc>
@@ -693,7 +709,7 @@
         <a:srgbClr val="000000"/>
       </a:buClr>
       <a:buFont typeface="Arial"/>
-      <a:defRPr b="0" i="0" sz="1400" u="none" cap="none" strike="noStrike">
+      <a:defRPr sz="1400" b="0" i="0" u="none" strike="noStrike" cap="none">
         <a:solidFill>
           <a:srgbClr val="000000"/>
         </a:solidFill>
@@ -703,7 +719,7 @@
         <a:sym typeface="Arial"/>
       </a:defRPr>
     </a:lvl4pPr>
-    <a:lvl5pPr lvl="4" marR="0" rtl="0" algn="l">
+    <a:lvl5pPr marR="0" lvl="4" algn="l" rtl="0">
       <a:lnSpc>
         <a:spcPct val="100000"/>
       </a:lnSpc>
@@ -717,7 +733,7 @@
         <a:srgbClr val="000000"/>
       </a:buClr>
       <a:buFont typeface="Arial"/>
-      <a:defRPr b="0" i="0" sz="1400" u="none" cap="none" strike="noStrike">
+      <a:defRPr sz="1400" b="0" i="0" u="none" strike="noStrike" cap="none">
         <a:solidFill>
           <a:srgbClr val="000000"/>
         </a:solidFill>
@@ -727,7 +743,7 @@
         <a:sym typeface="Arial"/>
       </a:defRPr>
     </a:lvl5pPr>
-    <a:lvl6pPr lvl="5" marR="0" rtl="0" algn="l">
+    <a:lvl6pPr marR="0" lvl="5" algn="l" rtl="0">
       <a:lnSpc>
         <a:spcPct val="100000"/>
       </a:lnSpc>
@@ -741,7 +757,7 @@
         <a:srgbClr val="000000"/>
       </a:buClr>
       <a:buFont typeface="Arial"/>
-      <a:defRPr b="0" i="0" sz="1400" u="none" cap="none" strike="noStrike">
+      <a:defRPr sz="1400" b="0" i="0" u="none" strike="noStrike" cap="none">
         <a:solidFill>
           <a:srgbClr val="000000"/>
         </a:solidFill>
@@ -751,7 +767,7 @@
         <a:sym typeface="Arial"/>
       </a:defRPr>
     </a:lvl6pPr>
-    <a:lvl7pPr lvl="6" marR="0" rtl="0" algn="l">
+    <a:lvl7pPr marR="0" lvl="6" algn="l" rtl="0">
       <a:lnSpc>
         <a:spcPct val="100000"/>
       </a:lnSpc>
@@ -765,7 +781,7 @@
         <a:srgbClr val="000000"/>
       </a:buClr>
       <a:buFont typeface="Arial"/>
-      <a:defRPr b="0" i="0" sz="1400" u="none" cap="none" strike="noStrike">
+      <a:defRPr sz="1400" b="0" i="0" u="none" strike="noStrike" cap="none">
         <a:solidFill>
           <a:srgbClr val="000000"/>
         </a:solidFill>
@@ -775,7 +791,7 @@
         <a:sym typeface="Arial"/>
       </a:defRPr>
     </a:lvl7pPr>
-    <a:lvl8pPr lvl="7" marR="0" rtl="0" algn="l">
+    <a:lvl8pPr marR="0" lvl="7" algn="l" rtl="0">
       <a:lnSpc>
         <a:spcPct val="100000"/>
       </a:lnSpc>
@@ -789,7 +805,7 @@
         <a:srgbClr val="000000"/>
       </a:buClr>
       <a:buFont typeface="Arial"/>
-      <a:defRPr b="0" i="0" sz="1400" u="none" cap="none" strike="noStrike">
+      <a:defRPr sz="1400" b="0" i="0" u="none" strike="noStrike" cap="none">
         <a:solidFill>
           <a:srgbClr val="000000"/>
         </a:solidFill>
@@ -799,7 +815,7 @@
         <a:sym typeface="Arial"/>
       </a:defRPr>
     </a:lvl8pPr>
-    <a:lvl9pPr lvl="8" marR="0" rtl="0" algn="l">
+    <a:lvl9pPr marR="0" lvl="8" algn="l" rtl="0">
       <a:lnSpc>
         <a:spcPct val="100000"/>
       </a:lnSpc>
@@ -813,7 +829,7 @@
         <a:srgbClr val="000000"/>
       </a:buClr>
       <a:buFont typeface="Arial"/>
-      <a:defRPr b="0" i="0" sz="1400" u="none" cap="none" strike="noStrike">
+      <a:defRPr sz="1400" b="0" i="0" u="none" strike="noStrike" cap="none">
         <a:solidFill>
           <a:srgbClr val="000000"/>
         </a:solidFill>
@@ -828,11 +844,11 @@
 </file>
 
 <file path=ppt/notesSlides/notesSlide1.xml><?xml version="1.0" encoding="utf-8"?>
-<p:notes xmlns:a="http://schemas.openxmlformats.org/drawingml/2006/main" xmlns:r="http://schemas.openxmlformats.org/officeDocument/2006/relationships" xmlns:mc="http://schemas.openxmlformats.org/markup-compatibility/2006" xmlns:mv="urn:schemas-microsoft-com:mac:vml" xmlns:p="http://schemas.openxmlformats.org/presentationml/2006/main" xmlns:c="http://schemas.openxmlformats.org/drawingml/2006/chart" xmlns:dgm="http://schemas.openxmlformats.org/drawingml/2006/diagram" xmlns:o="urn:schemas-microsoft-com:office:office" xmlns:v="urn:schemas-microsoft-com:vml" xmlns:pvml="urn:schemas-microsoft-com:office:powerpoint" xmlns:com="http://schemas.openxmlformats.org/drawingml/2006/compatibility" xmlns:p14="http://schemas.microsoft.com/office/powerpoint/2010/main" xmlns:p15="http://schemas.microsoft.com/office/powerpoint/2012/main" showMasterPhAnim="0" showMasterSp="0">
+<p:notes xmlns:a="http://schemas.openxmlformats.org/drawingml/2006/main" xmlns:r="http://schemas.openxmlformats.org/officeDocument/2006/relationships" xmlns:p="http://schemas.openxmlformats.org/presentationml/2006/main" showMasterSp="0" showMasterPhAnim="0">
   <p:cSld>
     <p:spTree>
       <p:nvGrpSpPr>
-        <p:cNvPr id="52" name="Shape 52"/>
+        <p:cNvPr id="1" name="Shape 52"/>
         <p:cNvGrpSpPr/>
         <p:nvPr/>
       </p:nvGrpSpPr>
@@ -847,9 +863,11 @@
       <p:sp>
         <p:nvSpPr>
           <p:cNvPr id="53" name="Google Shape;53;p1:notes"/>
-          <p:cNvSpPr/>
+          <p:cNvSpPr>
+            <a:spLocks noGrp="1" noRot="1" noChangeAspect="1"/>
+          </p:cNvSpPr>
           <p:nvPr>
-            <p:ph idx="2" type="sldImg"/>
+            <p:ph type="sldImg" idx="2"/>
           </p:nvPr>
         </p:nvSpPr>
         <p:spPr>
@@ -858,9 +876,13 @@
             <a:ext cx="6096300" cy="3429000"/>
           </a:xfrm>
           <a:custGeom>
-            <a:rect b="b" l="l" r="r" t="t"/>
+            <a:avLst/>
+            <a:gdLst/>
+            <a:ahLst/>
+            <a:cxnLst/>
+            <a:rect l="l" t="t" r="r" b="b"/>
             <a:pathLst>
-              <a:path extrusionOk="0" h="120000" w="120000">
+              <a:path w="120000" h="120000" extrusionOk="0">
                 <a:moveTo>
                   <a:pt x="0" y="0"/>
                 </a:moveTo>
@@ -878,23 +900,25 @@
             </a:pathLst>
           </a:custGeom>
           <a:noFill/>
-          <a:ln cap="flat" cmpd="sng" w="9525">
+          <a:ln w="9525" cap="flat" cmpd="sng">
             <a:solidFill>
               <a:srgbClr val="000000"/>
             </a:solidFill>
             <a:prstDash val="solid"/>
             <a:round/>
-            <a:headEnd len="sm" w="sm" type="none"/>
-            <a:tailEnd len="sm" w="sm" type="none"/>
+            <a:headEnd type="none" w="sm" len="sm"/>
+            <a:tailEnd type="none" w="sm" len="sm"/>
           </a:ln>
         </p:spPr>
       </p:sp>
       <p:sp>
         <p:nvSpPr>
           <p:cNvPr id="54" name="Google Shape;54;p1:notes"/>
-          <p:cNvSpPr txBox="1"/>
+          <p:cNvSpPr txBox="1">
+            <a:spLocks noGrp="1"/>
+          </p:cNvSpPr>
           <p:nvPr>
-            <p:ph idx="1" type="body"/>
+            <p:ph type="body" idx="1"/>
           </p:nvPr>
         </p:nvSpPr>
         <p:spPr>
@@ -911,12 +935,12 @@
           </a:ln>
         </p:spPr>
         <p:txBody>
-          <a:bodyPr anchorCtr="0" anchor="t" bIns="91425" lIns="91425" spcFirstLastPara="1" rIns="91425" wrap="square" tIns="91425">
+          <a:bodyPr spcFirstLastPara="1" wrap="square" lIns="91425" tIns="91425" rIns="91425" bIns="91425" anchor="t" anchorCtr="0">
             <a:noAutofit/>
           </a:bodyPr>
           <a:lstStyle/>
           <a:p>
-            <a:pPr indent="0" lvl="0" marL="0" rtl="0" algn="l">
+            <a:pPr marL="0" lvl="0" indent="0" algn="l" rtl="0">
               <a:lnSpc>
                 <a:spcPct val="100000"/>
               </a:lnSpc>
@@ -929,9 +953,6 @@
               <a:buSzPts val="1400"/>
               <a:buNone/>
             </a:pPr>
-            <a:r>
-              <a:t/>
-            </a:r>
             <a:endParaRPr/>
           </a:p>
         </p:txBody>
@@ -945,11 +966,11 @@
 </file>
 
 <file path=ppt/notesSlides/notesSlide2.xml><?xml version="1.0" encoding="utf-8"?>
-<p:notes xmlns:a="http://schemas.openxmlformats.org/drawingml/2006/main" xmlns:r="http://schemas.openxmlformats.org/officeDocument/2006/relationships" xmlns:mc="http://schemas.openxmlformats.org/markup-compatibility/2006" xmlns:mv="urn:schemas-microsoft-com:mac:vml" xmlns:p="http://schemas.openxmlformats.org/presentationml/2006/main" xmlns:c="http://schemas.openxmlformats.org/drawingml/2006/chart" xmlns:dgm="http://schemas.openxmlformats.org/drawingml/2006/diagram" xmlns:o="urn:schemas-microsoft-com:office:office" xmlns:v="urn:schemas-microsoft-com:vml" xmlns:pvml="urn:schemas-microsoft-com:office:powerpoint" xmlns:com="http://schemas.openxmlformats.org/drawingml/2006/compatibility" xmlns:p14="http://schemas.microsoft.com/office/powerpoint/2010/main" xmlns:p15="http://schemas.microsoft.com/office/powerpoint/2012/main" showMasterPhAnim="0" showMasterSp="0">
+<p:notes xmlns:a="http://schemas.openxmlformats.org/drawingml/2006/main" xmlns:r="http://schemas.openxmlformats.org/officeDocument/2006/relationships" xmlns:p="http://schemas.openxmlformats.org/presentationml/2006/main" showMasterSp="0" showMasterPhAnim="0">
   <p:cSld>
     <p:spTree>
       <p:nvGrpSpPr>
-        <p:cNvPr id="60" name="Shape 60"/>
+        <p:cNvPr id="1" name="Shape 60"/>
         <p:cNvGrpSpPr/>
         <p:nvPr/>
       </p:nvGrpSpPr>
@@ -964,9 +985,11 @@
       <p:sp>
         <p:nvSpPr>
           <p:cNvPr id="61" name="Google Shape;61;p4:notes"/>
-          <p:cNvSpPr/>
+          <p:cNvSpPr>
+            <a:spLocks noGrp="1" noRot="1" noChangeAspect="1"/>
+          </p:cNvSpPr>
           <p:nvPr>
-            <p:ph idx="2" type="sldImg"/>
+            <p:ph type="sldImg" idx="2"/>
           </p:nvPr>
         </p:nvSpPr>
         <p:spPr>
@@ -975,9 +998,13 @@
             <a:ext cx="6096300" cy="3429000"/>
           </a:xfrm>
           <a:custGeom>
-            <a:rect b="b" l="l" r="r" t="t"/>
+            <a:avLst/>
+            <a:gdLst/>
+            <a:ahLst/>
+            <a:cxnLst/>
+            <a:rect l="l" t="t" r="r" b="b"/>
             <a:pathLst>
-              <a:path extrusionOk="0" h="120000" w="120000">
+              <a:path w="120000" h="120000" extrusionOk="0">
                 <a:moveTo>
                   <a:pt x="0" y="0"/>
                 </a:moveTo>
@@ -995,23 +1022,25 @@
             </a:pathLst>
           </a:custGeom>
           <a:noFill/>
-          <a:ln cap="flat" cmpd="sng" w="9525">
+          <a:ln w="9525" cap="flat" cmpd="sng">
             <a:solidFill>
               <a:srgbClr val="000000"/>
             </a:solidFill>
             <a:prstDash val="solid"/>
             <a:round/>
-            <a:headEnd len="sm" w="sm" type="none"/>
-            <a:tailEnd len="sm" w="sm" type="none"/>
+            <a:headEnd type="none" w="sm" len="sm"/>
+            <a:tailEnd type="none" w="sm" len="sm"/>
           </a:ln>
         </p:spPr>
       </p:sp>
       <p:sp>
         <p:nvSpPr>
           <p:cNvPr id="62" name="Google Shape;62;p4:notes"/>
-          <p:cNvSpPr txBox="1"/>
+          <p:cNvSpPr txBox="1">
+            <a:spLocks noGrp="1"/>
+          </p:cNvSpPr>
           <p:nvPr>
-            <p:ph idx="1" type="body"/>
+            <p:ph type="body" idx="1"/>
           </p:nvPr>
         </p:nvSpPr>
         <p:spPr>
@@ -1028,12 +1057,12 @@
           </a:ln>
         </p:spPr>
         <p:txBody>
-          <a:bodyPr anchorCtr="0" anchor="t" bIns="91425" lIns="91425" spcFirstLastPara="1" rIns="91425" wrap="square" tIns="91425">
+          <a:bodyPr spcFirstLastPara="1" wrap="square" lIns="91425" tIns="91425" rIns="91425" bIns="91425" anchor="t" anchorCtr="0">
             <a:noAutofit/>
           </a:bodyPr>
           <a:lstStyle/>
           <a:p>
-            <a:pPr indent="0" lvl="0" marL="0" rtl="0" algn="l">
+            <a:pPr marL="0" lvl="0" indent="0" algn="l" rtl="0">
               <a:lnSpc>
                 <a:spcPct val="100000"/>
               </a:lnSpc>
@@ -1046,9 +1075,6 @@
               <a:buSzPts val="1400"/>
               <a:buNone/>
             </a:pPr>
-            <a:r>
-              <a:t/>
-            </a:r>
             <a:endParaRPr/>
           </a:p>
         </p:txBody>
@@ -1062,11 +1088,11 @@
 </file>
 
 <file path=ppt/notesSlides/notesSlide3.xml><?xml version="1.0" encoding="utf-8"?>
-<p:notes xmlns:a="http://schemas.openxmlformats.org/drawingml/2006/main" xmlns:r="http://schemas.openxmlformats.org/officeDocument/2006/relationships" xmlns:mc="http://schemas.openxmlformats.org/markup-compatibility/2006" xmlns:mv="urn:schemas-microsoft-com:mac:vml" xmlns:p="http://schemas.openxmlformats.org/presentationml/2006/main" xmlns:c="http://schemas.openxmlformats.org/drawingml/2006/chart" xmlns:dgm="http://schemas.openxmlformats.org/drawingml/2006/diagram" xmlns:o="urn:schemas-microsoft-com:office:office" xmlns:v="urn:schemas-microsoft-com:vml" xmlns:pvml="urn:schemas-microsoft-com:office:powerpoint" xmlns:com="http://schemas.openxmlformats.org/drawingml/2006/compatibility" xmlns:p14="http://schemas.microsoft.com/office/powerpoint/2010/main" xmlns:p15="http://schemas.microsoft.com/office/powerpoint/2012/main" showMasterPhAnim="0" showMasterSp="0">
+<p:notes xmlns:a="http://schemas.openxmlformats.org/drawingml/2006/main" xmlns:r="http://schemas.openxmlformats.org/officeDocument/2006/relationships" xmlns:p="http://schemas.openxmlformats.org/presentationml/2006/main" showMasterSp="0" showMasterPhAnim="0">
   <p:cSld>
     <p:spTree>
       <p:nvGrpSpPr>
-        <p:cNvPr id="67" name="Shape 67"/>
+        <p:cNvPr id="1" name="Shape 67"/>
         <p:cNvGrpSpPr/>
         <p:nvPr/>
       </p:nvGrpSpPr>
@@ -1081,9 +1107,11 @@
       <p:sp>
         <p:nvSpPr>
           <p:cNvPr id="68" name="Google Shape;68;p6:notes"/>
-          <p:cNvSpPr/>
+          <p:cNvSpPr>
+            <a:spLocks noGrp="1" noRot="1" noChangeAspect="1"/>
+          </p:cNvSpPr>
           <p:nvPr>
-            <p:ph idx="2" type="sldImg"/>
+            <p:ph type="sldImg" idx="2"/>
           </p:nvPr>
         </p:nvSpPr>
         <p:spPr>
@@ -1092,9 +1120,13 @@
             <a:ext cx="6096300" cy="3429000"/>
           </a:xfrm>
           <a:custGeom>
-            <a:rect b="b" l="l" r="r" t="t"/>
+            <a:avLst/>
+            <a:gdLst/>
+            <a:ahLst/>
+            <a:cxnLst/>
+            <a:rect l="l" t="t" r="r" b="b"/>
             <a:pathLst>
-              <a:path extrusionOk="0" h="120000" w="120000">
+              <a:path w="120000" h="120000" extrusionOk="0">
                 <a:moveTo>
                   <a:pt x="0" y="0"/>
                 </a:moveTo>
@@ -1112,23 +1144,25 @@
             </a:pathLst>
           </a:custGeom>
           <a:noFill/>
-          <a:ln cap="flat" cmpd="sng" w="9525">
+          <a:ln w="9525" cap="flat" cmpd="sng">
             <a:solidFill>
               <a:srgbClr val="000000"/>
             </a:solidFill>
             <a:prstDash val="solid"/>
             <a:round/>
-            <a:headEnd len="sm" w="sm" type="none"/>
-            <a:tailEnd len="sm" w="sm" type="none"/>
+            <a:headEnd type="none" w="sm" len="sm"/>
+            <a:tailEnd type="none" w="sm" len="sm"/>
           </a:ln>
         </p:spPr>
       </p:sp>
       <p:sp>
         <p:nvSpPr>
           <p:cNvPr id="69" name="Google Shape;69;p6:notes"/>
-          <p:cNvSpPr txBox="1"/>
+          <p:cNvSpPr txBox="1">
+            <a:spLocks noGrp="1"/>
+          </p:cNvSpPr>
           <p:nvPr>
-            <p:ph idx="1" type="body"/>
+            <p:ph type="body" idx="1"/>
           </p:nvPr>
         </p:nvSpPr>
         <p:spPr>
@@ -1145,12 +1179,12 @@
           </a:ln>
         </p:spPr>
         <p:txBody>
-          <a:bodyPr anchorCtr="0" anchor="t" bIns="91425" lIns="91425" spcFirstLastPara="1" rIns="91425" wrap="square" tIns="91425">
+          <a:bodyPr spcFirstLastPara="1" wrap="square" lIns="91425" tIns="91425" rIns="91425" bIns="91425" anchor="t" anchorCtr="0">
             <a:noAutofit/>
           </a:bodyPr>
           <a:lstStyle/>
           <a:p>
-            <a:pPr indent="0" lvl="0" marL="0" rtl="0" algn="l">
+            <a:pPr marL="0" lvl="0" indent="0" algn="l" rtl="0">
               <a:lnSpc>
                 <a:spcPct val="100000"/>
               </a:lnSpc>
@@ -1163,9 +1197,6 @@
               <a:buSzPts val="1400"/>
               <a:buNone/>
             </a:pPr>
-            <a:r>
-              <a:t/>
-            </a:r>
             <a:endParaRPr/>
           </a:p>
         </p:txBody>
@@ -1179,11 +1210,11 @@
 </file>
 
 <file path=ppt/notesSlides/notesSlide4.xml><?xml version="1.0" encoding="utf-8"?>
-<p:notes xmlns:a="http://schemas.openxmlformats.org/drawingml/2006/main" xmlns:r="http://schemas.openxmlformats.org/officeDocument/2006/relationships" xmlns:mc="http://schemas.openxmlformats.org/markup-compatibility/2006" xmlns:mv="urn:schemas-microsoft-com:mac:vml" xmlns:p="http://schemas.openxmlformats.org/presentationml/2006/main" xmlns:c="http://schemas.openxmlformats.org/drawingml/2006/chart" xmlns:dgm="http://schemas.openxmlformats.org/drawingml/2006/diagram" xmlns:o="urn:schemas-microsoft-com:office:office" xmlns:v="urn:schemas-microsoft-com:vml" xmlns:pvml="urn:schemas-microsoft-com:office:powerpoint" xmlns:com="http://schemas.openxmlformats.org/drawingml/2006/compatibility" xmlns:p14="http://schemas.microsoft.com/office/powerpoint/2010/main" xmlns:p15="http://schemas.microsoft.com/office/powerpoint/2012/main" showMasterPhAnim="0" showMasterSp="0">
+<p:notes xmlns:a="http://schemas.openxmlformats.org/drawingml/2006/main" xmlns:r="http://schemas.openxmlformats.org/officeDocument/2006/relationships" xmlns:p="http://schemas.openxmlformats.org/presentationml/2006/main" showMasterSp="0" showMasterPhAnim="0">
   <p:cSld>
     <p:spTree>
       <p:nvGrpSpPr>
-        <p:cNvPr id="75" name="Shape 75"/>
+        <p:cNvPr id="1" name="Shape 75"/>
         <p:cNvGrpSpPr/>
         <p:nvPr/>
       </p:nvGrpSpPr>
@@ -1198,9 +1229,11 @@
       <p:sp>
         <p:nvSpPr>
           <p:cNvPr id="76" name="Google Shape;76;g8a25fea61a_0_1:notes"/>
-          <p:cNvSpPr/>
+          <p:cNvSpPr>
+            <a:spLocks noGrp="1" noRot="1" noChangeAspect="1"/>
+          </p:cNvSpPr>
           <p:nvPr>
-            <p:ph idx="2" type="sldImg"/>
+            <p:ph type="sldImg" idx="2"/>
           </p:nvPr>
         </p:nvSpPr>
         <p:spPr>
@@ -1209,9 +1242,13 @@
             <a:ext cx="6096300" cy="3429000"/>
           </a:xfrm>
           <a:custGeom>
-            <a:rect b="b" l="l" r="r" t="t"/>
+            <a:avLst/>
+            <a:gdLst/>
+            <a:ahLst/>
+            <a:cxnLst/>
+            <a:rect l="l" t="t" r="r" b="b"/>
             <a:pathLst>
-              <a:path extrusionOk="0" h="120000" w="120000">
+              <a:path w="120000" h="120000" extrusionOk="0">
                 <a:moveTo>
                   <a:pt x="0" y="0"/>
                 </a:moveTo>
@@ -1229,23 +1266,25 @@
             </a:pathLst>
           </a:custGeom>
           <a:noFill/>
-          <a:ln cap="flat" cmpd="sng" w="9525">
+          <a:ln w="9525" cap="flat" cmpd="sng">
             <a:solidFill>
               <a:srgbClr val="000000"/>
             </a:solidFill>
             <a:prstDash val="solid"/>
             <a:round/>
-            <a:headEnd len="sm" w="sm" type="none"/>
-            <a:tailEnd len="sm" w="sm" type="none"/>
+            <a:headEnd type="none" w="sm" len="sm"/>
+            <a:tailEnd type="none" w="sm" len="sm"/>
           </a:ln>
         </p:spPr>
       </p:sp>
       <p:sp>
         <p:nvSpPr>
           <p:cNvPr id="77" name="Google Shape;77;g8a25fea61a_0_1:notes"/>
-          <p:cNvSpPr txBox="1"/>
+          <p:cNvSpPr txBox="1">
+            <a:spLocks noGrp="1"/>
+          </p:cNvSpPr>
           <p:nvPr>
-            <p:ph idx="1" type="body"/>
+            <p:ph type="body" idx="1"/>
           </p:nvPr>
         </p:nvSpPr>
         <p:spPr>
@@ -1262,12 +1301,12 @@
           </a:ln>
         </p:spPr>
         <p:txBody>
-          <a:bodyPr anchorCtr="0" anchor="t" bIns="91425" lIns="91425" spcFirstLastPara="1" rIns="91425" wrap="square" tIns="91425">
+          <a:bodyPr spcFirstLastPara="1" wrap="square" lIns="91425" tIns="91425" rIns="91425" bIns="91425" anchor="t" anchorCtr="0">
             <a:noAutofit/>
           </a:bodyPr>
           <a:lstStyle/>
           <a:p>
-            <a:pPr indent="0" lvl="0" marL="0" rtl="0" algn="l">
+            <a:pPr marL="0" lvl="0" indent="0" algn="l" rtl="0">
               <a:lnSpc>
                 <a:spcPct val="100000"/>
               </a:lnSpc>
@@ -1280,9 +1319,6 @@
               <a:buSzPts val="1400"/>
               <a:buNone/>
             </a:pPr>
-            <a:r>
-              <a:t/>
-            </a:r>
             <a:endParaRPr/>
           </a:p>
         </p:txBody>
@@ -1296,11 +1332,85 @@
 </file>
 
 <file path=ppt/notesSlides/notesSlide5.xml><?xml version="1.0" encoding="utf-8"?>
-<p:notes xmlns:a="http://schemas.openxmlformats.org/drawingml/2006/main" xmlns:r="http://schemas.openxmlformats.org/officeDocument/2006/relationships" xmlns:mc="http://schemas.openxmlformats.org/markup-compatibility/2006" xmlns:mv="urn:schemas-microsoft-com:mac:vml" xmlns:p="http://schemas.openxmlformats.org/presentationml/2006/main" xmlns:c="http://schemas.openxmlformats.org/drawingml/2006/chart" xmlns:dgm="http://schemas.openxmlformats.org/drawingml/2006/diagram" xmlns:o="urn:schemas-microsoft-com:office:office" xmlns:v="urn:schemas-microsoft-com:vml" xmlns:pvml="urn:schemas-microsoft-com:office:powerpoint" xmlns:com="http://schemas.openxmlformats.org/drawingml/2006/compatibility" xmlns:p14="http://schemas.microsoft.com/office/powerpoint/2010/main" xmlns:p15="http://schemas.microsoft.com/office/powerpoint/2012/main" showMasterPhAnim="0" showMasterSp="0">
+<p:notes xmlns:a="http://schemas.openxmlformats.org/drawingml/2006/main" xmlns:r="http://schemas.openxmlformats.org/officeDocument/2006/relationships" xmlns:p="http://schemas.openxmlformats.org/presentationml/2006/main">
   <p:cSld>
     <p:spTree>
       <p:nvGrpSpPr>
-        <p:cNvPr id="82" name="Shape 82"/>
+        <p:cNvPr id="1" name=""/>
+        <p:cNvGrpSpPr/>
+        <p:nvPr/>
+      </p:nvGrpSpPr>
+      <p:grpSpPr>
+        <a:xfrm>
+          <a:off x="0" y="0"/>
+          <a:ext cx="0" cy="0"/>
+          <a:chOff x="0" y="0"/>
+          <a:chExt cx="0" cy="0"/>
+        </a:xfrm>
+      </p:grpSpPr>
+      <p:sp>
+        <p:nvSpPr>
+          <p:cNvPr id="2" name="Slide Image Placeholder 1"/>
+          <p:cNvSpPr>
+            <a:spLocks noGrp="1" noRot="1" noChangeAspect="1"/>
+          </p:cNvSpPr>
+          <p:nvPr>
+            <p:ph type="sldImg"/>
+          </p:nvPr>
+        </p:nvSpPr>
+        <p:spPr/>
+      </p:sp>
+      <p:sp>
+        <p:nvSpPr>
+          <p:cNvPr id="3" name="Notes Placeholder 2"/>
+          <p:cNvSpPr>
+            <a:spLocks noGrp="1"/>
+          </p:cNvSpPr>
+          <p:nvPr>
+            <p:ph type="body" idx="1"/>
+          </p:nvPr>
+        </p:nvSpPr>
+        <p:spPr/>
+        <p:txBody>
+          <a:bodyPr/>
+          <a:lstStyle/>
+          <a:p>
+            <a:r>
+              <a:rPr lang="en-US" sz="1100" b="0" i="0" u="none" strike="noStrike" cap="none" dirty="0">
+                <a:solidFill>
+                  <a:srgbClr val="000000"/>
+                </a:solidFill>
+                <a:effectLst/>
+                <a:latin typeface="Arial"/>
+                <a:ea typeface="Arial"/>
+                <a:cs typeface="Arial"/>
+                <a:sym typeface="Arial"/>
+              </a:rPr>
+              <a:t>One strength of matrix factorization is the fact that it can incorporate implicit feedback, information that are not directly given but can be derived by analyzing user behavior. Using this strength we can estimate if a user is going to like a movie that (he/she) never saw. And if that estimated rating is high, we can recommend that movie to the user.</a:t>
+            </a:r>
+            <a:endParaRPr lang="en-US" dirty="0"/>
+          </a:p>
+        </p:txBody>
+      </p:sp>
+    </p:spTree>
+    <p:extLst>
+      <p:ext uri="{BB962C8B-B14F-4D97-AF65-F5344CB8AC3E}">
+        <p14:creationId xmlns:p14="http://schemas.microsoft.com/office/powerpoint/2010/main" val="2931242254"/>
+      </p:ext>
+    </p:extLst>
+  </p:cSld>
+  <p:clrMapOvr>
+    <a:masterClrMapping/>
+  </p:clrMapOvr>
+</p:notes>
+</file>
+
+<file path=ppt/notesSlides/notesSlide6.xml><?xml version="1.0" encoding="utf-8"?>
+<p:notes xmlns:a="http://schemas.openxmlformats.org/drawingml/2006/main" xmlns:r="http://schemas.openxmlformats.org/officeDocument/2006/relationships" xmlns:p="http://schemas.openxmlformats.org/presentationml/2006/main" showMasterSp="0" showMasterPhAnim="0">
+  <p:cSld>
+    <p:spTree>
+      <p:nvGrpSpPr>
+        <p:cNvPr id="1" name="Shape 82"/>
         <p:cNvGrpSpPr/>
         <p:nvPr/>
       </p:nvGrpSpPr>
@@ -1315,20 +1425,26 @@
       <p:sp>
         <p:nvSpPr>
           <p:cNvPr id="83" name="Google Shape;83;p10:notes"/>
-          <p:cNvSpPr/>
+          <p:cNvSpPr>
+            <a:spLocks noGrp="1" noRot="1" noChangeAspect="1"/>
+          </p:cNvSpPr>
           <p:nvPr>
-            <p:ph idx="2" type="sldImg"/>
+            <p:ph type="sldImg" idx="2"/>
           </p:nvPr>
         </p:nvSpPr>
         <p:spPr>
           <a:xfrm>
-            <a:off x="381175" y="685800"/>
-            <a:ext cx="6096300" cy="3429000"/>
+            <a:off x="381000" y="685800"/>
+            <a:ext cx="6096000" cy="3429000"/>
           </a:xfrm>
           <a:custGeom>
-            <a:rect b="b" l="l" r="r" t="t"/>
+            <a:avLst/>
+            <a:gdLst/>
+            <a:ahLst/>
+            <a:cxnLst/>
+            <a:rect l="l" t="t" r="r" b="b"/>
             <a:pathLst>
-              <a:path extrusionOk="0" h="120000" w="120000">
+              <a:path w="120000" h="120000" extrusionOk="0">
                 <a:moveTo>
                   <a:pt x="0" y="0"/>
                 </a:moveTo>
@@ -1346,23 +1462,25 @@
             </a:pathLst>
           </a:custGeom>
           <a:noFill/>
-          <a:ln cap="flat" cmpd="sng" w="9525">
+          <a:ln w="9525" cap="flat" cmpd="sng">
             <a:solidFill>
               <a:srgbClr val="000000"/>
             </a:solidFill>
             <a:prstDash val="solid"/>
             <a:round/>
-            <a:headEnd len="sm" w="sm" type="none"/>
-            <a:tailEnd len="sm" w="sm" type="none"/>
+            <a:headEnd type="none" w="sm" len="sm"/>
+            <a:tailEnd type="none" w="sm" len="sm"/>
           </a:ln>
         </p:spPr>
       </p:sp>
       <p:sp>
         <p:nvSpPr>
           <p:cNvPr id="84" name="Google Shape;84;p10:notes"/>
-          <p:cNvSpPr txBox="1"/>
+          <p:cNvSpPr txBox="1">
+            <a:spLocks noGrp="1"/>
+          </p:cNvSpPr>
           <p:nvPr>
-            <p:ph idx="1" type="body"/>
+            <p:ph type="body" idx="1"/>
           </p:nvPr>
         </p:nvSpPr>
         <p:spPr>
@@ -1379,12 +1497,12 @@
           </a:ln>
         </p:spPr>
         <p:txBody>
-          <a:bodyPr anchorCtr="0" anchor="t" bIns="91425" lIns="91425" spcFirstLastPara="1" rIns="91425" wrap="square" tIns="91425">
+          <a:bodyPr spcFirstLastPara="1" wrap="square" lIns="91425" tIns="91425" rIns="91425" bIns="91425" anchor="t" anchorCtr="0">
             <a:noAutofit/>
           </a:bodyPr>
           <a:lstStyle/>
           <a:p>
-            <a:pPr indent="0" lvl="0" marL="0" rtl="0" algn="l">
+            <a:pPr marL="0" lvl="0" indent="0" algn="l" rtl="0">
               <a:lnSpc>
                 <a:spcPct val="100000"/>
               </a:lnSpc>
@@ -1402,13 +1520,13 @@
               <a:buNone/>
             </a:pPr>
             <a:r>
-              <a:rPr lang="en"/>
+              <a:rPr lang="en" dirty="0"/>
               <a:t>R – The user-movie rating matrix</a:t>
             </a:r>
-            <a:endParaRPr/>
+            <a:endParaRPr dirty="0"/>
           </a:p>
           <a:p>
-            <a:pPr indent="0" lvl="0" marL="0" rtl="0" algn="l">
+            <a:pPr marL="0" lvl="0" indent="0" algn="l" rtl="0">
               <a:lnSpc>
                 <a:spcPct val="100000"/>
               </a:lnSpc>
@@ -1426,13 +1544,13 @@
               <a:buNone/>
             </a:pPr>
             <a:r>
-              <a:rPr lang="en"/>
+              <a:rPr lang="en" dirty="0"/>
               <a:t>K – Number of latent features</a:t>
             </a:r>
-            <a:endParaRPr/>
+            <a:endParaRPr dirty="0"/>
           </a:p>
           <a:p>
-            <a:pPr indent="0" lvl="0" marL="0" rtl="0" algn="l">
+            <a:pPr marL="0" lvl="0" indent="0" algn="l" rtl="0">
               <a:lnSpc>
                 <a:spcPct val="100000"/>
               </a:lnSpc>
@@ -1450,13 +1568,13 @@
               <a:buNone/>
             </a:pPr>
             <a:r>
-              <a:rPr lang="en"/>
+              <a:rPr lang="en" dirty="0"/>
               <a:t>alpha – Learning rate for stochastic gradient descent</a:t>
             </a:r>
-            <a:endParaRPr/>
+            <a:endParaRPr dirty="0"/>
           </a:p>
           <a:p>
-            <a:pPr indent="0" lvl="0" marL="0" rtl="0" algn="l">
+            <a:pPr marL="0" lvl="0" indent="0" algn="l" rtl="0">
               <a:lnSpc>
                 <a:spcPct val="100000"/>
               </a:lnSpc>
@@ -1474,13 +1592,13 @@
               <a:buNone/>
             </a:pPr>
             <a:r>
-              <a:rPr lang="en"/>
+              <a:rPr lang="en" dirty="0"/>
               <a:t>beta – Regularization parameter for bias</a:t>
             </a:r>
-            <a:endParaRPr/>
+            <a:endParaRPr dirty="0"/>
           </a:p>
           <a:p>
-            <a:pPr indent="0" lvl="0" marL="0" rtl="0" algn="l">
+            <a:pPr marL="0" lvl="0" indent="0" algn="l" rtl="0">
               <a:lnSpc>
                 <a:spcPct val="100000"/>
               </a:lnSpc>
@@ -1498,13 +1616,13 @@
               <a:buNone/>
             </a:pPr>
             <a:r>
-              <a:rPr lang="en"/>
-              <a:t>#iterations – Number of iterations to perform stochastic gradient descent   </a:t>
+              <a:rPr lang="en" dirty="0"/>
+              <a:t>iterations – Number of iterations to perform stochastic gradient descent   </a:t>
             </a:r>
-            <a:endParaRPr/>
+            <a:endParaRPr dirty="0"/>
           </a:p>
           <a:p>
-            <a:pPr indent="0" lvl="0" marL="0" rtl="0" algn="l">
+            <a:pPr marL="0" lvl="0" indent="0" algn="l" rtl="0">
               <a:lnSpc>
                 <a:spcPct val="100000"/>
               </a:lnSpc>
@@ -1517,10 +1635,7 @@
               <a:buSzPts val="1400"/>
               <a:buNone/>
             </a:pPr>
-            <a:r>
-              <a:t/>
-            </a:r>
-            <a:endParaRPr/>
+            <a:endParaRPr dirty="0"/>
           </a:p>
         </p:txBody>
       </p:sp>
@@ -1532,12 +1647,12 @@
 </p:notes>
 </file>
 
-<file path=ppt/notesSlides/notesSlide6.xml><?xml version="1.0" encoding="utf-8"?>
-<p:notes xmlns:a="http://schemas.openxmlformats.org/drawingml/2006/main" xmlns:r="http://schemas.openxmlformats.org/officeDocument/2006/relationships" xmlns:mc="http://schemas.openxmlformats.org/markup-compatibility/2006" xmlns:mv="urn:schemas-microsoft-com:mac:vml" xmlns:p="http://schemas.openxmlformats.org/presentationml/2006/main" xmlns:c="http://schemas.openxmlformats.org/drawingml/2006/chart" xmlns:dgm="http://schemas.openxmlformats.org/drawingml/2006/diagram" xmlns:o="urn:schemas-microsoft-com:office:office" xmlns:v="urn:schemas-microsoft-com:vml" xmlns:pvml="urn:schemas-microsoft-com:office:powerpoint" xmlns:com="http://schemas.openxmlformats.org/drawingml/2006/compatibility" xmlns:p14="http://schemas.microsoft.com/office/powerpoint/2010/main" xmlns:p15="http://schemas.microsoft.com/office/powerpoint/2012/main" showMasterPhAnim="0" showMasterSp="0">
+<file path=ppt/notesSlides/notesSlide7.xml><?xml version="1.0" encoding="utf-8"?>
+<p:notes xmlns:a="http://schemas.openxmlformats.org/drawingml/2006/main" xmlns:r="http://schemas.openxmlformats.org/officeDocument/2006/relationships" xmlns:p="http://schemas.openxmlformats.org/presentationml/2006/main" showMasterSp="0" showMasterPhAnim="0">
   <p:cSld>
     <p:spTree>
       <p:nvGrpSpPr>
-        <p:cNvPr id="88" name="Shape 88"/>
+        <p:cNvPr id="1" name="Shape 88"/>
         <p:cNvGrpSpPr/>
         <p:nvPr/>
       </p:nvGrpSpPr>
@@ -1552,20 +1667,26 @@
       <p:sp>
         <p:nvSpPr>
           <p:cNvPr id="89" name="Google Shape;89;g8a25fea61a_0_10:notes"/>
-          <p:cNvSpPr/>
+          <p:cNvSpPr>
+            <a:spLocks noGrp="1" noRot="1" noChangeAspect="1"/>
+          </p:cNvSpPr>
           <p:nvPr>
-            <p:ph idx="2" type="sldImg"/>
+            <p:ph type="sldImg" idx="2"/>
           </p:nvPr>
         </p:nvSpPr>
         <p:spPr>
           <a:xfrm>
-            <a:off x="381175" y="685800"/>
-            <a:ext cx="6096300" cy="3429000"/>
+            <a:off x="381000" y="685800"/>
+            <a:ext cx="6096000" cy="3429000"/>
           </a:xfrm>
           <a:custGeom>
-            <a:rect b="b" l="l" r="r" t="t"/>
+            <a:avLst/>
+            <a:gdLst/>
+            <a:ahLst/>
+            <a:cxnLst/>
+            <a:rect l="l" t="t" r="r" b="b"/>
             <a:pathLst>
-              <a:path extrusionOk="0" h="120000" w="120000">
+              <a:path w="120000" h="120000" extrusionOk="0">
                 <a:moveTo>
                   <a:pt x="0" y="0"/>
                 </a:moveTo>
@@ -1587,9 +1708,11 @@
       <p:sp>
         <p:nvSpPr>
           <p:cNvPr id="90" name="Google Shape;90;g8a25fea61a_0_10:notes"/>
-          <p:cNvSpPr txBox="1"/>
+          <p:cNvSpPr txBox="1">
+            <a:spLocks noGrp="1"/>
+          </p:cNvSpPr>
           <p:nvPr>
-            <p:ph idx="1" type="body"/>
+            <p:ph type="body" idx="1"/>
           </p:nvPr>
         </p:nvSpPr>
         <p:spPr>
@@ -1602,12 +1725,12 @@
           </a:prstGeom>
         </p:spPr>
         <p:txBody>
-          <a:bodyPr anchorCtr="0" anchor="t" bIns="91425" lIns="91425" spcFirstLastPara="1" rIns="91425" wrap="square" tIns="91425">
+          <a:bodyPr spcFirstLastPara="1" wrap="square" lIns="91425" tIns="91425" rIns="91425" bIns="91425" anchor="t" anchorCtr="0">
             <a:noAutofit/>
           </a:bodyPr>
           <a:lstStyle/>
           <a:p>
-            <a:pPr indent="0" lvl="0" marL="0" rtl="0" algn="l">
+            <a:pPr marL="0" lvl="0" indent="0" algn="l" rtl="0">
               <a:spcBef>
                 <a:spcPts val="0"/>
               </a:spcBef>
@@ -1617,9 +1740,19 @@
               <a:buNone/>
             </a:pPr>
             <a:r>
-              <a:t/>
+              <a:rPr lang="en-US" sz="1100" b="0" i="0" u="none" strike="noStrike" cap="none" dirty="0">
+                <a:solidFill>
+                  <a:srgbClr val="000000"/>
+                </a:solidFill>
+                <a:effectLst/>
+                <a:latin typeface="Arial"/>
+                <a:ea typeface="Arial"/>
+                <a:cs typeface="Arial"/>
+                <a:sym typeface="Arial"/>
+              </a:rPr>
+              <a:t>The point of integrating bias terms is to remove the "bias" given by users (or the bias for a movie) : for example if Alice tends to rate all movies 1 star too high, in order to compare her ratings to other users, you must remove 1 star to all of her ratings. Similarly, if you want to predict the rating Alice will give to a movie, you have to add 1 star to the score you would get if Alice was an "average" user.</a:t>
             </a:r>
-            <a:endParaRPr/>
+            <a:endParaRPr dirty="0"/>
           </a:p>
         </p:txBody>
       </p:sp>
@@ -1631,12 +1764,12 @@
 </p:notes>
 </file>
 
-<file path=ppt/notesSlides/notesSlide7.xml><?xml version="1.0" encoding="utf-8"?>
-<p:notes xmlns:a="http://schemas.openxmlformats.org/drawingml/2006/main" xmlns:r="http://schemas.openxmlformats.org/officeDocument/2006/relationships" xmlns:mc="http://schemas.openxmlformats.org/markup-compatibility/2006" xmlns:mv="urn:schemas-microsoft-com:mac:vml" xmlns:p="http://schemas.openxmlformats.org/presentationml/2006/main" xmlns:c="http://schemas.openxmlformats.org/drawingml/2006/chart" xmlns:dgm="http://schemas.openxmlformats.org/drawingml/2006/diagram" xmlns:o="urn:schemas-microsoft-com:office:office" xmlns:v="urn:schemas-microsoft-com:vml" xmlns:pvml="urn:schemas-microsoft-com:office:powerpoint" xmlns:com="http://schemas.openxmlformats.org/drawingml/2006/compatibility" xmlns:p14="http://schemas.microsoft.com/office/powerpoint/2010/main" xmlns:p15="http://schemas.microsoft.com/office/powerpoint/2012/main" showMasterPhAnim="0" showMasterSp="0">
+<file path=ppt/notesSlides/notesSlide8.xml><?xml version="1.0" encoding="utf-8"?>
+<p:notes xmlns:a="http://schemas.openxmlformats.org/drawingml/2006/main" xmlns:r="http://schemas.openxmlformats.org/officeDocument/2006/relationships" xmlns:p="http://schemas.openxmlformats.org/presentationml/2006/main" showMasterSp="0" showMasterPhAnim="0">
   <p:cSld>
     <p:spTree>
       <p:nvGrpSpPr>
-        <p:cNvPr id="94" name="Shape 94"/>
+        <p:cNvPr id="1" name="Shape 94"/>
         <p:cNvGrpSpPr/>
         <p:nvPr/>
       </p:nvGrpSpPr>
@@ -1651,20 +1784,26 @@
       <p:sp>
         <p:nvSpPr>
           <p:cNvPr id="95" name="Google Shape;95;g8a25fea61a_0_17:notes"/>
-          <p:cNvSpPr/>
+          <p:cNvSpPr>
+            <a:spLocks noGrp="1" noRot="1" noChangeAspect="1"/>
+          </p:cNvSpPr>
           <p:nvPr>
-            <p:ph idx="2" type="sldImg"/>
+            <p:ph type="sldImg" idx="2"/>
           </p:nvPr>
         </p:nvSpPr>
         <p:spPr>
           <a:xfrm>
-            <a:off x="381175" y="685800"/>
-            <a:ext cx="6096300" cy="3429000"/>
+            <a:off x="381000" y="685800"/>
+            <a:ext cx="6096000" cy="3429000"/>
           </a:xfrm>
           <a:custGeom>
-            <a:rect b="b" l="l" r="r" t="t"/>
+            <a:avLst/>
+            <a:gdLst/>
+            <a:ahLst/>
+            <a:cxnLst/>
+            <a:rect l="l" t="t" r="r" b="b"/>
             <a:pathLst>
-              <a:path extrusionOk="0" h="120000" w="120000">
+              <a:path w="120000" h="120000" extrusionOk="0">
                 <a:moveTo>
                   <a:pt x="0" y="0"/>
                 </a:moveTo>
@@ -1686,9 +1825,11 @@
       <p:sp>
         <p:nvSpPr>
           <p:cNvPr id="96" name="Google Shape;96;g8a25fea61a_0_17:notes"/>
-          <p:cNvSpPr txBox="1"/>
+          <p:cNvSpPr txBox="1">
+            <a:spLocks noGrp="1"/>
+          </p:cNvSpPr>
           <p:nvPr>
-            <p:ph idx="1" type="body"/>
+            <p:ph type="body" idx="1"/>
           </p:nvPr>
         </p:nvSpPr>
         <p:spPr>
@@ -1701,12 +1842,12 @@
           </a:prstGeom>
         </p:spPr>
         <p:txBody>
-          <a:bodyPr anchorCtr="0" anchor="t" bIns="91425" lIns="91425" spcFirstLastPara="1" rIns="91425" wrap="square" tIns="91425">
+          <a:bodyPr spcFirstLastPara="1" wrap="square" lIns="91425" tIns="91425" rIns="91425" bIns="91425" anchor="t" anchorCtr="0">
             <a:noAutofit/>
           </a:bodyPr>
           <a:lstStyle/>
           <a:p>
-            <a:pPr indent="0" lvl="0" marL="0" rtl="0" algn="l">
+            <a:pPr marL="0" lvl="0" indent="0" algn="l" rtl="0">
               <a:spcBef>
                 <a:spcPts val="0"/>
               </a:spcBef>
@@ -1715,9 +1856,6 @@
               </a:spcAft>
               <a:buNone/>
             </a:pPr>
-            <a:r>
-              <a:t/>
-            </a:r>
             <a:endParaRPr/>
           </a:p>
         </p:txBody>
@@ -1730,12 +1868,12 @@
 </p:notes>
 </file>
 
-<file path=ppt/notesSlides/notesSlide8.xml><?xml version="1.0" encoding="utf-8"?>
-<p:notes xmlns:a="http://schemas.openxmlformats.org/drawingml/2006/main" xmlns:r="http://schemas.openxmlformats.org/officeDocument/2006/relationships" xmlns:mc="http://schemas.openxmlformats.org/markup-compatibility/2006" xmlns:mv="urn:schemas-microsoft-com:mac:vml" xmlns:p="http://schemas.openxmlformats.org/presentationml/2006/main" xmlns:c="http://schemas.openxmlformats.org/drawingml/2006/chart" xmlns:dgm="http://schemas.openxmlformats.org/drawingml/2006/diagram" xmlns:o="urn:schemas-microsoft-com:office:office" xmlns:v="urn:schemas-microsoft-com:vml" xmlns:pvml="urn:schemas-microsoft-com:office:powerpoint" xmlns:com="http://schemas.openxmlformats.org/drawingml/2006/compatibility" xmlns:p14="http://schemas.microsoft.com/office/powerpoint/2010/main" xmlns:p15="http://schemas.microsoft.com/office/powerpoint/2012/main" showMasterPhAnim="0" showMasterSp="0">
+<file path=ppt/notesSlides/notesSlide9.xml><?xml version="1.0" encoding="utf-8"?>
+<p:notes xmlns:a="http://schemas.openxmlformats.org/drawingml/2006/main" xmlns:r="http://schemas.openxmlformats.org/officeDocument/2006/relationships" xmlns:p="http://schemas.openxmlformats.org/presentationml/2006/main" showMasterSp="0" showMasterPhAnim="0">
   <p:cSld>
     <p:spTree>
       <p:nvGrpSpPr>
-        <p:cNvPr id="100" name="Shape 100"/>
+        <p:cNvPr id="1" name="Shape 100"/>
         <p:cNvGrpSpPr/>
         <p:nvPr/>
       </p:nvGrpSpPr>
@@ -1750,20 +1888,26 @@
       <p:sp>
         <p:nvSpPr>
           <p:cNvPr id="101" name="Google Shape;101;g8a25fea61a_0_25:notes"/>
-          <p:cNvSpPr/>
+          <p:cNvSpPr>
+            <a:spLocks noGrp="1" noRot="1" noChangeAspect="1"/>
+          </p:cNvSpPr>
           <p:nvPr>
-            <p:ph idx="2" type="sldImg"/>
+            <p:ph type="sldImg" idx="2"/>
           </p:nvPr>
         </p:nvSpPr>
         <p:spPr>
           <a:xfrm>
-            <a:off x="381175" y="685800"/>
-            <a:ext cx="6096300" cy="3429000"/>
+            <a:off x="381000" y="685800"/>
+            <a:ext cx="6096000" cy="3429000"/>
           </a:xfrm>
           <a:custGeom>
-            <a:rect b="b" l="l" r="r" t="t"/>
+            <a:avLst/>
+            <a:gdLst/>
+            <a:ahLst/>
+            <a:cxnLst/>
+            <a:rect l="l" t="t" r="r" b="b"/>
             <a:pathLst>
-              <a:path extrusionOk="0" h="120000" w="120000">
+              <a:path w="120000" h="120000" extrusionOk="0">
                 <a:moveTo>
                   <a:pt x="0" y="0"/>
                 </a:moveTo>
@@ -1785,9 +1929,11 @@
       <p:sp>
         <p:nvSpPr>
           <p:cNvPr id="102" name="Google Shape;102;g8a25fea61a_0_25:notes"/>
-          <p:cNvSpPr txBox="1"/>
+          <p:cNvSpPr txBox="1">
+            <a:spLocks noGrp="1"/>
+          </p:cNvSpPr>
           <p:nvPr>
-            <p:ph idx="1" type="body"/>
+            <p:ph type="body" idx="1"/>
           </p:nvPr>
         </p:nvSpPr>
         <p:spPr>
@@ -1800,12 +1946,12 @@
           </a:prstGeom>
         </p:spPr>
         <p:txBody>
-          <a:bodyPr anchorCtr="0" anchor="t" bIns="91425" lIns="91425" spcFirstLastPara="1" rIns="91425" wrap="square" tIns="91425">
+          <a:bodyPr spcFirstLastPara="1" wrap="square" lIns="91425" tIns="91425" rIns="91425" bIns="91425" anchor="t" anchorCtr="0">
             <a:noAutofit/>
           </a:bodyPr>
           <a:lstStyle/>
           <a:p>
-            <a:pPr indent="0" lvl="0" marL="0" rtl="0" algn="l">
+            <a:pPr marL="0" lvl="0" indent="0" algn="l" rtl="0">
               <a:spcBef>
                 <a:spcPts val="0"/>
               </a:spcBef>
@@ -1814,9 +1960,6 @@
               </a:spcAft>
               <a:buNone/>
             </a:pPr>
-            <a:r>
-              <a:t/>
-            </a:r>
             <a:endParaRPr/>
           </a:p>
         </p:txBody>
@@ -1830,11 +1973,11 @@
 </file>
 
 <file path=ppt/slideLayouts/slideLayout1.xml><?xml version="1.0" encoding="utf-8"?>
-<p:sldLayout xmlns:a="http://schemas.openxmlformats.org/drawingml/2006/main" xmlns:r="http://schemas.openxmlformats.org/officeDocument/2006/relationships" xmlns:mc="http://schemas.openxmlformats.org/markup-compatibility/2006" xmlns:mv="urn:schemas-microsoft-com:mac:vml" xmlns:p="http://schemas.openxmlformats.org/presentationml/2006/main" xmlns:c="http://schemas.openxmlformats.org/drawingml/2006/chart" xmlns:dgm="http://schemas.openxmlformats.org/drawingml/2006/diagram" xmlns:o="urn:schemas-microsoft-com:office:office" xmlns:v="urn:schemas-microsoft-com:vml" xmlns:pvml="urn:schemas-microsoft-com:office:powerpoint" xmlns:com="http://schemas.openxmlformats.org/drawingml/2006/compatibility" xmlns:p14="http://schemas.microsoft.com/office/powerpoint/2010/main" xmlns:p15="http://schemas.microsoft.com/office/powerpoint/2012/main" matchingName="Title" type="title">
+<p:sldLayout xmlns:a="http://schemas.openxmlformats.org/drawingml/2006/main" xmlns:r="http://schemas.openxmlformats.org/officeDocument/2006/relationships" xmlns:p="http://schemas.openxmlformats.org/presentationml/2006/main" matchingName="Title" type="title">
   <p:cSld name="TITLE">
     <p:spTree>
       <p:nvGrpSpPr>
-        <p:cNvPr id="18" name="Shape 18"/>
+        <p:cNvPr id="1" name="Shape 18"/>
         <p:cNvGrpSpPr/>
         <p:nvPr/>
       </p:nvGrpSpPr>
@@ -1849,7 +1992,9 @@
       <p:sp>
         <p:nvSpPr>
           <p:cNvPr id="19" name="Google Shape;19;p32"/>
-          <p:cNvSpPr txBox="1"/>
+          <p:cNvSpPr txBox="1">
+            <a:spLocks noGrp="1"/>
+          </p:cNvSpPr>
           <p:nvPr>
             <p:ph type="ctrTitle"/>
           </p:nvPr>
@@ -1868,7 +2013,7 @@
           </a:ln>
         </p:spPr>
         <p:txBody>
-          <a:bodyPr anchorCtr="0" anchor="ctr" bIns="91425" lIns="91425" spcFirstLastPara="1" rIns="91425" wrap="square" tIns="91425">
+          <a:bodyPr spcFirstLastPara="1" wrap="square" lIns="91425" tIns="91425" rIns="91425" bIns="91425" anchor="ctr" anchorCtr="0">
             <a:noAutofit/>
           </a:bodyPr>
           <a:lstStyle>
@@ -1999,7 +2144,9 @@
               <a:defRPr sz="6000"/>
             </a:lvl9pPr>
           </a:lstStyle>
-          <a:p/>
+          <a:p>
+            <a:endParaRPr/>
+          </a:p>
         </p:txBody>
       </p:sp>
     </p:spTree>
@@ -2011,11 +2158,11 @@
 </file>
 
 <file path=ppt/slideLayouts/slideLayout2.xml><?xml version="1.0" encoding="utf-8"?>
-<p:sldLayout xmlns:a="http://schemas.openxmlformats.org/drawingml/2006/main" xmlns:r="http://schemas.openxmlformats.org/officeDocument/2006/relationships" xmlns:mc="http://schemas.openxmlformats.org/markup-compatibility/2006" xmlns:mv="urn:schemas-microsoft-com:mac:vml" xmlns:p="http://schemas.openxmlformats.org/presentationml/2006/main" xmlns:c="http://schemas.openxmlformats.org/drawingml/2006/chart" xmlns:dgm="http://schemas.openxmlformats.org/drawingml/2006/diagram" xmlns:o="urn:schemas-microsoft-com:office:office" xmlns:v="urn:schemas-microsoft-com:vml" xmlns:pvml="urn:schemas-microsoft-com:office:powerpoint" xmlns:com="http://schemas.openxmlformats.org/drawingml/2006/compatibility" xmlns:p14="http://schemas.microsoft.com/office/powerpoint/2010/main" xmlns:p15="http://schemas.microsoft.com/office/powerpoint/2012/main" matchingName="Title + 2 columns" type="twoColTx">
+<p:sldLayout xmlns:a="http://schemas.openxmlformats.org/drawingml/2006/main" xmlns:r="http://schemas.openxmlformats.org/officeDocument/2006/relationships" xmlns:p="http://schemas.openxmlformats.org/presentationml/2006/main" matchingName="Title + 2 columns" type="twoColTx">
   <p:cSld name="TITLE_AND_TWO_COLUMNS">
     <p:spTree>
       <p:nvGrpSpPr>
-        <p:cNvPr id="20" name="Shape 20"/>
+        <p:cNvPr id="1" name="Shape 20"/>
         <p:cNvGrpSpPr/>
         <p:nvPr/>
       </p:nvGrpSpPr>
@@ -2030,7 +2177,9 @@
       <p:sp>
         <p:nvSpPr>
           <p:cNvPr id="21" name="Google Shape;21;p33"/>
-          <p:cNvSpPr txBox="1"/>
+          <p:cNvSpPr txBox="1">
+            <a:spLocks noGrp="1"/>
+          </p:cNvSpPr>
           <p:nvPr>
             <p:ph type="title"/>
           </p:nvPr>
@@ -2049,7 +2198,7 @@
           </a:ln>
         </p:spPr>
         <p:txBody>
-          <a:bodyPr anchorCtr="0" anchor="t" bIns="91425" lIns="91425" spcFirstLastPara="1" rIns="91425" wrap="square" tIns="91425">
+          <a:bodyPr spcFirstLastPara="1" wrap="square" lIns="91425" tIns="91425" rIns="91425" bIns="91425" anchor="t" anchorCtr="0">
             <a:noAutofit/>
           </a:bodyPr>
           <a:lstStyle>
@@ -2180,15 +2329,19 @@
               <a:defRPr/>
             </a:lvl9pPr>
           </a:lstStyle>
-          <a:p/>
+          <a:p>
+            <a:endParaRPr/>
+          </a:p>
         </p:txBody>
       </p:sp>
       <p:sp>
         <p:nvSpPr>
           <p:cNvPr id="22" name="Google Shape;22;p33"/>
-          <p:cNvSpPr txBox="1"/>
+          <p:cNvSpPr txBox="1">
+            <a:spLocks noGrp="1"/>
+          </p:cNvSpPr>
           <p:nvPr>
-            <p:ph idx="1" type="body"/>
+            <p:ph type="body" idx="1"/>
           </p:nvPr>
         </p:nvSpPr>
         <p:spPr>
@@ -2205,11 +2358,11 @@
           </a:ln>
         </p:spPr>
         <p:txBody>
-          <a:bodyPr anchorCtr="0" anchor="t" bIns="91425" lIns="91425" spcFirstLastPara="1" rIns="91425" wrap="square" tIns="91425">
+          <a:bodyPr spcFirstLastPara="1" wrap="square" lIns="91425" tIns="91425" rIns="91425" bIns="91425" anchor="t" anchorCtr="0">
             <a:noAutofit/>
           </a:bodyPr>
           <a:lstStyle>
-            <a:lvl1pPr indent="-330200" lvl="0" marL="457200" algn="l">
+            <a:lvl1pPr marL="457200" lvl="0" indent="-330200" algn="l">
               <a:lnSpc>
                 <a:spcPct val="100000"/>
               </a:lnSpc>
@@ -2223,7 +2376,7 @@
               <a:buChar char="✘"/>
               <a:defRPr sz="1600"/>
             </a:lvl1pPr>
-            <a:lvl2pPr indent="-330200" lvl="1" marL="914400" algn="l">
+            <a:lvl2pPr marL="914400" lvl="1" indent="-330200" algn="l">
               <a:lnSpc>
                 <a:spcPct val="100000"/>
               </a:lnSpc>
@@ -2237,7 +2390,7 @@
               <a:buChar char="○"/>
               <a:defRPr sz="1600"/>
             </a:lvl2pPr>
-            <a:lvl3pPr indent="-330200" lvl="2" marL="1371600" algn="l">
+            <a:lvl3pPr marL="1371600" lvl="2" indent="-330200" algn="l">
               <a:lnSpc>
                 <a:spcPct val="100000"/>
               </a:lnSpc>
@@ -2251,7 +2404,7 @@
               <a:buChar char="■"/>
               <a:defRPr sz="1600"/>
             </a:lvl3pPr>
-            <a:lvl4pPr indent="-330200" lvl="3" marL="1828800" algn="l">
+            <a:lvl4pPr marL="1828800" lvl="3" indent="-330200" algn="l">
               <a:lnSpc>
                 <a:spcPct val="100000"/>
               </a:lnSpc>
@@ -2265,7 +2418,7 @@
               <a:buChar char="●"/>
               <a:defRPr sz="1600"/>
             </a:lvl4pPr>
-            <a:lvl5pPr indent="-330200" lvl="4" marL="2286000" algn="l">
+            <a:lvl5pPr marL="2286000" lvl="4" indent="-330200" algn="l">
               <a:lnSpc>
                 <a:spcPct val="100000"/>
               </a:lnSpc>
@@ -2279,7 +2432,7 @@
               <a:buChar char="○"/>
               <a:defRPr sz="1600"/>
             </a:lvl5pPr>
-            <a:lvl6pPr indent="-330200" lvl="5" marL="2743200" algn="l">
+            <a:lvl6pPr marL="2743200" lvl="5" indent="-330200" algn="l">
               <a:lnSpc>
                 <a:spcPct val="100000"/>
               </a:lnSpc>
@@ -2293,7 +2446,7 @@
               <a:buChar char="■"/>
               <a:defRPr sz="1600"/>
             </a:lvl6pPr>
-            <a:lvl7pPr indent="-330200" lvl="6" marL="3200400" algn="l">
+            <a:lvl7pPr marL="3200400" lvl="6" indent="-330200" algn="l">
               <a:lnSpc>
                 <a:spcPct val="100000"/>
               </a:lnSpc>
@@ -2307,7 +2460,7 @@
               <a:buChar char="●"/>
               <a:defRPr sz="1600"/>
             </a:lvl7pPr>
-            <a:lvl8pPr indent="-330200" lvl="7" marL="3657600" algn="l">
+            <a:lvl8pPr marL="3657600" lvl="7" indent="-330200" algn="l">
               <a:lnSpc>
                 <a:spcPct val="100000"/>
               </a:lnSpc>
@@ -2321,7 +2474,7 @@
               <a:buChar char="○"/>
               <a:defRPr sz="1600"/>
             </a:lvl8pPr>
-            <a:lvl9pPr indent="-330200" lvl="8" marL="4114800" algn="l">
+            <a:lvl9pPr marL="4114800" lvl="8" indent="-330200" algn="l">
               <a:lnSpc>
                 <a:spcPct val="100000"/>
               </a:lnSpc>
@@ -2336,15 +2489,19 @@
               <a:defRPr sz="1600"/>
             </a:lvl9pPr>
           </a:lstStyle>
-          <a:p/>
+          <a:p>
+            <a:endParaRPr/>
+          </a:p>
         </p:txBody>
       </p:sp>
       <p:sp>
         <p:nvSpPr>
           <p:cNvPr id="23" name="Google Shape;23;p33"/>
-          <p:cNvSpPr txBox="1"/>
+          <p:cNvSpPr txBox="1">
+            <a:spLocks noGrp="1"/>
+          </p:cNvSpPr>
           <p:nvPr>
-            <p:ph idx="2" type="body"/>
+            <p:ph type="body" idx="2"/>
           </p:nvPr>
         </p:nvSpPr>
         <p:spPr>
@@ -2361,11 +2518,11 @@
           </a:ln>
         </p:spPr>
         <p:txBody>
-          <a:bodyPr anchorCtr="0" anchor="t" bIns="91425" lIns="91425" spcFirstLastPara="1" rIns="91425" wrap="square" tIns="91425">
+          <a:bodyPr spcFirstLastPara="1" wrap="square" lIns="91425" tIns="91425" rIns="91425" bIns="91425" anchor="t" anchorCtr="0">
             <a:noAutofit/>
           </a:bodyPr>
           <a:lstStyle>
-            <a:lvl1pPr indent="-330200" lvl="0" marL="457200" algn="l">
+            <a:lvl1pPr marL="457200" lvl="0" indent="-330200" algn="l">
               <a:lnSpc>
                 <a:spcPct val="100000"/>
               </a:lnSpc>
@@ -2379,7 +2536,7 @@
               <a:buChar char="✘"/>
               <a:defRPr sz="1600"/>
             </a:lvl1pPr>
-            <a:lvl2pPr indent="-330200" lvl="1" marL="914400" algn="l">
+            <a:lvl2pPr marL="914400" lvl="1" indent="-330200" algn="l">
               <a:lnSpc>
                 <a:spcPct val="100000"/>
               </a:lnSpc>
@@ -2393,7 +2550,7 @@
               <a:buChar char="○"/>
               <a:defRPr sz="1600"/>
             </a:lvl2pPr>
-            <a:lvl3pPr indent="-330200" lvl="2" marL="1371600" algn="l">
+            <a:lvl3pPr marL="1371600" lvl="2" indent="-330200" algn="l">
               <a:lnSpc>
                 <a:spcPct val="100000"/>
               </a:lnSpc>
@@ -2407,7 +2564,7 @@
               <a:buChar char="■"/>
               <a:defRPr sz="1600"/>
             </a:lvl3pPr>
-            <a:lvl4pPr indent="-330200" lvl="3" marL="1828800" algn="l">
+            <a:lvl4pPr marL="1828800" lvl="3" indent="-330200" algn="l">
               <a:lnSpc>
                 <a:spcPct val="100000"/>
               </a:lnSpc>
@@ -2421,7 +2578,7 @@
               <a:buChar char="●"/>
               <a:defRPr sz="1600"/>
             </a:lvl4pPr>
-            <a:lvl5pPr indent="-330200" lvl="4" marL="2286000" algn="l">
+            <a:lvl5pPr marL="2286000" lvl="4" indent="-330200" algn="l">
               <a:lnSpc>
                 <a:spcPct val="100000"/>
               </a:lnSpc>
@@ -2435,7 +2592,7 @@
               <a:buChar char="○"/>
               <a:defRPr sz="1600"/>
             </a:lvl5pPr>
-            <a:lvl6pPr indent="-330200" lvl="5" marL="2743200" algn="l">
+            <a:lvl6pPr marL="2743200" lvl="5" indent="-330200" algn="l">
               <a:lnSpc>
                 <a:spcPct val="100000"/>
               </a:lnSpc>
@@ -2449,7 +2606,7 @@
               <a:buChar char="■"/>
               <a:defRPr sz="1600"/>
             </a:lvl6pPr>
-            <a:lvl7pPr indent="-330200" lvl="6" marL="3200400" algn="l">
+            <a:lvl7pPr marL="3200400" lvl="6" indent="-330200" algn="l">
               <a:lnSpc>
                 <a:spcPct val="100000"/>
               </a:lnSpc>
@@ -2463,7 +2620,7 @@
               <a:buChar char="●"/>
               <a:defRPr sz="1600"/>
             </a:lvl7pPr>
-            <a:lvl8pPr indent="-330200" lvl="7" marL="3657600" algn="l">
+            <a:lvl8pPr marL="3657600" lvl="7" indent="-330200" algn="l">
               <a:lnSpc>
                 <a:spcPct val="100000"/>
               </a:lnSpc>
@@ -2477,7 +2634,7 @@
               <a:buChar char="○"/>
               <a:defRPr sz="1600"/>
             </a:lvl8pPr>
-            <a:lvl9pPr indent="-330200" lvl="8" marL="4114800" algn="l">
+            <a:lvl9pPr marL="4114800" lvl="8" indent="-330200" algn="l">
               <a:lnSpc>
                 <a:spcPct val="100000"/>
               </a:lnSpc>
@@ -2492,15 +2649,19 @@
               <a:defRPr sz="1600"/>
             </a:lvl9pPr>
           </a:lstStyle>
-          <a:p/>
+          <a:p>
+            <a:endParaRPr/>
+          </a:p>
         </p:txBody>
       </p:sp>
       <p:sp>
         <p:nvSpPr>
           <p:cNvPr id="24" name="Google Shape;24;p33"/>
-          <p:cNvSpPr txBox="1"/>
+          <p:cNvSpPr txBox="1">
+            <a:spLocks noGrp="1"/>
+          </p:cNvSpPr>
           <p:nvPr>
-            <p:ph idx="12" type="sldNum"/>
+            <p:ph type="sldNum" idx="12"/>
           </p:nvPr>
         </p:nvSpPr>
         <p:spPr>
@@ -2517,11 +2678,11 @@
           </a:ln>
         </p:spPr>
         <p:txBody>
-          <a:bodyPr anchorCtr="0" anchor="t" bIns="91425" lIns="91425" spcFirstLastPara="1" rIns="91425" wrap="square" tIns="91425">
+          <a:bodyPr spcFirstLastPara="1" wrap="square" lIns="91425" tIns="91425" rIns="91425" bIns="91425" anchor="t" anchorCtr="0">
             <a:noAutofit/>
           </a:bodyPr>
           <a:lstStyle>
-            <a:lvl1pPr indent="0" lvl="0" marL="0" marR="0" algn="ctr">
+            <a:lvl1pPr marL="0" marR="0" lvl="0" indent="0" algn="ctr">
               <a:lnSpc>
                 <a:spcPct val="100000"/>
               </a:lnSpc>
@@ -2537,7 +2698,7 @@
               <a:buSzPts val="1000"/>
               <a:buFont typeface="Arial"/>
               <a:buNone/>
-              <a:defRPr b="0" i="0" sz="1000" u="none" cap="none" strike="noStrike">
+              <a:defRPr sz="1000" b="0" i="0" u="none" strike="noStrike" cap="none">
                 <a:solidFill>
                   <a:srgbClr val="FFFFFF"/>
                 </a:solidFill>
@@ -2547,7 +2708,7 @@
                 <a:sym typeface="Sniglet"/>
               </a:defRPr>
             </a:lvl1pPr>
-            <a:lvl2pPr indent="0" lvl="1" marL="0" marR="0" algn="ctr">
+            <a:lvl2pPr marL="0" marR="0" lvl="1" indent="0" algn="ctr">
               <a:lnSpc>
                 <a:spcPct val="100000"/>
               </a:lnSpc>
@@ -2563,7 +2724,7 @@
               <a:buSzPts val="1000"/>
               <a:buFont typeface="Arial"/>
               <a:buNone/>
-              <a:defRPr b="0" i="0" sz="1000" u="none" cap="none" strike="noStrike">
+              <a:defRPr sz="1000" b="0" i="0" u="none" strike="noStrike" cap="none">
                 <a:solidFill>
                   <a:srgbClr val="FFFFFF"/>
                 </a:solidFill>
@@ -2573,7 +2734,7 @@
                 <a:sym typeface="Sniglet"/>
               </a:defRPr>
             </a:lvl2pPr>
-            <a:lvl3pPr indent="0" lvl="2" marL="0" marR="0" algn="ctr">
+            <a:lvl3pPr marL="0" marR="0" lvl="2" indent="0" algn="ctr">
               <a:lnSpc>
                 <a:spcPct val="100000"/>
               </a:lnSpc>
@@ -2589,7 +2750,7 @@
               <a:buSzPts val="1000"/>
               <a:buFont typeface="Arial"/>
               <a:buNone/>
-              <a:defRPr b="0" i="0" sz="1000" u="none" cap="none" strike="noStrike">
+              <a:defRPr sz="1000" b="0" i="0" u="none" strike="noStrike" cap="none">
                 <a:solidFill>
                   <a:srgbClr val="FFFFFF"/>
                 </a:solidFill>
@@ -2599,7 +2760,7 @@
                 <a:sym typeface="Sniglet"/>
               </a:defRPr>
             </a:lvl3pPr>
-            <a:lvl4pPr indent="0" lvl="3" marL="0" marR="0" algn="ctr">
+            <a:lvl4pPr marL="0" marR="0" lvl="3" indent="0" algn="ctr">
               <a:lnSpc>
                 <a:spcPct val="100000"/>
               </a:lnSpc>
@@ -2615,7 +2776,7 @@
               <a:buSzPts val="1000"/>
               <a:buFont typeface="Arial"/>
               <a:buNone/>
-              <a:defRPr b="0" i="0" sz="1000" u="none" cap="none" strike="noStrike">
+              <a:defRPr sz="1000" b="0" i="0" u="none" strike="noStrike" cap="none">
                 <a:solidFill>
                   <a:srgbClr val="FFFFFF"/>
                 </a:solidFill>
@@ -2625,7 +2786,7 @@
                 <a:sym typeface="Sniglet"/>
               </a:defRPr>
             </a:lvl4pPr>
-            <a:lvl5pPr indent="0" lvl="4" marL="0" marR="0" algn="ctr">
+            <a:lvl5pPr marL="0" marR="0" lvl="4" indent="0" algn="ctr">
               <a:lnSpc>
                 <a:spcPct val="100000"/>
               </a:lnSpc>
@@ -2641,7 +2802,7 @@
               <a:buSzPts val="1000"/>
               <a:buFont typeface="Arial"/>
               <a:buNone/>
-              <a:defRPr b="0" i="0" sz="1000" u="none" cap="none" strike="noStrike">
+              <a:defRPr sz="1000" b="0" i="0" u="none" strike="noStrike" cap="none">
                 <a:solidFill>
                   <a:srgbClr val="FFFFFF"/>
                 </a:solidFill>
@@ -2651,7 +2812,7 @@
                 <a:sym typeface="Sniglet"/>
               </a:defRPr>
             </a:lvl5pPr>
-            <a:lvl6pPr indent="0" lvl="5" marL="0" marR="0" algn="ctr">
+            <a:lvl6pPr marL="0" marR="0" lvl="5" indent="0" algn="ctr">
               <a:lnSpc>
                 <a:spcPct val="100000"/>
               </a:lnSpc>
@@ -2667,7 +2828,7 @@
               <a:buSzPts val="1000"/>
               <a:buFont typeface="Arial"/>
               <a:buNone/>
-              <a:defRPr b="0" i="0" sz="1000" u="none" cap="none" strike="noStrike">
+              <a:defRPr sz="1000" b="0" i="0" u="none" strike="noStrike" cap="none">
                 <a:solidFill>
                   <a:srgbClr val="FFFFFF"/>
                 </a:solidFill>
@@ -2677,7 +2838,7 @@
                 <a:sym typeface="Sniglet"/>
               </a:defRPr>
             </a:lvl6pPr>
-            <a:lvl7pPr indent="0" lvl="6" marL="0" marR="0" algn="ctr">
+            <a:lvl7pPr marL="0" marR="0" lvl="6" indent="0" algn="ctr">
               <a:lnSpc>
                 <a:spcPct val="100000"/>
               </a:lnSpc>
@@ -2693,7 +2854,7 @@
               <a:buSzPts val="1000"/>
               <a:buFont typeface="Arial"/>
               <a:buNone/>
-              <a:defRPr b="0" i="0" sz="1000" u="none" cap="none" strike="noStrike">
+              <a:defRPr sz="1000" b="0" i="0" u="none" strike="noStrike" cap="none">
                 <a:solidFill>
                   <a:srgbClr val="FFFFFF"/>
                 </a:solidFill>
@@ -2703,7 +2864,7 @@
                 <a:sym typeface="Sniglet"/>
               </a:defRPr>
             </a:lvl7pPr>
-            <a:lvl8pPr indent="0" lvl="7" marL="0" marR="0" algn="ctr">
+            <a:lvl8pPr marL="0" marR="0" lvl="7" indent="0" algn="ctr">
               <a:lnSpc>
                 <a:spcPct val="100000"/>
               </a:lnSpc>
@@ -2719,7 +2880,7 @@
               <a:buSzPts val="1000"/>
               <a:buFont typeface="Arial"/>
               <a:buNone/>
-              <a:defRPr b="0" i="0" sz="1000" u="none" cap="none" strike="noStrike">
+              <a:defRPr sz="1000" b="0" i="0" u="none" strike="noStrike" cap="none">
                 <a:solidFill>
                   <a:srgbClr val="FFFFFF"/>
                 </a:solidFill>
@@ -2729,7 +2890,7 @@
                 <a:sym typeface="Sniglet"/>
               </a:defRPr>
             </a:lvl8pPr>
-            <a:lvl9pPr indent="0" lvl="8" marL="0" marR="0" algn="ctr">
+            <a:lvl9pPr marL="0" marR="0" lvl="8" indent="0" algn="ctr">
               <a:lnSpc>
                 <a:spcPct val="100000"/>
               </a:lnSpc>
@@ -2745,7 +2906,7 @@
               <a:buSzPts val="1000"/>
               <a:buFont typeface="Arial"/>
               <a:buNone/>
-              <a:defRPr b="0" i="0" sz="1000" u="none" cap="none" strike="noStrike">
+              <a:defRPr sz="1000" b="0" i="0" u="none" strike="noStrike" cap="none">
                 <a:solidFill>
                   <a:srgbClr val="FFFFFF"/>
                 </a:solidFill>
@@ -2757,7 +2918,7 @@
             </a:lvl9pPr>
           </a:lstStyle>
           <a:p>
-            <a:pPr indent="0" lvl="0" marL="0" rtl="0" algn="ctr">
+            <a:pPr marL="0" lvl="0" indent="0" algn="ctr" rtl="0">
               <a:spcBef>
                 <a:spcPts val="0"/>
               </a:spcBef>
@@ -2783,11 +2944,11 @@
 </file>
 
 <file path=ppt/slideLayouts/slideLayout3.xml><?xml version="1.0" encoding="utf-8"?>
-<p:sldLayout xmlns:a="http://schemas.openxmlformats.org/drawingml/2006/main" xmlns:r="http://schemas.openxmlformats.org/officeDocument/2006/relationships" xmlns:mc="http://schemas.openxmlformats.org/markup-compatibility/2006" xmlns:mv="urn:schemas-microsoft-com:mac:vml" xmlns:p="http://schemas.openxmlformats.org/presentationml/2006/main" xmlns:c="http://schemas.openxmlformats.org/drawingml/2006/chart" xmlns:dgm="http://schemas.openxmlformats.org/drawingml/2006/diagram" xmlns:o="urn:schemas-microsoft-com:office:office" xmlns:v="urn:schemas-microsoft-com:vml" xmlns:pvml="urn:schemas-microsoft-com:office:powerpoint" xmlns:com="http://schemas.openxmlformats.org/drawingml/2006/compatibility" xmlns:p14="http://schemas.microsoft.com/office/powerpoint/2010/main" xmlns:p15="http://schemas.microsoft.com/office/powerpoint/2012/main" matchingName="Blank" type="blank">
+<p:sldLayout xmlns:a="http://schemas.openxmlformats.org/drawingml/2006/main" xmlns:r="http://schemas.openxmlformats.org/officeDocument/2006/relationships" xmlns:p="http://schemas.openxmlformats.org/presentationml/2006/main" matchingName="Blank" type="blank">
   <p:cSld name="BLANK">
     <p:spTree>
       <p:nvGrpSpPr>
-        <p:cNvPr id="25" name="Shape 25"/>
+        <p:cNvPr id="1" name="Shape 25"/>
         <p:cNvGrpSpPr/>
         <p:nvPr/>
       </p:nvGrpSpPr>
@@ -2802,9 +2963,11 @@
       <p:sp>
         <p:nvSpPr>
           <p:cNvPr id="26" name="Google Shape;26;p34"/>
-          <p:cNvSpPr txBox="1"/>
+          <p:cNvSpPr txBox="1">
+            <a:spLocks noGrp="1"/>
+          </p:cNvSpPr>
           <p:nvPr>
-            <p:ph idx="12" type="sldNum"/>
+            <p:ph type="sldNum" idx="12"/>
           </p:nvPr>
         </p:nvSpPr>
         <p:spPr>
@@ -2821,11 +2984,11 @@
           </a:ln>
         </p:spPr>
         <p:txBody>
-          <a:bodyPr anchorCtr="0" anchor="t" bIns="91425" lIns="91425" spcFirstLastPara="1" rIns="91425" wrap="square" tIns="91425">
+          <a:bodyPr spcFirstLastPara="1" wrap="square" lIns="91425" tIns="91425" rIns="91425" bIns="91425" anchor="t" anchorCtr="0">
             <a:noAutofit/>
           </a:bodyPr>
           <a:lstStyle>
-            <a:lvl1pPr indent="0" lvl="0" marL="0" marR="0" algn="ctr">
+            <a:lvl1pPr marL="0" marR="0" lvl="0" indent="0" algn="ctr">
               <a:lnSpc>
                 <a:spcPct val="100000"/>
               </a:lnSpc>
@@ -2841,7 +3004,7 @@
               <a:buSzPts val="1000"/>
               <a:buFont typeface="Arial"/>
               <a:buNone/>
-              <a:defRPr b="0" i="0" sz="1000" u="none" cap="none" strike="noStrike">
+              <a:defRPr sz="1000" b="0" i="0" u="none" strike="noStrike" cap="none">
                 <a:solidFill>
                   <a:srgbClr val="FFFFFF"/>
                 </a:solidFill>
@@ -2851,7 +3014,7 @@
                 <a:sym typeface="Sniglet"/>
               </a:defRPr>
             </a:lvl1pPr>
-            <a:lvl2pPr indent="0" lvl="1" marL="0" marR="0" algn="ctr">
+            <a:lvl2pPr marL="0" marR="0" lvl="1" indent="0" algn="ctr">
               <a:lnSpc>
                 <a:spcPct val="100000"/>
               </a:lnSpc>
@@ -2867,7 +3030,7 @@
               <a:buSzPts val="1000"/>
               <a:buFont typeface="Arial"/>
               <a:buNone/>
-              <a:defRPr b="0" i="0" sz="1000" u="none" cap="none" strike="noStrike">
+              <a:defRPr sz="1000" b="0" i="0" u="none" strike="noStrike" cap="none">
                 <a:solidFill>
                   <a:srgbClr val="FFFFFF"/>
                 </a:solidFill>
@@ -2877,7 +3040,7 @@
                 <a:sym typeface="Sniglet"/>
               </a:defRPr>
             </a:lvl2pPr>
-            <a:lvl3pPr indent="0" lvl="2" marL="0" marR="0" algn="ctr">
+            <a:lvl3pPr marL="0" marR="0" lvl="2" indent="0" algn="ctr">
               <a:lnSpc>
                 <a:spcPct val="100000"/>
               </a:lnSpc>
@@ -2893,7 +3056,7 @@
               <a:buSzPts val="1000"/>
               <a:buFont typeface="Arial"/>
               <a:buNone/>
-              <a:defRPr b="0" i="0" sz="1000" u="none" cap="none" strike="noStrike">
+              <a:defRPr sz="1000" b="0" i="0" u="none" strike="noStrike" cap="none">
                 <a:solidFill>
                   <a:srgbClr val="FFFFFF"/>
                 </a:solidFill>
@@ -2903,7 +3066,7 @@
                 <a:sym typeface="Sniglet"/>
               </a:defRPr>
             </a:lvl3pPr>
-            <a:lvl4pPr indent="0" lvl="3" marL="0" marR="0" algn="ctr">
+            <a:lvl4pPr marL="0" marR="0" lvl="3" indent="0" algn="ctr">
               <a:lnSpc>
                 <a:spcPct val="100000"/>
               </a:lnSpc>
@@ -2919,7 +3082,7 @@
               <a:buSzPts val="1000"/>
               <a:buFont typeface="Arial"/>
               <a:buNone/>
-              <a:defRPr b="0" i="0" sz="1000" u="none" cap="none" strike="noStrike">
+              <a:defRPr sz="1000" b="0" i="0" u="none" strike="noStrike" cap="none">
                 <a:solidFill>
                   <a:srgbClr val="FFFFFF"/>
                 </a:solidFill>
@@ -2929,7 +3092,7 @@
                 <a:sym typeface="Sniglet"/>
               </a:defRPr>
             </a:lvl4pPr>
-            <a:lvl5pPr indent="0" lvl="4" marL="0" marR="0" algn="ctr">
+            <a:lvl5pPr marL="0" marR="0" lvl="4" indent="0" algn="ctr">
               <a:lnSpc>
                 <a:spcPct val="100000"/>
               </a:lnSpc>
@@ -2945,7 +3108,7 @@
               <a:buSzPts val="1000"/>
               <a:buFont typeface="Arial"/>
               <a:buNone/>
-              <a:defRPr b="0" i="0" sz="1000" u="none" cap="none" strike="noStrike">
+              <a:defRPr sz="1000" b="0" i="0" u="none" strike="noStrike" cap="none">
                 <a:solidFill>
                   <a:srgbClr val="FFFFFF"/>
                 </a:solidFill>
@@ -2955,7 +3118,7 @@
                 <a:sym typeface="Sniglet"/>
               </a:defRPr>
             </a:lvl5pPr>
-            <a:lvl6pPr indent="0" lvl="5" marL="0" marR="0" algn="ctr">
+            <a:lvl6pPr marL="0" marR="0" lvl="5" indent="0" algn="ctr">
               <a:lnSpc>
                 <a:spcPct val="100000"/>
               </a:lnSpc>
@@ -2971,7 +3134,7 @@
               <a:buSzPts val="1000"/>
               <a:buFont typeface="Arial"/>
               <a:buNone/>
-              <a:defRPr b="0" i="0" sz="1000" u="none" cap="none" strike="noStrike">
+              <a:defRPr sz="1000" b="0" i="0" u="none" strike="noStrike" cap="none">
                 <a:solidFill>
                   <a:srgbClr val="FFFFFF"/>
                 </a:solidFill>
@@ -2981,7 +3144,7 @@
                 <a:sym typeface="Sniglet"/>
               </a:defRPr>
             </a:lvl6pPr>
-            <a:lvl7pPr indent="0" lvl="6" marL="0" marR="0" algn="ctr">
+            <a:lvl7pPr marL="0" marR="0" lvl="6" indent="0" algn="ctr">
               <a:lnSpc>
                 <a:spcPct val="100000"/>
               </a:lnSpc>
@@ -2997,7 +3160,7 @@
               <a:buSzPts val="1000"/>
               <a:buFont typeface="Arial"/>
               <a:buNone/>
-              <a:defRPr b="0" i="0" sz="1000" u="none" cap="none" strike="noStrike">
+              <a:defRPr sz="1000" b="0" i="0" u="none" strike="noStrike" cap="none">
                 <a:solidFill>
                   <a:srgbClr val="FFFFFF"/>
                 </a:solidFill>
@@ -3007,7 +3170,7 @@
                 <a:sym typeface="Sniglet"/>
               </a:defRPr>
             </a:lvl7pPr>
-            <a:lvl8pPr indent="0" lvl="7" marL="0" marR="0" algn="ctr">
+            <a:lvl8pPr marL="0" marR="0" lvl="7" indent="0" algn="ctr">
               <a:lnSpc>
                 <a:spcPct val="100000"/>
               </a:lnSpc>
@@ -3023,7 +3186,7 @@
               <a:buSzPts val="1000"/>
               <a:buFont typeface="Arial"/>
               <a:buNone/>
-              <a:defRPr b="0" i="0" sz="1000" u="none" cap="none" strike="noStrike">
+              <a:defRPr sz="1000" b="0" i="0" u="none" strike="noStrike" cap="none">
                 <a:solidFill>
                   <a:srgbClr val="FFFFFF"/>
                 </a:solidFill>
@@ -3033,7 +3196,7 @@
                 <a:sym typeface="Sniglet"/>
               </a:defRPr>
             </a:lvl8pPr>
-            <a:lvl9pPr indent="0" lvl="8" marL="0" marR="0" algn="ctr">
+            <a:lvl9pPr marL="0" marR="0" lvl="8" indent="0" algn="ctr">
               <a:lnSpc>
                 <a:spcPct val="100000"/>
               </a:lnSpc>
@@ -3049,7 +3212,7 @@
               <a:buSzPts val="1000"/>
               <a:buFont typeface="Arial"/>
               <a:buNone/>
-              <a:defRPr b="0" i="0" sz="1000" u="none" cap="none" strike="noStrike">
+              <a:defRPr sz="1000" b="0" i="0" u="none" strike="noStrike" cap="none">
                 <a:solidFill>
                   <a:srgbClr val="FFFFFF"/>
                 </a:solidFill>
@@ -3061,7 +3224,7 @@
             </a:lvl9pPr>
           </a:lstStyle>
           <a:p>
-            <a:pPr indent="0" lvl="0" marL="0" rtl="0" algn="ctr">
+            <a:pPr marL="0" lvl="0" indent="0" algn="ctr" rtl="0">
               <a:spcBef>
                 <a:spcPts val="0"/>
               </a:spcBef>
@@ -3087,11 +3250,11 @@
 </file>
 
 <file path=ppt/slideLayouts/slideLayout4.xml><?xml version="1.0" encoding="utf-8"?>
-<p:sldLayout xmlns:a="http://schemas.openxmlformats.org/drawingml/2006/main" xmlns:r="http://schemas.openxmlformats.org/officeDocument/2006/relationships" xmlns:mc="http://schemas.openxmlformats.org/markup-compatibility/2006" xmlns:mv="urn:schemas-microsoft-com:mac:vml" xmlns:p="http://schemas.openxmlformats.org/presentationml/2006/main" xmlns:c="http://schemas.openxmlformats.org/drawingml/2006/chart" xmlns:dgm="http://schemas.openxmlformats.org/drawingml/2006/diagram" xmlns:o="urn:schemas-microsoft-com:office:office" xmlns:v="urn:schemas-microsoft-com:vml" xmlns:pvml="urn:schemas-microsoft-com:office:powerpoint" xmlns:com="http://schemas.openxmlformats.org/drawingml/2006/compatibility" xmlns:p14="http://schemas.microsoft.com/office/powerpoint/2010/main" xmlns:p15="http://schemas.microsoft.com/office/powerpoint/2012/main" matchingName="Subtitle">
+<p:sldLayout xmlns:a="http://schemas.openxmlformats.org/drawingml/2006/main" xmlns:r="http://schemas.openxmlformats.org/officeDocument/2006/relationships" xmlns:p="http://schemas.openxmlformats.org/presentationml/2006/main" matchingName="Subtitle">
   <p:cSld name="TITLE_1">
     <p:spTree>
       <p:nvGrpSpPr>
-        <p:cNvPr id="27" name="Shape 27"/>
+        <p:cNvPr id="1" name="Shape 27"/>
         <p:cNvGrpSpPr/>
         <p:nvPr/>
       </p:nvGrpSpPr>
@@ -3106,7 +3269,9 @@
       <p:sp>
         <p:nvSpPr>
           <p:cNvPr id="28" name="Google Shape;28;p35"/>
-          <p:cNvSpPr txBox="1"/>
+          <p:cNvSpPr txBox="1">
+            <a:spLocks noGrp="1"/>
+          </p:cNvSpPr>
           <p:nvPr>
             <p:ph type="ctrTitle"/>
           </p:nvPr>
@@ -3125,7 +3290,7 @@
           </a:ln>
         </p:spPr>
         <p:txBody>
-          <a:bodyPr anchorCtr="0" anchor="b" bIns="91425" lIns="91425" spcFirstLastPara="1" rIns="91425" wrap="square" tIns="91425">
+          <a:bodyPr spcFirstLastPara="1" wrap="square" lIns="91425" tIns="91425" rIns="91425" bIns="91425" anchor="b" anchorCtr="0">
             <a:noAutofit/>
           </a:bodyPr>
           <a:lstStyle>
@@ -3256,15 +3421,19 @@
               <a:defRPr sz="4800"/>
             </a:lvl9pPr>
           </a:lstStyle>
-          <a:p/>
+          <a:p>
+            <a:endParaRPr/>
+          </a:p>
         </p:txBody>
       </p:sp>
       <p:sp>
         <p:nvSpPr>
           <p:cNvPr id="29" name="Google Shape;29;p35"/>
-          <p:cNvSpPr txBox="1"/>
+          <p:cNvSpPr txBox="1">
+            <a:spLocks noGrp="1"/>
+          </p:cNvSpPr>
           <p:nvPr>
-            <p:ph idx="1" type="subTitle"/>
+            <p:ph type="subTitle" idx="1"/>
           </p:nvPr>
         </p:nvSpPr>
         <p:spPr>
@@ -3281,7 +3450,7 @@
           </a:ln>
         </p:spPr>
         <p:txBody>
-          <a:bodyPr anchorCtr="0" anchor="t" bIns="91425" lIns="91425" spcFirstLastPara="1" rIns="91425" wrap="square" tIns="91425">
+          <a:bodyPr spcFirstLastPara="1" wrap="square" lIns="91425" tIns="91425" rIns="91425" bIns="91425" anchor="t" anchorCtr="0">
             <a:noAutofit/>
           </a:bodyPr>
           <a:lstStyle>
@@ -3412,15 +3581,19 @@
               <a:defRPr sz="3000"/>
             </a:lvl9pPr>
           </a:lstStyle>
-          <a:p/>
+          <a:p>
+            <a:endParaRPr/>
+          </a:p>
         </p:txBody>
       </p:sp>
       <p:sp>
         <p:nvSpPr>
           <p:cNvPr id="30" name="Google Shape;30;p35"/>
-          <p:cNvSpPr txBox="1"/>
+          <p:cNvSpPr txBox="1">
+            <a:spLocks noGrp="1"/>
+          </p:cNvSpPr>
           <p:nvPr>
-            <p:ph idx="12" type="sldNum"/>
+            <p:ph type="sldNum" idx="12"/>
           </p:nvPr>
         </p:nvSpPr>
         <p:spPr>
@@ -3437,11 +3610,11 @@
           </a:ln>
         </p:spPr>
         <p:txBody>
-          <a:bodyPr anchorCtr="0" anchor="t" bIns="91425" lIns="91425" spcFirstLastPara="1" rIns="91425" wrap="square" tIns="91425">
+          <a:bodyPr spcFirstLastPara="1" wrap="square" lIns="91425" tIns="91425" rIns="91425" bIns="91425" anchor="t" anchorCtr="0">
             <a:noAutofit/>
           </a:bodyPr>
           <a:lstStyle>
-            <a:lvl1pPr indent="0" lvl="0" marL="0" marR="0" algn="ctr">
+            <a:lvl1pPr marL="0" marR="0" lvl="0" indent="0" algn="ctr">
               <a:lnSpc>
                 <a:spcPct val="100000"/>
               </a:lnSpc>
@@ -3457,7 +3630,7 @@
               <a:buSzPts val="1000"/>
               <a:buFont typeface="Arial"/>
               <a:buNone/>
-              <a:defRPr b="0" i="0" sz="1000" u="none" cap="none" strike="noStrike">
+              <a:defRPr sz="1000" b="0" i="0" u="none" strike="noStrike" cap="none">
                 <a:solidFill>
                   <a:srgbClr val="FFFFFF"/>
                 </a:solidFill>
@@ -3467,7 +3640,7 @@
                 <a:sym typeface="Sniglet"/>
               </a:defRPr>
             </a:lvl1pPr>
-            <a:lvl2pPr indent="0" lvl="1" marL="0" marR="0" algn="ctr">
+            <a:lvl2pPr marL="0" marR="0" lvl="1" indent="0" algn="ctr">
               <a:lnSpc>
                 <a:spcPct val="100000"/>
               </a:lnSpc>
@@ -3483,7 +3656,7 @@
               <a:buSzPts val="1000"/>
               <a:buFont typeface="Arial"/>
               <a:buNone/>
-              <a:defRPr b="0" i="0" sz="1000" u="none" cap="none" strike="noStrike">
+              <a:defRPr sz="1000" b="0" i="0" u="none" strike="noStrike" cap="none">
                 <a:solidFill>
                   <a:srgbClr val="FFFFFF"/>
                 </a:solidFill>
@@ -3493,7 +3666,7 @@
                 <a:sym typeface="Sniglet"/>
               </a:defRPr>
             </a:lvl2pPr>
-            <a:lvl3pPr indent="0" lvl="2" marL="0" marR="0" algn="ctr">
+            <a:lvl3pPr marL="0" marR="0" lvl="2" indent="0" algn="ctr">
               <a:lnSpc>
                 <a:spcPct val="100000"/>
               </a:lnSpc>
@@ -3509,7 +3682,7 @@
               <a:buSzPts val="1000"/>
               <a:buFont typeface="Arial"/>
               <a:buNone/>
-              <a:defRPr b="0" i="0" sz="1000" u="none" cap="none" strike="noStrike">
+              <a:defRPr sz="1000" b="0" i="0" u="none" strike="noStrike" cap="none">
                 <a:solidFill>
                   <a:srgbClr val="FFFFFF"/>
                 </a:solidFill>
@@ -3519,7 +3692,7 @@
                 <a:sym typeface="Sniglet"/>
               </a:defRPr>
             </a:lvl3pPr>
-            <a:lvl4pPr indent="0" lvl="3" marL="0" marR="0" algn="ctr">
+            <a:lvl4pPr marL="0" marR="0" lvl="3" indent="0" algn="ctr">
               <a:lnSpc>
                 <a:spcPct val="100000"/>
               </a:lnSpc>
@@ -3535,7 +3708,7 @@
               <a:buSzPts val="1000"/>
               <a:buFont typeface="Arial"/>
               <a:buNone/>
-              <a:defRPr b="0" i="0" sz="1000" u="none" cap="none" strike="noStrike">
+              <a:defRPr sz="1000" b="0" i="0" u="none" strike="noStrike" cap="none">
                 <a:solidFill>
                   <a:srgbClr val="FFFFFF"/>
                 </a:solidFill>
@@ -3545,7 +3718,7 @@
                 <a:sym typeface="Sniglet"/>
               </a:defRPr>
             </a:lvl4pPr>
-            <a:lvl5pPr indent="0" lvl="4" marL="0" marR="0" algn="ctr">
+            <a:lvl5pPr marL="0" marR="0" lvl="4" indent="0" algn="ctr">
               <a:lnSpc>
                 <a:spcPct val="100000"/>
               </a:lnSpc>
@@ -3561,7 +3734,7 @@
               <a:buSzPts val="1000"/>
               <a:buFont typeface="Arial"/>
               <a:buNone/>
-              <a:defRPr b="0" i="0" sz="1000" u="none" cap="none" strike="noStrike">
+              <a:defRPr sz="1000" b="0" i="0" u="none" strike="noStrike" cap="none">
                 <a:solidFill>
                   <a:srgbClr val="FFFFFF"/>
                 </a:solidFill>
@@ -3571,7 +3744,7 @@
                 <a:sym typeface="Sniglet"/>
               </a:defRPr>
             </a:lvl5pPr>
-            <a:lvl6pPr indent="0" lvl="5" marL="0" marR="0" algn="ctr">
+            <a:lvl6pPr marL="0" marR="0" lvl="5" indent="0" algn="ctr">
               <a:lnSpc>
                 <a:spcPct val="100000"/>
               </a:lnSpc>
@@ -3587,7 +3760,7 @@
               <a:buSzPts val="1000"/>
               <a:buFont typeface="Arial"/>
               <a:buNone/>
-              <a:defRPr b="0" i="0" sz="1000" u="none" cap="none" strike="noStrike">
+              <a:defRPr sz="1000" b="0" i="0" u="none" strike="noStrike" cap="none">
                 <a:solidFill>
                   <a:srgbClr val="FFFFFF"/>
                 </a:solidFill>
@@ -3597,7 +3770,7 @@
                 <a:sym typeface="Sniglet"/>
               </a:defRPr>
             </a:lvl6pPr>
-            <a:lvl7pPr indent="0" lvl="6" marL="0" marR="0" algn="ctr">
+            <a:lvl7pPr marL="0" marR="0" lvl="6" indent="0" algn="ctr">
               <a:lnSpc>
                 <a:spcPct val="100000"/>
               </a:lnSpc>
@@ -3613,7 +3786,7 @@
               <a:buSzPts val="1000"/>
               <a:buFont typeface="Arial"/>
               <a:buNone/>
-              <a:defRPr b="0" i="0" sz="1000" u="none" cap="none" strike="noStrike">
+              <a:defRPr sz="1000" b="0" i="0" u="none" strike="noStrike" cap="none">
                 <a:solidFill>
                   <a:srgbClr val="FFFFFF"/>
                 </a:solidFill>
@@ -3623,7 +3796,7 @@
                 <a:sym typeface="Sniglet"/>
               </a:defRPr>
             </a:lvl7pPr>
-            <a:lvl8pPr indent="0" lvl="7" marL="0" marR="0" algn="ctr">
+            <a:lvl8pPr marL="0" marR="0" lvl="7" indent="0" algn="ctr">
               <a:lnSpc>
                 <a:spcPct val="100000"/>
               </a:lnSpc>
@@ -3639,7 +3812,7 @@
               <a:buSzPts val="1000"/>
               <a:buFont typeface="Arial"/>
               <a:buNone/>
-              <a:defRPr b="0" i="0" sz="1000" u="none" cap="none" strike="noStrike">
+              <a:defRPr sz="1000" b="0" i="0" u="none" strike="noStrike" cap="none">
                 <a:solidFill>
                   <a:srgbClr val="FFFFFF"/>
                 </a:solidFill>
@@ -3649,7 +3822,7 @@
                 <a:sym typeface="Sniglet"/>
               </a:defRPr>
             </a:lvl8pPr>
-            <a:lvl9pPr indent="0" lvl="8" marL="0" marR="0" algn="ctr">
+            <a:lvl9pPr marL="0" marR="0" lvl="8" indent="0" algn="ctr">
               <a:lnSpc>
                 <a:spcPct val="100000"/>
               </a:lnSpc>
@@ -3665,7 +3838,7 @@
               <a:buSzPts val="1000"/>
               <a:buFont typeface="Arial"/>
               <a:buNone/>
-              <a:defRPr b="0" i="0" sz="1000" u="none" cap="none" strike="noStrike">
+              <a:defRPr sz="1000" b="0" i="0" u="none" strike="noStrike" cap="none">
                 <a:solidFill>
                   <a:srgbClr val="FFFFFF"/>
                 </a:solidFill>
@@ -3677,7 +3850,7 @@
             </a:lvl9pPr>
           </a:lstStyle>
           <a:p>
-            <a:pPr indent="0" lvl="0" marL="0" rtl="0" algn="ctr">
+            <a:pPr marL="0" lvl="0" indent="0" algn="ctr" rtl="0">
               <a:spcBef>
                 <a:spcPts val="0"/>
               </a:spcBef>
@@ -3703,11 +3876,11 @@
 </file>
 
 <file path=ppt/slideLayouts/slideLayout5.xml><?xml version="1.0" encoding="utf-8"?>
-<p:sldLayout xmlns:a="http://schemas.openxmlformats.org/drawingml/2006/main" xmlns:r="http://schemas.openxmlformats.org/officeDocument/2006/relationships" xmlns:mc="http://schemas.openxmlformats.org/markup-compatibility/2006" xmlns:mv="urn:schemas-microsoft-com:mac:vml" xmlns:p="http://schemas.openxmlformats.org/presentationml/2006/main" xmlns:c="http://schemas.openxmlformats.org/drawingml/2006/chart" xmlns:dgm="http://schemas.openxmlformats.org/drawingml/2006/diagram" xmlns:o="urn:schemas-microsoft-com:office:office" xmlns:v="urn:schemas-microsoft-com:vml" xmlns:pvml="urn:schemas-microsoft-com:office:powerpoint" xmlns:com="http://schemas.openxmlformats.org/drawingml/2006/compatibility" xmlns:p14="http://schemas.microsoft.com/office/powerpoint/2010/main" xmlns:p15="http://schemas.microsoft.com/office/powerpoint/2012/main" matchingName="Quote">
+<p:sldLayout xmlns:a="http://schemas.openxmlformats.org/drawingml/2006/main" xmlns:r="http://schemas.openxmlformats.org/officeDocument/2006/relationships" xmlns:p="http://schemas.openxmlformats.org/presentationml/2006/main" matchingName="Quote">
   <p:cSld name="TITLE_1_1">
     <p:spTree>
       <p:nvGrpSpPr>
-        <p:cNvPr id="31" name="Shape 31"/>
+        <p:cNvPr id="1" name="Shape 31"/>
         <p:cNvGrpSpPr/>
         <p:nvPr/>
       </p:nvGrpSpPr>
@@ -3722,9 +3895,11 @@
       <p:sp>
         <p:nvSpPr>
           <p:cNvPr id="32" name="Google Shape;32;p36"/>
-          <p:cNvSpPr txBox="1"/>
+          <p:cNvSpPr txBox="1">
+            <a:spLocks noGrp="1"/>
+          </p:cNvSpPr>
           <p:nvPr>
-            <p:ph idx="1" type="body"/>
+            <p:ph type="body" idx="1"/>
           </p:nvPr>
         </p:nvSpPr>
         <p:spPr>
@@ -3741,11 +3916,11 @@
           </a:ln>
         </p:spPr>
         <p:txBody>
-          <a:bodyPr anchorCtr="0" anchor="t" bIns="91425" lIns="91425" spcFirstLastPara="1" rIns="91425" wrap="square" tIns="91425">
+          <a:bodyPr spcFirstLastPara="1" wrap="square" lIns="91425" tIns="91425" rIns="91425" bIns="91425" anchor="t" anchorCtr="0">
             <a:noAutofit/>
           </a:bodyPr>
           <a:lstStyle>
-            <a:lvl1pPr indent="-419100" lvl="0" marL="457200" algn="ctr">
+            <a:lvl1pPr marL="457200" lvl="0" indent="-419100" algn="ctr">
               <a:lnSpc>
                 <a:spcPct val="100000"/>
               </a:lnSpc>
@@ -3759,7 +3934,7 @@
               <a:buChar char="✘"/>
               <a:defRPr sz="3000"/>
             </a:lvl1pPr>
-            <a:lvl2pPr indent="-419100" lvl="1" marL="914400" algn="ctr">
+            <a:lvl2pPr marL="914400" lvl="1" indent="-419100" algn="ctr">
               <a:lnSpc>
                 <a:spcPct val="100000"/>
               </a:lnSpc>
@@ -3773,7 +3948,7 @@
               <a:buChar char="○"/>
               <a:defRPr sz="3000"/>
             </a:lvl2pPr>
-            <a:lvl3pPr indent="-419100" lvl="2" marL="1371600" algn="ctr">
+            <a:lvl3pPr marL="1371600" lvl="2" indent="-419100" algn="ctr">
               <a:lnSpc>
                 <a:spcPct val="100000"/>
               </a:lnSpc>
@@ -3787,7 +3962,7 @@
               <a:buChar char="■"/>
               <a:defRPr sz="3000"/>
             </a:lvl3pPr>
-            <a:lvl4pPr indent="-419100" lvl="3" marL="1828800" algn="ctr">
+            <a:lvl4pPr marL="1828800" lvl="3" indent="-419100" algn="ctr">
               <a:lnSpc>
                 <a:spcPct val="100000"/>
               </a:lnSpc>
@@ -3801,7 +3976,7 @@
               <a:buChar char="●"/>
               <a:defRPr sz="3000"/>
             </a:lvl4pPr>
-            <a:lvl5pPr indent="-419100" lvl="4" marL="2286000" algn="ctr">
+            <a:lvl5pPr marL="2286000" lvl="4" indent="-419100" algn="ctr">
               <a:lnSpc>
                 <a:spcPct val="100000"/>
               </a:lnSpc>
@@ -3815,7 +3990,7 @@
               <a:buChar char="○"/>
               <a:defRPr sz="3000"/>
             </a:lvl5pPr>
-            <a:lvl6pPr indent="-419100" lvl="5" marL="2743200" algn="ctr">
+            <a:lvl6pPr marL="2743200" lvl="5" indent="-419100" algn="ctr">
               <a:lnSpc>
                 <a:spcPct val="100000"/>
               </a:lnSpc>
@@ -3829,7 +4004,7 @@
               <a:buChar char="■"/>
               <a:defRPr sz="3000"/>
             </a:lvl6pPr>
-            <a:lvl7pPr indent="-419100" lvl="6" marL="3200400" algn="ctr">
+            <a:lvl7pPr marL="3200400" lvl="6" indent="-419100" algn="ctr">
               <a:lnSpc>
                 <a:spcPct val="100000"/>
               </a:lnSpc>
@@ -3843,7 +4018,7 @@
               <a:buChar char="●"/>
               <a:defRPr sz="3000"/>
             </a:lvl7pPr>
-            <a:lvl8pPr indent="-419100" lvl="7" marL="3657600" algn="ctr">
+            <a:lvl8pPr marL="3657600" lvl="7" indent="-419100" algn="ctr">
               <a:lnSpc>
                 <a:spcPct val="100000"/>
               </a:lnSpc>
@@ -3857,7 +4032,7 @@
               <a:buChar char="○"/>
               <a:defRPr sz="3000"/>
             </a:lvl8pPr>
-            <a:lvl9pPr indent="-419100" lvl="8" marL="4114800" algn="ctr">
+            <a:lvl9pPr marL="4114800" lvl="8" indent="-419100" algn="ctr">
               <a:lnSpc>
                 <a:spcPct val="100000"/>
               </a:lnSpc>
@@ -3872,7 +4047,9 @@
               <a:defRPr sz="3000"/>
             </a:lvl9pPr>
           </a:lstStyle>
-          <a:p/>
+          <a:p>
+            <a:endParaRPr/>
+          </a:p>
         </p:txBody>
       </p:sp>
       <p:sp>
@@ -3895,12 +4072,12 @@
           </a:ln>
         </p:spPr>
         <p:txBody>
-          <a:bodyPr anchorCtr="0" anchor="ctr" bIns="91425" lIns="91425" spcFirstLastPara="1" rIns="91425" wrap="square" tIns="91425">
+          <a:bodyPr spcFirstLastPara="1" wrap="square" lIns="91425" tIns="91425" rIns="91425" bIns="91425" anchor="ctr" anchorCtr="0">
             <a:noAutofit/>
           </a:bodyPr>
           <a:lstStyle/>
           <a:p>
-            <a:pPr indent="0" lvl="0" marL="0" marR="0" rtl="0" algn="ctr">
+            <a:pPr marL="0" marR="0" lvl="0" indent="0" algn="ctr" rtl="0">
               <a:lnSpc>
                 <a:spcPct val="100000"/>
               </a:lnSpc>
@@ -3918,7 +4095,7 @@
               <a:buNone/>
             </a:pPr>
             <a:r>
-              <a:rPr b="0" i="0" lang="en" sz="9600" u="none" cap="none" strike="noStrike">
+              <a:rPr lang="en" sz="9600" b="0" i="0" u="none" strike="noStrike" cap="none">
                 <a:solidFill>
                   <a:srgbClr val="FFFFFF"/>
                 </a:solidFill>
@@ -3929,7 +4106,7 @@
               </a:rPr>
               <a:t>“</a:t>
             </a:r>
-            <a:endParaRPr b="0" i="0" sz="9600" u="none" cap="none" strike="noStrike">
+            <a:endParaRPr sz="9600" b="0" i="0" u="none" strike="noStrike" cap="none">
               <a:solidFill>
                 <a:srgbClr val="FFFFFF"/>
               </a:solidFill>
@@ -3953,9 +4130,13 @@
             <a:ext cx="887711" cy="849160"/>
           </a:xfrm>
           <a:custGeom>
-            <a:rect b="b" l="l" r="r" t="t"/>
+            <a:avLst/>
+            <a:gdLst/>
+            <a:ahLst/>
+            <a:cxnLst/>
+            <a:rect l="l" t="t" r="r" b="b"/>
             <a:pathLst>
-              <a:path extrusionOk="0" h="62358" w="65189">
+              <a:path w="65189" h="62358" extrusionOk="0">
                 <a:moveTo>
                   <a:pt x="40283" y="1525"/>
                 </a:moveTo>
@@ -5315,12 +5496,12 @@
           </a:ln>
         </p:spPr>
         <p:txBody>
-          <a:bodyPr anchorCtr="0" anchor="ctr" bIns="91425" lIns="91425" spcFirstLastPara="1" rIns="91425" wrap="square" tIns="91425">
+          <a:bodyPr spcFirstLastPara="1" wrap="square" lIns="91425" tIns="91425" rIns="91425" bIns="91425" anchor="ctr" anchorCtr="0">
             <a:noAutofit/>
           </a:bodyPr>
           <a:lstStyle/>
           <a:p>
-            <a:pPr indent="0" lvl="0" marL="0" marR="0" rtl="0" algn="l">
+            <a:pPr marL="0" marR="0" lvl="0" indent="0" algn="l" rtl="0">
               <a:lnSpc>
                 <a:spcPct val="100000"/>
               </a:lnSpc>
@@ -5337,10 +5518,7 @@
               <a:buFont typeface="Arial"/>
               <a:buNone/>
             </a:pPr>
-            <a:r>
-              <a:t/>
-            </a:r>
-            <a:endParaRPr b="0" i="0" sz="1400" u="none" cap="none" strike="noStrike">
+            <a:endParaRPr sz="1400" b="0" i="0" u="none" strike="noStrike" cap="none">
               <a:solidFill>
                 <a:srgbClr val="000000"/>
               </a:solidFill>
@@ -5355,9 +5533,11 @@
       <p:sp>
         <p:nvSpPr>
           <p:cNvPr id="35" name="Google Shape;35;p36"/>
-          <p:cNvSpPr txBox="1"/>
+          <p:cNvSpPr txBox="1">
+            <a:spLocks noGrp="1"/>
+          </p:cNvSpPr>
           <p:nvPr>
-            <p:ph idx="12" type="sldNum"/>
+            <p:ph type="sldNum" idx="12"/>
           </p:nvPr>
         </p:nvSpPr>
         <p:spPr>
@@ -5374,11 +5554,11 @@
           </a:ln>
         </p:spPr>
         <p:txBody>
-          <a:bodyPr anchorCtr="0" anchor="t" bIns="91425" lIns="91425" spcFirstLastPara="1" rIns="91425" wrap="square" tIns="91425">
+          <a:bodyPr spcFirstLastPara="1" wrap="square" lIns="91425" tIns="91425" rIns="91425" bIns="91425" anchor="t" anchorCtr="0">
             <a:noAutofit/>
           </a:bodyPr>
           <a:lstStyle>
-            <a:lvl1pPr indent="0" lvl="0" marL="0" marR="0" algn="ctr">
+            <a:lvl1pPr marL="0" marR="0" lvl="0" indent="0" algn="ctr">
               <a:lnSpc>
                 <a:spcPct val="100000"/>
               </a:lnSpc>
@@ -5394,7 +5574,7 @@
               <a:buSzPts val="1000"/>
               <a:buFont typeface="Arial"/>
               <a:buNone/>
-              <a:defRPr b="0" i="0" sz="1000" u="none" cap="none" strike="noStrike">
+              <a:defRPr sz="1000" b="0" i="0" u="none" strike="noStrike" cap="none">
                 <a:solidFill>
                   <a:srgbClr val="FFFFFF"/>
                 </a:solidFill>
@@ -5404,7 +5584,7 @@
                 <a:sym typeface="Sniglet"/>
               </a:defRPr>
             </a:lvl1pPr>
-            <a:lvl2pPr indent="0" lvl="1" marL="0" marR="0" algn="ctr">
+            <a:lvl2pPr marL="0" marR="0" lvl="1" indent="0" algn="ctr">
               <a:lnSpc>
                 <a:spcPct val="100000"/>
               </a:lnSpc>
@@ -5420,7 +5600,7 @@
               <a:buSzPts val="1000"/>
               <a:buFont typeface="Arial"/>
               <a:buNone/>
-              <a:defRPr b="0" i="0" sz="1000" u="none" cap="none" strike="noStrike">
+              <a:defRPr sz="1000" b="0" i="0" u="none" strike="noStrike" cap="none">
                 <a:solidFill>
                   <a:srgbClr val="FFFFFF"/>
                 </a:solidFill>
@@ -5430,7 +5610,7 @@
                 <a:sym typeface="Sniglet"/>
               </a:defRPr>
             </a:lvl2pPr>
-            <a:lvl3pPr indent="0" lvl="2" marL="0" marR="0" algn="ctr">
+            <a:lvl3pPr marL="0" marR="0" lvl="2" indent="0" algn="ctr">
               <a:lnSpc>
                 <a:spcPct val="100000"/>
               </a:lnSpc>
@@ -5446,7 +5626,7 @@
               <a:buSzPts val="1000"/>
               <a:buFont typeface="Arial"/>
               <a:buNone/>
-              <a:defRPr b="0" i="0" sz="1000" u="none" cap="none" strike="noStrike">
+              <a:defRPr sz="1000" b="0" i="0" u="none" strike="noStrike" cap="none">
                 <a:solidFill>
                   <a:srgbClr val="FFFFFF"/>
                 </a:solidFill>
@@ -5456,7 +5636,7 @@
                 <a:sym typeface="Sniglet"/>
               </a:defRPr>
             </a:lvl3pPr>
-            <a:lvl4pPr indent="0" lvl="3" marL="0" marR="0" algn="ctr">
+            <a:lvl4pPr marL="0" marR="0" lvl="3" indent="0" algn="ctr">
               <a:lnSpc>
                 <a:spcPct val="100000"/>
               </a:lnSpc>
@@ -5472,7 +5652,7 @@
               <a:buSzPts val="1000"/>
               <a:buFont typeface="Arial"/>
               <a:buNone/>
-              <a:defRPr b="0" i="0" sz="1000" u="none" cap="none" strike="noStrike">
+              <a:defRPr sz="1000" b="0" i="0" u="none" strike="noStrike" cap="none">
                 <a:solidFill>
                   <a:srgbClr val="FFFFFF"/>
                 </a:solidFill>
@@ -5482,7 +5662,7 @@
                 <a:sym typeface="Sniglet"/>
               </a:defRPr>
             </a:lvl4pPr>
-            <a:lvl5pPr indent="0" lvl="4" marL="0" marR="0" algn="ctr">
+            <a:lvl5pPr marL="0" marR="0" lvl="4" indent="0" algn="ctr">
               <a:lnSpc>
                 <a:spcPct val="100000"/>
               </a:lnSpc>
@@ -5498,7 +5678,7 @@
               <a:buSzPts val="1000"/>
               <a:buFont typeface="Arial"/>
               <a:buNone/>
-              <a:defRPr b="0" i="0" sz="1000" u="none" cap="none" strike="noStrike">
+              <a:defRPr sz="1000" b="0" i="0" u="none" strike="noStrike" cap="none">
                 <a:solidFill>
                   <a:srgbClr val="FFFFFF"/>
                 </a:solidFill>
@@ -5508,7 +5688,7 @@
                 <a:sym typeface="Sniglet"/>
               </a:defRPr>
             </a:lvl5pPr>
-            <a:lvl6pPr indent="0" lvl="5" marL="0" marR="0" algn="ctr">
+            <a:lvl6pPr marL="0" marR="0" lvl="5" indent="0" algn="ctr">
               <a:lnSpc>
                 <a:spcPct val="100000"/>
               </a:lnSpc>
@@ -5524,7 +5704,7 @@
               <a:buSzPts val="1000"/>
               <a:buFont typeface="Arial"/>
               <a:buNone/>
-              <a:defRPr b="0" i="0" sz="1000" u="none" cap="none" strike="noStrike">
+              <a:defRPr sz="1000" b="0" i="0" u="none" strike="noStrike" cap="none">
                 <a:solidFill>
                   <a:srgbClr val="FFFFFF"/>
                 </a:solidFill>
@@ -5534,7 +5714,7 @@
                 <a:sym typeface="Sniglet"/>
               </a:defRPr>
             </a:lvl6pPr>
-            <a:lvl7pPr indent="0" lvl="6" marL="0" marR="0" algn="ctr">
+            <a:lvl7pPr marL="0" marR="0" lvl="6" indent="0" algn="ctr">
               <a:lnSpc>
                 <a:spcPct val="100000"/>
               </a:lnSpc>
@@ -5550,7 +5730,7 @@
               <a:buSzPts val="1000"/>
               <a:buFont typeface="Arial"/>
               <a:buNone/>
-              <a:defRPr b="0" i="0" sz="1000" u="none" cap="none" strike="noStrike">
+              <a:defRPr sz="1000" b="0" i="0" u="none" strike="noStrike" cap="none">
                 <a:solidFill>
                   <a:srgbClr val="FFFFFF"/>
                 </a:solidFill>
@@ -5560,7 +5740,7 @@
                 <a:sym typeface="Sniglet"/>
               </a:defRPr>
             </a:lvl7pPr>
-            <a:lvl8pPr indent="0" lvl="7" marL="0" marR="0" algn="ctr">
+            <a:lvl8pPr marL="0" marR="0" lvl="7" indent="0" algn="ctr">
               <a:lnSpc>
                 <a:spcPct val="100000"/>
               </a:lnSpc>
@@ -5576,7 +5756,7 @@
               <a:buSzPts val="1000"/>
               <a:buFont typeface="Arial"/>
               <a:buNone/>
-              <a:defRPr b="0" i="0" sz="1000" u="none" cap="none" strike="noStrike">
+              <a:defRPr sz="1000" b="0" i="0" u="none" strike="noStrike" cap="none">
                 <a:solidFill>
                   <a:srgbClr val="FFFFFF"/>
                 </a:solidFill>
@@ -5586,7 +5766,7 @@
                 <a:sym typeface="Sniglet"/>
               </a:defRPr>
             </a:lvl8pPr>
-            <a:lvl9pPr indent="0" lvl="8" marL="0" marR="0" algn="ctr">
+            <a:lvl9pPr marL="0" marR="0" lvl="8" indent="0" algn="ctr">
               <a:lnSpc>
                 <a:spcPct val="100000"/>
               </a:lnSpc>
@@ -5602,7 +5782,7 @@
               <a:buSzPts val="1000"/>
               <a:buFont typeface="Arial"/>
               <a:buNone/>
-              <a:defRPr b="0" i="0" sz="1000" u="none" cap="none" strike="noStrike">
+              <a:defRPr sz="1000" b="0" i="0" u="none" strike="noStrike" cap="none">
                 <a:solidFill>
                   <a:srgbClr val="FFFFFF"/>
                 </a:solidFill>
@@ -5614,7 +5794,7 @@
             </a:lvl9pPr>
           </a:lstStyle>
           <a:p>
-            <a:pPr indent="0" lvl="0" marL="0" rtl="0" algn="ctr">
+            <a:pPr marL="0" lvl="0" indent="0" algn="ctr" rtl="0">
               <a:spcBef>
                 <a:spcPts val="0"/>
               </a:spcBef>
@@ -5640,11 +5820,11 @@
 </file>
 
 <file path=ppt/slideLayouts/slideLayout6.xml><?xml version="1.0" encoding="utf-8"?>
-<p:sldLayout xmlns:a="http://schemas.openxmlformats.org/drawingml/2006/main" xmlns:r="http://schemas.openxmlformats.org/officeDocument/2006/relationships" xmlns:mc="http://schemas.openxmlformats.org/markup-compatibility/2006" xmlns:mv="urn:schemas-microsoft-com:mac:vml" xmlns:p="http://schemas.openxmlformats.org/presentationml/2006/main" xmlns:c="http://schemas.openxmlformats.org/drawingml/2006/chart" xmlns:dgm="http://schemas.openxmlformats.org/drawingml/2006/diagram" xmlns:o="urn:schemas-microsoft-com:office:office" xmlns:v="urn:schemas-microsoft-com:vml" xmlns:pvml="urn:schemas-microsoft-com:office:powerpoint" xmlns:com="http://schemas.openxmlformats.org/drawingml/2006/compatibility" xmlns:p14="http://schemas.microsoft.com/office/powerpoint/2010/main" xmlns:p15="http://schemas.microsoft.com/office/powerpoint/2012/main" matchingName="Title + 1 column" type="tx">
+<p:sldLayout xmlns:a="http://schemas.openxmlformats.org/drawingml/2006/main" xmlns:r="http://schemas.openxmlformats.org/officeDocument/2006/relationships" xmlns:p="http://schemas.openxmlformats.org/presentationml/2006/main" matchingName="Title + 1 column" type="tx">
   <p:cSld name="TITLE_AND_BODY">
     <p:spTree>
       <p:nvGrpSpPr>
-        <p:cNvPr id="36" name="Shape 36"/>
+        <p:cNvPr id="1" name="Shape 36"/>
         <p:cNvGrpSpPr/>
         <p:nvPr/>
       </p:nvGrpSpPr>
@@ -5659,7 +5839,9 @@
       <p:sp>
         <p:nvSpPr>
           <p:cNvPr id="37" name="Google Shape;37;p37"/>
-          <p:cNvSpPr txBox="1"/>
+          <p:cNvSpPr txBox="1">
+            <a:spLocks noGrp="1"/>
+          </p:cNvSpPr>
           <p:nvPr>
             <p:ph type="title"/>
           </p:nvPr>
@@ -5678,7 +5860,7 @@
           </a:ln>
         </p:spPr>
         <p:txBody>
-          <a:bodyPr anchorCtr="0" anchor="t" bIns="91425" lIns="91425" spcFirstLastPara="1" rIns="91425" wrap="square" tIns="91425">
+          <a:bodyPr spcFirstLastPara="1" wrap="square" lIns="91425" tIns="91425" rIns="91425" bIns="91425" anchor="t" anchorCtr="0">
             <a:noAutofit/>
           </a:bodyPr>
           <a:lstStyle>
@@ -5809,15 +5991,19 @@
               <a:defRPr/>
             </a:lvl9pPr>
           </a:lstStyle>
-          <a:p/>
+          <a:p>
+            <a:endParaRPr/>
+          </a:p>
         </p:txBody>
       </p:sp>
       <p:sp>
         <p:nvSpPr>
           <p:cNvPr id="38" name="Google Shape;38;p37"/>
-          <p:cNvSpPr txBox="1"/>
+          <p:cNvSpPr txBox="1">
+            <a:spLocks noGrp="1"/>
+          </p:cNvSpPr>
           <p:nvPr>
-            <p:ph idx="1" type="body"/>
+            <p:ph type="body" idx="1"/>
           </p:nvPr>
         </p:nvSpPr>
         <p:spPr>
@@ -5834,11 +6020,11 @@
           </a:ln>
         </p:spPr>
         <p:txBody>
-          <a:bodyPr anchorCtr="0" anchor="t" bIns="91425" lIns="91425" spcFirstLastPara="1" rIns="91425" wrap="square" tIns="91425">
+          <a:bodyPr spcFirstLastPara="1" wrap="square" lIns="91425" tIns="91425" rIns="91425" bIns="91425" anchor="t" anchorCtr="0">
             <a:noAutofit/>
           </a:bodyPr>
           <a:lstStyle>
-            <a:lvl1pPr indent="-355600" lvl="0" marL="457200" algn="l">
+            <a:lvl1pPr marL="457200" lvl="0" indent="-355600" algn="l">
               <a:lnSpc>
                 <a:spcPct val="100000"/>
               </a:lnSpc>
@@ -5852,7 +6038,7 @@
               <a:buChar char="✘"/>
               <a:defRPr/>
             </a:lvl1pPr>
-            <a:lvl2pPr indent="-355600" lvl="1" marL="914400" algn="l">
+            <a:lvl2pPr marL="914400" lvl="1" indent="-355600" algn="l">
               <a:lnSpc>
                 <a:spcPct val="100000"/>
               </a:lnSpc>
@@ -5866,7 +6052,7 @@
               <a:buChar char="○"/>
               <a:defRPr/>
             </a:lvl2pPr>
-            <a:lvl3pPr indent="-355600" lvl="2" marL="1371600" algn="l">
+            <a:lvl3pPr marL="1371600" lvl="2" indent="-355600" algn="l">
               <a:lnSpc>
                 <a:spcPct val="100000"/>
               </a:lnSpc>
@@ -5880,7 +6066,7 @@
               <a:buChar char="■"/>
               <a:defRPr/>
             </a:lvl3pPr>
-            <a:lvl4pPr indent="-355600" lvl="3" marL="1828800" algn="l">
+            <a:lvl4pPr marL="1828800" lvl="3" indent="-355600" algn="l">
               <a:lnSpc>
                 <a:spcPct val="100000"/>
               </a:lnSpc>
@@ -5894,7 +6080,7 @@
               <a:buChar char="●"/>
               <a:defRPr/>
             </a:lvl4pPr>
-            <a:lvl5pPr indent="-355600" lvl="4" marL="2286000" algn="l">
+            <a:lvl5pPr marL="2286000" lvl="4" indent="-355600" algn="l">
               <a:lnSpc>
                 <a:spcPct val="100000"/>
               </a:lnSpc>
@@ -5908,7 +6094,7 @@
               <a:buChar char="○"/>
               <a:defRPr/>
             </a:lvl5pPr>
-            <a:lvl6pPr indent="-355600" lvl="5" marL="2743200" algn="l">
+            <a:lvl6pPr marL="2743200" lvl="5" indent="-355600" algn="l">
               <a:lnSpc>
                 <a:spcPct val="100000"/>
               </a:lnSpc>
@@ -5922,7 +6108,7 @@
               <a:buChar char="■"/>
               <a:defRPr/>
             </a:lvl6pPr>
-            <a:lvl7pPr indent="-355600" lvl="6" marL="3200400" algn="l">
+            <a:lvl7pPr marL="3200400" lvl="6" indent="-355600" algn="l">
               <a:lnSpc>
                 <a:spcPct val="100000"/>
               </a:lnSpc>
@@ -5936,7 +6122,7 @@
               <a:buChar char="●"/>
               <a:defRPr/>
             </a:lvl7pPr>
-            <a:lvl8pPr indent="-355600" lvl="7" marL="3657600" algn="l">
+            <a:lvl8pPr marL="3657600" lvl="7" indent="-355600" algn="l">
               <a:lnSpc>
                 <a:spcPct val="100000"/>
               </a:lnSpc>
@@ -5950,7 +6136,7 @@
               <a:buChar char="○"/>
               <a:defRPr/>
             </a:lvl8pPr>
-            <a:lvl9pPr indent="-355600" lvl="8" marL="4114800" algn="l">
+            <a:lvl9pPr marL="4114800" lvl="8" indent="-355600" algn="l">
               <a:lnSpc>
                 <a:spcPct val="100000"/>
               </a:lnSpc>
@@ -5965,15 +6151,19 @@
               <a:defRPr/>
             </a:lvl9pPr>
           </a:lstStyle>
-          <a:p/>
+          <a:p>
+            <a:endParaRPr/>
+          </a:p>
         </p:txBody>
       </p:sp>
       <p:sp>
         <p:nvSpPr>
           <p:cNvPr id="39" name="Google Shape;39;p37"/>
-          <p:cNvSpPr txBox="1"/>
+          <p:cNvSpPr txBox="1">
+            <a:spLocks noGrp="1"/>
+          </p:cNvSpPr>
           <p:nvPr>
-            <p:ph idx="12" type="sldNum"/>
+            <p:ph type="sldNum" idx="12"/>
           </p:nvPr>
         </p:nvSpPr>
         <p:spPr>
@@ -5990,11 +6180,11 @@
           </a:ln>
         </p:spPr>
         <p:txBody>
-          <a:bodyPr anchorCtr="0" anchor="t" bIns="91425" lIns="91425" spcFirstLastPara="1" rIns="91425" wrap="square" tIns="91425">
+          <a:bodyPr spcFirstLastPara="1" wrap="square" lIns="91425" tIns="91425" rIns="91425" bIns="91425" anchor="t" anchorCtr="0">
             <a:noAutofit/>
           </a:bodyPr>
           <a:lstStyle>
-            <a:lvl1pPr indent="0" lvl="0" marL="0" marR="0" algn="ctr">
+            <a:lvl1pPr marL="0" marR="0" lvl="0" indent="0" algn="ctr">
               <a:lnSpc>
                 <a:spcPct val="100000"/>
               </a:lnSpc>
@@ -6010,7 +6200,7 @@
               <a:buSzPts val="1000"/>
               <a:buFont typeface="Arial"/>
               <a:buNone/>
-              <a:defRPr b="0" i="0" sz="1000" u="none" cap="none" strike="noStrike">
+              <a:defRPr sz="1000" b="0" i="0" u="none" strike="noStrike" cap="none">
                 <a:solidFill>
                   <a:srgbClr val="FFFFFF"/>
                 </a:solidFill>
@@ -6020,7 +6210,7 @@
                 <a:sym typeface="Sniglet"/>
               </a:defRPr>
             </a:lvl1pPr>
-            <a:lvl2pPr indent="0" lvl="1" marL="0" marR="0" algn="ctr">
+            <a:lvl2pPr marL="0" marR="0" lvl="1" indent="0" algn="ctr">
               <a:lnSpc>
                 <a:spcPct val="100000"/>
               </a:lnSpc>
@@ -6036,7 +6226,7 @@
               <a:buSzPts val="1000"/>
               <a:buFont typeface="Arial"/>
               <a:buNone/>
-              <a:defRPr b="0" i="0" sz="1000" u="none" cap="none" strike="noStrike">
+              <a:defRPr sz="1000" b="0" i="0" u="none" strike="noStrike" cap="none">
                 <a:solidFill>
                   <a:srgbClr val="FFFFFF"/>
                 </a:solidFill>
@@ -6046,7 +6236,7 @@
                 <a:sym typeface="Sniglet"/>
               </a:defRPr>
             </a:lvl2pPr>
-            <a:lvl3pPr indent="0" lvl="2" marL="0" marR="0" algn="ctr">
+            <a:lvl3pPr marL="0" marR="0" lvl="2" indent="0" algn="ctr">
               <a:lnSpc>
                 <a:spcPct val="100000"/>
               </a:lnSpc>
@@ -6062,7 +6252,7 @@
               <a:buSzPts val="1000"/>
               <a:buFont typeface="Arial"/>
               <a:buNone/>
-              <a:defRPr b="0" i="0" sz="1000" u="none" cap="none" strike="noStrike">
+              <a:defRPr sz="1000" b="0" i="0" u="none" strike="noStrike" cap="none">
                 <a:solidFill>
                   <a:srgbClr val="FFFFFF"/>
                 </a:solidFill>
@@ -6072,7 +6262,7 @@
                 <a:sym typeface="Sniglet"/>
               </a:defRPr>
             </a:lvl3pPr>
-            <a:lvl4pPr indent="0" lvl="3" marL="0" marR="0" algn="ctr">
+            <a:lvl4pPr marL="0" marR="0" lvl="3" indent="0" algn="ctr">
               <a:lnSpc>
                 <a:spcPct val="100000"/>
               </a:lnSpc>
@@ -6088,7 +6278,7 @@
               <a:buSzPts val="1000"/>
               <a:buFont typeface="Arial"/>
               <a:buNone/>
-              <a:defRPr b="0" i="0" sz="1000" u="none" cap="none" strike="noStrike">
+              <a:defRPr sz="1000" b="0" i="0" u="none" strike="noStrike" cap="none">
                 <a:solidFill>
                   <a:srgbClr val="FFFFFF"/>
                 </a:solidFill>
@@ -6098,7 +6288,7 @@
                 <a:sym typeface="Sniglet"/>
               </a:defRPr>
             </a:lvl4pPr>
-            <a:lvl5pPr indent="0" lvl="4" marL="0" marR="0" algn="ctr">
+            <a:lvl5pPr marL="0" marR="0" lvl="4" indent="0" algn="ctr">
               <a:lnSpc>
                 <a:spcPct val="100000"/>
               </a:lnSpc>
@@ -6114,7 +6304,7 @@
               <a:buSzPts val="1000"/>
               <a:buFont typeface="Arial"/>
               <a:buNone/>
-              <a:defRPr b="0" i="0" sz="1000" u="none" cap="none" strike="noStrike">
+              <a:defRPr sz="1000" b="0" i="0" u="none" strike="noStrike" cap="none">
                 <a:solidFill>
                   <a:srgbClr val="FFFFFF"/>
                 </a:solidFill>
@@ -6124,7 +6314,7 @@
                 <a:sym typeface="Sniglet"/>
               </a:defRPr>
             </a:lvl5pPr>
-            <a:lvl6pPr indent="0" lvl="5" marL="0" marR="0" algn="ctr">
+            <a:lvl6pPr marL="0" marR="0" lvl="5" indent="0" algn="ctr">
               <a:lnSpc>
                 <a:spcPct val="100000"/>
               </a:lnSpc>
@@ -6140,7 +6330,7 @@
               <a:buSzPts val="1000"/>
               <a:buFont typeface="Arial"/>
               <a:buNone/>
-              <a:defRPr b="0" i="0" sz="1000" u="none" cap="none" strike="noStrike">
+              <a:defRPr sz="1000" b="0" i="0" u="none" strike="noStrike" cap="none">
                 <a:solidFill>
                   <a:srgbClr val="FFFFFF"/>
                 </a:solidFill>
@@ -6150,7 +6340,7 @@
                 <a:sym typeface="Sniglet"/>
               </a:defRPr>
             </a:lvl6pPr>
-            <a:lvl7pPr indent="0" lvl="6" marL="0" marR="0" algn="ctr">
+            <a:lvl7pPr marL="0" marR="0" lvl="6" indent="0" algn="ctr">
               <a:lnSpc>
                 <a:spcPct val="100000"/>
               </a:lnSpc>
@@ -6166,7 +6356,7 @@
               <a:buSzPts val="1000"/>
               <a:buFont typeface="Arial"/>
               <a:buNone/>
-              <a:defRPr b="0" i="0" sz="1000" u="none" cap="none" strike="noStrike">
+              <a:defRPr sz="1000" b="0" i="0" u="none" strike="noStrike" cap="none">
                 <a:solidFill>
                   <a:srgbClr val="FFFFFF"/>
                 </a:solidFill>
@@ -6176,7 +6366,7 @@
                 <a:sym typeface="Sniglet"/>
               </a:defRPr>
             </a:lvl7pPr>
-            <a:lvl8pPr indent="0" lvl="7" marL="0" marR="0" algn="ctr">
+            <a:lvl8pPr marL="0" marR="0" lvl="7" indent="0" algn="ctr">
               <a:lnSpc>
                 <a:spcPct val="100000"/>
               </a:lnSpc>
@@ -6192,7 +6382,7 @@
               <a:buSzPts val="1000"/>
               <a:buFont typeface="Arial"/>
               <a:buNone/>
-              <a:defRPr b="0" i="0" sz="1000" u="none" cap="none" strike="noStrike">
+              <a:defRPr sz="1000" b="0" i="0" u="none" strike="noStrike" cap="none">
                 <a:solidFill>
                   <a:srgbClr val="FFFFFF"/>
                 </a:solidFill>
@@ -6202,7 +6392,7 @@
                 <a:sym typeface="Sniglet"/>
               </a:defRPr>
             </a:lvl8pPr>
-            <a:lvl9pPr indent="0" lvl="8" marL="0" marR="0" algn="ctr">
+            <a:lvl9pPr marL="0" marR="0" lvl="8" indent="0" algn="ctr">
               <a:lnSpc>
                 <a:spcPct val="100000"/>
               </a:lnSpc>
@@ -6218,7 +6408,7 @@
               <a:buSzPts val="1000"/>
               <a:buFont typeface="Arial"/>
               <a:buNone/>
-              <a:defRPr b="0" i="0" sz="1000" u="none" cap="none" strike="noStrike">
+              <a:defRPr sz="1000" b="0" i="0" u="none" strike="noStrike" cap="none">
                 <a:solidFill>
                   <a:srgbClr val="FFFFFF"/>
                 </a:solidFill>
@@ -6230,7 +6420,7 @@
             </a:lvl9pPr>
           </a:lstStyle>
           <a:p>
-            <a:pPr indent="0" lvl="0" marL="0" rtl="0" algn="ctr">
+            <a:pPr marL="0" lvl="0" indent="0" algn="ctr" rtl="0">
               <a:spcBef>
                 <a:spcPts val="0"/>
               </a:spcBef>
@@ -6256,11 +6446,11 @@
 </file>
 
 <file path=ppt/slideLayouts/slideLayout7.xml><?xml version="1.0" encoding="utf-8"?>
-<p:sldLayout xmlns:a="http://schemas.openxmlformats.org/drawingml/2006/main" xmlns:r="http://schemas.openxmlformats.org/officeDocument/2006/relationships" xmlns:mc="http://schemas.openxmlformats.org/markup-compatibility/2006" xmlns:mv="urn:schemas-microsoft-com:mac:vml" xmlns:p="http://schemas.openxmlformats.org/presentationml/2006/main" xmlns:c="http://schemas.openxmlformats.org/drawingml/2006/chart" xmlns:dgm="http://schemas.openxmlformats.org/drawingml/2006/diagram" xmlns:o="urn:schemas-microsoft-com:office:office" xmlns:v="urn:schemas-microsoft-com:vml" xmlns:pvml="urn:schemas-microsoft-com:office:powerpoint" xmlns:com="http://schemas.openxmlformats.org/drawingml/2006/compatibility" xmlns:p14="http://schemas.microsoft.com/office/powerpoint/2010/main" xmlns:p15="http://schemas.microsoft.com/office/powerpoint/2012/main" matchingName="Title + 3 columns">
+<p:sldLayout xmlns:a="http://schemas.openxmlformats.org/drawingml/2006/main" xmlns:r="http://schemas.openxmlformats.org/officeDocument/2006/relationships" xmlns:p="http://schemas.openxmlformats.org/presentationml/2006/main" matchingName="Title + 3 columns">
   <p:cSld name="TITLE_AND_TWO_COLUMNS_1">
     <p:spTree>
       <p:nvGrpSpPr>
-        <p:cNvPr id="40" name="Shape 40"/>
+        <p:cNvPr id="1" name="Shape 40"/>
         <p:cNvGrpSpPr/>
         <p:nvPr/>
       </p:nvGrpSpPr>
@@ -6275,7 +6465,9 @@
       <p:sp>
         <p:nvSpPr>
           <p:cNvPr id="41" name="Google Shape;41;p38"/>
-          <p:cNvSpPr txBox="1"/>
+          <p:cNvSpPr txBox="1">
+            <a:spLocks noGrp="1"/>
+          </p:cNvSpPr>
           <p:nvPr>
             <p:ph type="title"/>
           </p:nvPr>
@@ -6294,7 +6486,7 @@
           </a:ln>
         </p:spPr>
         <p:txBody>
-          <a:bodyPr anchorCtr="0" anchor="t" bIns="91425" lIns="91425" spcFirstLastPara="1" rIns="91425" wrap="square" tIns="91425">
+          <a:bodyPr spcFirstLastPara="1" wrap="square" lIns="91425" tIns="91425" rIns="91425" bIns="91425" anchor="t" anchorCtr="0">
             <a:noAutofit/>
           </a:bodyPr>
           <a:lstStyle>
@@ -6425,15 +6617,19 @@
               <a:defRPr/>
             </a:lvl9pPr>
           </a:lstStyle>
-          <a:p/>
+          <a:p>
+            <a:endParaRPr/>
+          </a:p>
         </p:txBody>
       </p:sp>
       <p:sp>
         <p:nvSpPr>
           <p:cNvPr id="42" name="Google Shape;42;p38"/>
-          <p:cNvSpPr txBox="1"/>
+          <p:cNvSpPr txBox="1">
+            <a:spLocks noGrp="1"/>
+          </p:cNvSpPr>
           <p:nvPr>
-            <p:ph idx="1" type="body"/>
+            <p:ph type="body" idx="1"/>
           </p:nvPr>
         </p:nvSpPr>
         <p:spPr>
@@ -6450,11 +6646,11 @@
           </a:ln>
         </p:spPr>
         <p:txBody>
-          <a:bodyPr anchorCtr="0" anchor="t" bIns="91425" lIns="91425" spcFirstLastPara="1" rIns="91425" wrap="square" tIns="91425">
+          <a:bodyPr spcFirstLastPara="1" wrap="square" lIns="91425" tIns="91425" rIns="91425" bIns="91425" anchor="t" anchorCtr="0">
             <a:noAutofit/>
           </a:bodyPr>
           <a:lstStyle>
-            <a:lvl1pPr indent="-317500" lvl="0" marL="457200" algn="l">
+            <a:lvl1pPr marL="457200" lvl="0" indent="-317500" algn="l">
               <a:lnSpc>
                 <a:spcPct val="100000"/>
               </a:lnSpc>
@@ -6468,7 +6664,7 @@
               <a:buChar char="✘"/>
               <a:defRPr sz="1400"/>
             </a:lvl1pPr>
-            <a:lvl2pPr indent="-317500" lvl="1" marL="914400" algn="l">
+            <a:lvl2pPr marL="914400" lvl="1" indent="-317500" algn="l">
               <a:lnSpc>
                 <a:spcPct val="100000"/>
               </a:lnSpc>
@@ -6482,7 +6678,7 @@
               <a:buChar char="○"/>
               <a:defRPr sz="1400"/>
             </a:lvl2pPr>
-            <a:lvl3pPr indent="-317500" lvl="2" marL="1371600" algn="l">
+            <a:lvl3pPr marL="1371600" lvl="2" indent="-317500" algn="l">
               <a:lnSpc>
                 <a:spcPct val="100000"/>
               </a:lnSpc>
@@ -6496,7 +6692,7 @@
               <a:buChar char="■"/>
               <a:defRPr sz="1400"/>
             </a:lvl3pPr>
-            <a:lvl4pPr indent="-317500" lvl="3" marL="1828800" algn="l">
+            <a:lvl4pPr marL="1828800" lvl="3" indent="-317500" algn="l">
               <a:lnSpc>
                 <a:spcPct val="100000"/>
               </a:lnSpc>
@@ -6510,7 +6706,7 @@
               <a:buChar char="●"/>
               <a:defRPr sz="1400"/>
             </a:lvl4pPr>
-            <a:lvl5pPr indent="-317500" lvl="4" marL="2286000" algn="l">
+            <a:lvl5pPr marL="2286000" lvl="4" indent="-317500" algn="l">
               <a:lnSpc>
                 <a:spcPct val="100000"/>
               </a:lnSpc>
@@ -6524,7 +6720,7 @@
               <a:buChar char="○"/>
               <a:defRPr sz="1400"/>
             </a:lvl5pPr>
-            <a:lvl6pPr indent="-317500" lvl="5" marL="2743200" algn="l">
+            <a:lvl6pPr marL="2743200" lvl="5" indent="-317500" algn="l">
               <a:lnSpc>
                 <a:spcPct val="100000"/>
               </a:lnSpc>
@@ -6538,7 +6734,7 @@
               <a:buChar char="■"/>
               <a:defRPr sz="1400"/>
             </a:lvl6pPr>
-            <a:lvl7pPr indent="-317500" lvl="6" marL="3200400" algn="l">
+            <a:lvl7pPr marL="3200400" lvl="6" indent="-317500" algn="l">
               <a:lnSpc>
                 <a:spcPct val="100000"/>
               </a:lnSpc>
@@ -6552,7 +6748,7 @@
               <a:buChar char="●"/>
               <a:defRPr sz="1400"/>
             </a:lvl7pPr>
-            <a:lvl8pPr indent="-317500" lvl="7" marL="3657600" algn="l">
+            <a:lvl8pPr marL="3657600" lvl="7" indent="-317500" algn="l">
               <a:lnSpc>
                 <a:spcPct val="100000"/>
               </a:lnSpc>
@@ -6566,7 +6762,7 @@
               <a:buChar char="○"/>
               <a:defRPr sz="1400"/>
             </a:lvl8pPr>
-            <a:lvl9pPr indent="-317500" lvl="8" marL="4114800" algn="l">
+            <a:lvl9pPr marL="4114800" lvl="8" indent="-317500" algn="l">
               <a:lnSpc>
                 <a:spcPct val="100000"/>
               </a:lnSpc>
@@ -6581,15 +6777,19 @@
               <a:defRPr sz="1400"/>
             </a:lvl9pPr>
           </a:lstStyle>
-          <a:p/>
+          <a:p>
+            <a:endParaRPr/>
+          </a:p>
         </p:txBody>
       </p:sp>
       <p:sp>
         <p:nvSpPr>
           <p:cNvPr id="43" name="Google Shape;43;p38"/>
-          <p:cNvSpPr txBox="1"/>
+          <p:cNvSpPr txBox="1">
+            <a:spLocks noGrp="1"/>
+          </p:cNvSpPr>
           <p:nvPr>
-            <p:ph idx="2" type="body"/>
+            <p:ph type="body" idx="2"/>
           </p:nvPr>
         </p:nvSpPr>
         <p:spPr>
@@ -6606,11 +6806,11 @@
           </a:ln>
         </p:spPr>
         <p:txBody>
-          <a:bodyPr anchorCtr="0" anchor="t" bIns="91425" lIns="91425" spcFirstLastPara="1" rIns="91425" wrap="square" tIns="91425">
+          <a:bodyPr spcFirstLastPara="1" wrap="square" lIns="91425" tIns="91425" rIns="91425" bIns="91425" anchor="t" anchorCtr="0">
             <a:noAutofit/>
           </a:bodyPr>
           <a:lstStyle>
-            <a:lvl1pPr indent="-317500" lvl="0" marL="457200" algn="l">
+            <a:lvl1pPr marL="457200" lvl="0" indent="-317500" algn="l">
               <a:lnSpc>
                 <a:spcPct val="100000"/>
               </a:lnSpc>
@@ -6624,7 +6824,7 @@
               <a:buChar char="✘"/>
               <a:defRPr sz="1400"/>
             </a:lvl1pPr>
-            <a:lvl2pPr indent="-317500" lvl="1" marL="914400" algn="l">
+            <a:lvl2pPr marL="914400" lvl="1" indent="-317500" algn="l">
               <a:lnSpc>
                 <a:spcPct val="100000"/>
               </a:lnSpc>
@@ -6638,7 +6838,7 @@
               <a:buChar char="○"/>
               <a:defRPr sz="1400"/>
             </a:lvl2pPr>
-            <a:lvl3pPr indent="-317500" lvl="2" marL="1371600" algn="l">
+            <a:lvl3pPr marL="1371600" lvl="2" indent="-317500" algn="l">
               <a:lnSpc>
                 <a:spcPct val="100000"/>
               </a:lnSpc>
@@ -6652,7 +6852,7 @@
               <a:buChar char="■"/>
               <a:defRPr sz="1400"/>
             </a:lvl3pPr>
-            <a:lvl4pPr indent="-317500" lvl="3" marL="1828800" algn="l">
+            <a:lvl4pPr marL="1828800" lvl="3" indent="-317500" algn="l">
               <a:lnSpc>
                 <a:spcPct val="100000"/>
               </a:lnSpc>
@@ -6666,7 +6866,7 @@
               <a:buChar char="●"/>
               <a:defRPr sz="1400"/>
             </a:lvl4pPr>
-            <a:lvl5pPr indent="-317500" lvl="4" marL="2286000" algn="l">
+            <a:lvl5pPr marL="2286000" lvl="4" indent="-317500" algn="l">
               <a:lnSpc>
                 <a:spcPct val="100000"/>
               </a:lnSpc>
@@ -6680,7 +6880,7 @@
               <a:buChar char="○"/>
               <a:defRPr sz="1400"/>
             </a:lvl5pPr>
-            <a:lvl6pPr indent="-317500" lvl="5" marL="2743200" algn="l">
+            <a:lvl6pPr marL="2743200" lvl="5" indent="-317500" algn="l">
               <a:lnSpc>
                 <a:spcPct val="100000"/>
               </a:lnSpc>
@@ -6694,7 +6894,7 @@
               <a:buChar char="■"/>
               <a:defRPr sz="1400"/>
             </a:lvl6pPr>
-            <a:lvl7pPr indent="-317500" lvl="6" marL="3200400" algn="l">
+            <a:lvl7pPr marL="3200400" lvl="6" indent="-317500" algn="l">
               <a:lnSpc>
                 <a:spcPct val="100000"/>
               </a:lnSpc>
@@ -6708,7 +6908,7 @@
               <a:buChar char="●"/>
               <a:defRPr sz="1400"/>
             </a:lvl7pPr>
-            <a:lvl8pPr indent="-317500" lvl="7" marL="3657600" algn="l">
+            <a:lvl8pPr marL="3657600" lvl="7" indent="-317500" algn="l">
               <a:lnSpc>
                 <a:spcPct val="100000"/>
               </a:lnSpc>
@@ -6722,7 +6922,7 @@
               <a:buChar char="○"/>
               <a:defRPr sz="1400"/>
             </a:lvl8pPr>
-            <a:lvl9pPr indent="-317500" lvl="8" marL="4114800" algn="l">
+            <a:lvl9pPr marL="4114800" lvl="8" indent="-317500" algn="l">
               <a:lnSpc>
                 <a:spcPct val="100000"/>
               </a:lnSpc>
@@ -6737,15 +6937,19 @@
               <a:defRPr sz="1400"/>
             </a:lvl9pPr>
           </a:lstStyle>
-          <a:p/>
+          <a:p>
+            <a:endParaRPr/>
+          </a:p>
         </p:txBody>
       </p:sp>
       <p:sp>
         <p:nvSpPr>
           <p:cNvPr id="44" name="Google Shape;44;p38"/>
-          <p:cNvSpPr txBox="1"/>
+          <p:cNvSpPr txBox="1">
+            <a:spLocks noGrp="1"/>
+          </p:cNvSpPr>
           <p:nvPr>
-            <p:ph idx="3" type="body"/>
+            <p:ph type="body" idx="3"/>
           </p:nvPr>
         </p:nvSpPr>
         <p:spPr>
@@ -6762,11 +6966,11 @@
           </a:ln>
         </p:spPr>
         <p:txBody>
-          <a:bodyPr anchorCtr="0" anchor="t" bIns="91425" lIns="91425" spcFirstLastPara="1" rIns="91425" wrap="square" tIns="91425">
+          <a:bodyPr spcFirstLastPara="1" wrap="square" lIns="91425" tIns="91425" rIns="91425" bIns="91425" anchor="t" anchorCtr="0">
             <a:noAutofit/>
           </a:bodyPr>
           <a:lstStyle>
-            <a:lvl1pPr indent="-317500" lvl="0" marL="457200" algn="l">
+            <a:lvl1pPr marL="457200" lvl="0" indent="-317500" algn="l">
               <a:lnSpc>
                 <a:spcPct val="100000"/>
               </a:lnSpc>
@@ -6780,7 +6984,7 @@
               <a:buChar char="✘"/>
               <a:defRPr sz="1400"/>
             </a:lvl1pPr>
-            <a:lvl2pPr indent="-317500" lvl="1" marL="914400" algn="l">
+            <a:lvl2pPr marL="914400" lvl="1" indent="-317500" algn="l">
               <a:lnSpc>
                 <a:spcPct val="100000"/>
               </a:lnSpc>
@@ -6794,7 +6998,7 @@
               <a:buChar char="○"/>
               <a:defRPr sz="1400"/>
             </a:lvl2pPr>
-            <a:lvl3pPr indent="-317500" lvl="2" marL="1371600" algn="l">
+            <a:lvl3pPr marL="1371600" lvl="2" indent="-317500" algn="l">
               <a:lnSpc>
                 <a:spcPct val="100000"/>
               </a:lnSpc>
@@ -6808,7 +7012,7 @@
               <a:buChar char="■"/>
               <a:defRPr sz="1400"/>
             </a:lvl3pPr>
-            <a:lvl4pPr indent="-317500" lvl="3" marL="1828800" algn="l">
+            <a:lvl4pPr marL="1828800" lvl="3" indent="-317500" algn="l">
               <a:lnSpc>
                 <a:spcPct val="100000"/>
               </a:lnSpc>
@@ -6822,7 +7026,7 @@
               <a:buChar char="●"/>
               <a:defRPr sz="1400"/>
             </a:lvl4pPr>
-            <a:lvl5pPr indent="-317500" lvl="4" marL="2286000" algn="l">
+            <a:lvl5pPr marL="2286000" lvl="4" indent="-317500" algn="l">
               <a:lnSpc>
                 <a:spcPct val="100000"/>
               </a:lnSpc>
@@ -6836,7 +7040,7 @@
               <a:buChar char="○"/>
               <a:defRPr sz="1400"/>
             </a:lvl5pPr>
-            <a:lvl6pPr indent="-317500" lvl="5" marL="2743200" algn="l">
+            <a:lvl6pPr marL="2743200" lvl="5" indent="-317500" algn="l">
               <a:lnSpc>
                 <a:spcPct val="100000"/>
               </a:lnSpc>
@@ -6850,7 +7054,7 @@
               <a:buChar char="■"/>
               <a:defRPr sz="1400"/>
             </a:lvl6pPr>
-            <a:lvl7pPr indent="-317500" lvl="6" marL="3200400" algn="l">
+            <a:lvl7pPr marL="3200400" lvl="6" indent="-317500" algn="l">
               <a:lnSpc>
                 <a:spcPct val="100000"/>
               </a:lnSpc>
@@ -6864,7 +7068,7 @@
               <a:buChar char="●"/>
               <a:defRPr sz="1400"/>
             </a:lvl7pPr>
-            <a:lvl8pPr indent="-317500" lvl="7" marL="3657600" algn="l">
+            <a:lvl8pPr marL="3657600" lvl="7" indent="-317500" algn="l">
               <a:lnSpc>
                 <a:spcPct val="100000"/>
               </a:lnSpc>
@@ -6878,7 +7082,7 @@
               <a:buChar char="○"/>
               <a:defRPr sz="1400"/>
             </a:lvl8pPr>
-            <a:lvl9pPr indent="-317500" lvl="8" marL="4114800" algn="l">
+            <a:lvl9pPr marL="4114800" lvl="8" indent="-317500" algn="l">
               <a:lnSpc>
                 <a:spcPct val="100000"/>
               </a:lnSpc>
@@ -6893,15 +7097,19 @@
               <a:defRPr sz="1400"/>
             </a:lvl9pPr>
           </a:lstStyle>
-          <a:p/>
+          <a:p>
+            <a:endParaRPr/>
+          </a:p>
         </p:txBody>
       </p:sp>
       <p:sp>
         <p:nvSpPr>
           <p:cNvPr id="45" name="Google Shape;45;p38"/>
-          <p:cNvSpPr txBox="1"/>
+          <p:cNvSpPr txBox="1">
+            <a:spLocks noGrp="1"/>
+          </p:cNvSpPr>
           <p:nvPr>
-            <p:ph idx="12" type="sldNum"/>
+            <p:ph type="sldNum" idx="12"/>
           </p:nvPr>
         </p:nvSpPr>
         <p:spPr>
@@ -6918,11 +7126,11 @@
           </a:ln>
         </p:spPr>
         <p:txBody>
-          <a:bodyPr anchorCtr="0" anchor="t" bIns="91425" lIns="91425" spcFirstLastPara="1" rIns="91425" wrap="square" tIns="91425">
+          <a:bodyPr spcFirstLastPara="1" wrap="square" lIns="91425" tIns="91425" rIns="91425" bIns="91425" anchor="t" anchorCtr="0">
             <a:noAutofit/>
           </a:bodyPr>
           <a:lstStyle>
-            <a:lvl1pPr indent="0" lvl="0" marL="0" marR="0" algn="ctr">
+            <a:lvl1pPr marL="0" marR="0" lvl="0" indent="0" algn="ctr">
               <a:lnSpc>
                 <a:spcPct val="100000"/>
               </a:lnSpc>
@@ -6938,7 +7146,7 @@
               <a:buSzPts val="1000"/>
               <a:buFont typeface="Arial"/>
               <a:buNone/>
-              <a:defRPr b="0" i="0" sz="1000" u="none" cap="none" strike="noStrike">
+              <a:defRPr sz="1000" b="0" i="0" u="none" strike="noStrike" cap="none">
                 <a:solidFill>
                   <a:srgbClr val="FFFFFF"/>
                 </a:solidFill>
@@ -6948,7 +7156,7 @@
                 <a:sym typeface="Sniglet"/>
               </a:defRPr>
             </a:lvl1pPr>
-            <a:lvl2pPr indent="0" lvl="1" marL="0" marR="0" algn="ctr">
+            <a:lvl2pPr marL="0" marR="0" lvl="1" indent="0" algn="ctr">
               <a:lnSpc>
                 <a:spcPct val="100000"/>
               </a:lnSpc>
@@ -6964,7 +7172,7 @@
               <a:buSzPts val="1000"/>
               <a:buFont typeface="Arial"/>
               <a:buNone/>
-              <a:defRPr b="0" i="0" sz="1000" u="none" cap="none" strike="noStrike">
+              <a:defRPr sz="1000" b="0" i="0" u="none" strike="noStrike" cap="none">
                 <a:solidFill>
                   <a:srgbClr val="FFFFFF"/>
                 </a:solidFill>
@@ -6974,7 +7182,7 @@
                 <a:sym typeface="Sniglet"/>
               </a:defRPr>
             </a:lvl2pPr>
-            <a:lvl3pPr indent="0" lvl="2" marL="0" marR="0" algn="ctr">
+            <a:lvl3pPr marL="0" marR="0" lvl="2" indent="0" algn="ctr">
               <a:lnSpc>
                 <a:spcPct val="100000"/>
               </a:lnSpc>
@@ -6990,7 +7198,7 @@
               <a:buSzPts val="1000"/>
               <a:buFont typeface="Arial"/>
               <a:buNone/>
-              <a:defRPr b="0" i="0" sz="1000" u="none" cap="none" strike="noStrike">
+              <a:defRPr sz="1000" b="0" i="0" u="none" strike="noStrike" cap="none">
                 <a:solidFill>
                   <a:srgbClr val="FFFFFF"/>
                 </a:solidFill>
@@ -7000,7 +7208,7 @@
                 <a:sym typeface="Sniglet"/>
               </a:defRPr>
             </a:lvl3pPr>
-            <a:lvl4pPr indent="0" lvl="3" marL="0" marR="0" algn="ctr">
+            <a:lvl4pPr marL="0" marR="0" lvl="3" indent="0" algn="ctr">
               <a:lnSpc>
                 <a:spcPct val="100000"/>
               </a:lnSpc>
@@ -7016,7 +7224,7 @@
               <a:buSzPts val="1000"/>
               <a:buFont typeface="Arial"/>
               <a:buNone/>
-              <a:defRPr b="0" i="0" sz="1000" u="none" cap="none" strike="noStrike">
+              <a:defRPr sz="1000" b="0" i="0" u="none" strike="noStrike" cap="none">
                 <a:solidFill>
                   <a:srgbClr val="FFFFFF"/>
                 </a:solidFill>
@@ -7026,7 +7234,7 @@
                 <a:sym typeface="Sniglet"/>
               </a:defRPr>
             </a:lvl4pPr>
-            <a:lvl5pPr indent="0" lvl="4" marL="0" marR="0" algn="ctr">
+            <a:lvl5pPr marL="0" marR="0" lvl="4" indent="0" algn="ctr">
               <a:lnSpc>
                 <a:spcPct val="100000"/>
               </a:lnSpc>
@@ -7042,7 +7250,7 @@
               <a:buSzPts val="1000"/>
               <a:buFont typeface="Arial"/>
               <a:buNone/>
-              <a:defRPr b="0" i="0" sz="1000" u="none" cap="none" strike="noStrike">
+              <a:defRPr sz="1000" b="0" i="0" u="none" strike="noStrike" cap="none">
                 <a:solidFill>
                   <a:srgbClr val="FFFFFF"/>
                 </a:solidFill>
@@ -7052,7 +7260,7 @@
                 <a:sym typeface="Sniglet"/>
               </a:defRPr>
             </a:lvl5pPr>
-            <a:lvl6pPr indent="0" lvl="5" marL="0" marR="0" algn="ctr">
+            <a:lvl6pPr marL="0" marR="0" lvl="5" indent="0" algn="ctr">
               <a:lnSpc>
                 <a:spcPct val="100000"/>
               </a:lnSpc>
@@ -7068,7 +7276,7 @@
               <a:buSzPts val="1000"/>
               <a:buFont typeface="Arial"/>
               <a:buNone/>
-              <a:defRPr b="0" i="0" sz="1000" u="none" cap="none" strike="noStrike">
+              <a:defRPr sz="1000" b="0" i="0" u="none" strike="noStrike" cap="none">
                 <a:solidFill>
                   <a:srgbClr val="FFFFFF"/>
                 </a:solidFill>
@@ -7078,7 +7286,7 @@
                 <a:sym typeface="Sniglet"/>
               </a:defRPr>
             </a:lvl6pPr>
-            <a:lvl7pPr indent="0" lvl="6" marL="0" marR="0" algn="ctr">
+            <a:lvl7pPr marL="0" marR="0" lvl="6" indent="0" algn="ctr">
               <a:lnSpc>
                 <a:spcPct val="100000"/>
               </a:lnSpc>
@@ -7094,7 +7302,7 @@
               <a:buSzPts val="1000"/>
               <a:buFont typeface="Arial"/>
               <a:buNone/>
-              <a:defRPr b="0" i="0" sz="1000" u="none" cap="none" strike="noStrike">
+              <a:defRPr sz="1000" b="0" i="0" u="none" strike="noStrike" cap="none">
                 <a:solidFill>
                   <a:srgbClr val="FFFFFF"/>
                 </a:solidFill>
@@ -7104,7 +7312,7 @@
                 <a:sym typeface="Sniglet"/>
               </a:defRPr>
             </a:lvl7pPr>
-            <a:lvl8pPr indent="0" lvl="7" marL="0" marR="0" algn="ctr">
+            <a:lvl8pPr marL="0" marR="0" lvl="7" indent="0" algn="ctr">
               <a:lnSpc>
                 <a:spcPct val="100000"/>
               </a:lnSpc>
@@ -7120,7 +7328,7 @@
               <a:buSzPts val="1000"/>
               <a:buFont typeface="Arial"/>
               <a:buNone/>
-              <a:defRPr b="0" i="0" sz="1000" u="none" cap="none" strike="noStrike">
+              <a:defRPr sz="1000" b="0" i="0" u="none" strike="noStrike" cap="none">
                 <a:solidFill>
                   <a:srgbClr val="FFFFFF"/>
                 </a:solidFill>
@@ -7130,7 +7338,7 @@
                 <a:sym typeface="Sniglet"/>
               </a:defRPr>
             </a:lvl8pPr>
-            <a:lvl9pPr indent="0" lvl="8" marL="0" marR="0" algn="ctr">
+            <a:lvl9pPr marL="0" marR="0" lvl="8" indent="0" algn="ctr">
               <a:lnSpc>
                 <a:spcPct val="100000"/>
               </a:lnSpc>
@@ -7146,7 +7354,7 @@
               <a:buSzPts val="1000"/>
               <a:buFont typeface="Arial"/>
               <a:buNone/>
-              <a:defRPr b="0" i="0" sz="1000" u="none" cap="none" strike="noStrike">
+              <a:defRPr sz="1000" b="0" i="0" u="none" strike="noStrike" cap="none">
                 <a:solidFill>
                   <a:srgbClr val="FFFFFF"/>
                 </a:solidFill>
@@ -7158,7 +7366,7 @@
             </a:lvl9pPr>
           </a:lstStyle>
           <a:p>
-            <a:pPr indent="0" lvl="0" marL="0" rtl="0" algn="ctr">
+            <a:pPr marL="0" lvl="0" indent="0" algn="ctr" rtl="0">
               <a:spcBef>
                 <a:spcPts val="0"/>
               </a:spcBef>
@@ -7184,11 +7392,11 @@
 </file>
 
 <file path=ppt/slideLayouts/slideLayout8.xml><?xml version="1.0" encoding="utf-8"?>
-<p:sldLayout xmlns:a="http://schemas.openxmlformats.org/drawingml/2006/main" xmlns:r="http://schemas.openxmlformats.org/officeDocument/2006/relationships" xmlns:mc="http://schemas.openxmlformats.org/markup-compatibility/2006" xmlns:mv="urn:schemas-microsoft-com:mac:vml" xmlns:p="http://schemas.openxmlformats.org/presentationml/2006/main" xmlns:c="http://schemas.openxmlformats.org/drawingml/2006/chart" xmlns:dgm="http://schemas.openxmlformats.org/drawingml/2006/diagram" xmlns:o="urn:schemas-microsoft-com:office:office" xmlns:v="urn:schemas-microsoft-com:vml" xmlns:pvml="urn:schemas-microsoft-com:office:powerpoint" xmlns:com="http://schemas.openxmlformats.org/drawingml/2006/compatibility" xmlns:p14="http://schemas.microsoft.com/office/powerpoint/2010/main" xmlns:p15="http://schemas.microsoft.com/office/powerpoint/2012/main" matchingName="Title only" type="titleOnly">
+<p:sldLayout xmlns:a="http://schemas.openxmlformats.org/drawingml/2006/main" xmlns:r="http://schemas.openxmlformats.org/officeDocument/2006/relationships" xmlns:p="http://schemas.openxmlformats.org/presentationml/2006/main" matchingName="Title only" type="titleOnly">
   <p:cSld name="TITLE_ONLY">
     <p:spTree>
       <p:nvGrpSpPr>
-        <p:cNvPr id="46" name="Shape 46"/>
+        <p:cNvPr id="1" name="Shape 46"/>
         <p:cNvGrpSpPr/>
         <p:nvPr/>
       </p:nvGrpSpPr>
@@ -7203,7 +7411,9 @@
       <p:sp>
         <p:nvSpPr>
           <p:cNvPr id="47" name="Google Shape;47;p39"/>
-          <p:cNvSpPr txBox="1"/>
+          <p:cNvSpPr txBox="1">
+            <a:spLocks noGrp="1"/>
+          </p:cNvSpPr>
           <p:nvPr>
             <p:ph type="title"/>
           </p:nvPr>
@@ -7222,7 +7432,7 @@
           </a:ln>
         </p:spPr>
         <p:txBody>
-          <a:bodyPr anchorCtr="0" anchor="t" bIns="91425" lIns="91425" spcFirstLastPara="1" rIns="91425" wrap="square" tIns="91425">
+          <a:bodyPr spcFirstLastPara="1" wrap="square" lIns="91425" tIns="91425" rIns="91425" bIns="91425" anchor="t" anchorCtr="0">
             <a:noAutofit/>
           </a:bodyPr>
           <a:lstStyle>
@@ -7353,15 +7563,19 @@
               <a:defRPr/>
             </a:lvl9pPr>
           </a:lstStyle>
-          <a:p/>
+          <a:p>
+            <a:endParaRPr/>
+          </a:p>
         </p:txBody>
       </p:sp>
       <p:sp>
         <p:nvSpPr>
           <p:cNvPr id="48" name="Google Shape;48;p39"/>
-          <p:cNvSpPr txBox="1"/>
+          <p:cNvSpPr txBox="1">
+            <a:spLocks noGrp="1"/>
+          </p:cNvSpPr>
           <p:nvPr>
-            <p:ph idx="12" type="sldNum"/>
+            <p:ph type="sldNum" idx="12"/>
           </p:nvPr>
         </p:nvSpPr>
         <p:spPr>
@@ -7378,11 +7592,11 @@
           </a:ln>
         </p:spPr>
         <p:txBody>
-          <a:bodyPr anchorCtr="0" anchor="t" bIns="91425" lIns="91425" spcFirstLastPara="1" rIns="91425" wrap="square" tIns="91425">
+          <a:bodyPr spcFirstLastPara="1" wrap="square" lIns="91425" tIns="91425" rIns="91425" bIns="91425" anchor="t" anchorCtr="0">
             <a:noAutofit/>
           </a:bodyPr>
           <a:lstStyle>
-            <a:lvl1pPr indent="0" lvl="0" marL="0" marR="0" algn="ctr">
+            <a:lvl1pPr marL="0" marR="0" lvl="0" indent="0" algn="ctr">
               <a:lnSpc>
                 <a:spcPct val="100000"/>
               </a:lnSpc>
@@ -7398,7 +7612,7 @@
               <a:buSzPts val="1000"/>
               <a:buFont typeface="Arial"/>
               <a:buNone/>
-              <a:defRPr b="0" i="0" sz="1000" u="none" cap="none" strike="noStrike">
+              <a:defRPr sz="1000" b="0" i="0" u="none" strike="noStrike" cap="none">
                 <a:solidFill>
                   <a:srgbClr val="FFFFFF"/>
                 </a:solidFill>
@@ -7408,7 +7622,7 @@
                 <a:sym typeface="Sniglet"/>
               </a:defRPr>
             </a:lvl1pPr>
-            <a:lvl2pPr indent="0" lvl="1" marL="0" marR="0" algn="ctr">
+            <a:lvl2pPr marL="0" marR="0" lvl="1" indent="0" algn="ctr">
               <a:lnSpc>
                 <a:spcPct val="100000"/>
               </a:lnSpc>
@@ -7424,7 +7638,7 @@
               <a:buSzPts val="1000"/>
               <a:buFont typeface="Arial"/>
               <a:buNone/>
-              <a:defRPr b="0" i="0" sz="1000" u="none" cap="none" strike="noStrike">
+              <a:defRPr sz="1000" b="0" i="0" u="none" strike="noStrike" cap="none">
                 <a:solidFill>
                   <a:srgbClr val="FFFFFF"/>
                 </a:solidFill>
@@ -7434,7 +7648,7 @@
                 <a:sym typeface="Sniglet"/>
               </a:defRPr>
             </a:lvl2pPr>
-            <a:lvl3pPr indent="0" lvl="2" marL="0" marR="0" algn="ctr">
+            <a:lvl3pPr marL="0" marR="0" lvl="2" indent="0" algn="ctr">
               <a:lnSpc>
                 <a:spcPct val="100000"/>
               </a:lnSpc>
@@ -7450,7 +7664,7 @@
               <a:buSzPts val="1000"/>
               <a:buFont typeface="Arial"/>
               <a:buNone/>
-              <a:defRPr b="0" i="0" sz="1000" u="none" cap="none" strike="noStrike">
+              <a:defRPr sz="1000" b="0" i="0" u="none" strike="noStrike" cap="none">
                 <a:solidFill>
                   <a:srgbClr val="FFFFFF"/>
                 </a:solidFill>
@@ -7460,7 +7674,7 @@
                 <a:sym typeface="Sniglet"/>
               </a:defRPr>
             </a:lvl3pPr>
-            <a:lvl4pPr indent="0" lvl="3" marL="0" marR="0" algn="ctr">
+            <a:lvl4pPr marL="0" marR="0" lvl="3" indent="0" algn="ctr">
               <a:lnSpc>
                 <a:spcPct val="100000"/>
               </a:lnSpc>
@@ -7476,7 +7690,7 @@
               <a:buSzPts val="1000"/>
               <a:buFont typeface="Arial"/>
               <a:buNone/>
-              <a:defRPr b="0" i="0" sz="1000" u="none" cap="none" strike="noStrike">
+              <a:defRPr sz="1000" b="0" i="0" u="none" strike="noStrike" cap="none">
                 <a:solidFill>
                   <a:srgbClr val="FFFFFF"/>
                 </a:solidFill>
@@ -7486,7 +7700,7 @@
                 <a:sym typeface="Sniglet"/>
               </a:defRPr>
             </a:lvl4pPr>
-            <a:lvl5pPr indent="0" lvl="4" marL="0" marR="0" algn="ctr">
+            <a:lvl5pPr marL="0" marR="0" lvl="4" indent="0" algn="ctr">
               <a:lnSpc>
                 <a:spcPct val="100000"/>
               </a:lnSpc>
@@ -7502,7 +7716,7 @@
               <a:buSzPts val="1000"/>
               <a:buFont typeface="Arial"/>
               <a:buNone/>
-              <a:defRPr b="0" i="0" sz="1000" u="none" cap="none" strike="noStrike">
+              <a:defRPr sz="1000" b="0" i="0" u="none" strike="noStrike" cap="none">
                 <a:solidFill>
                   <a:srgbClr val="FFFFFF"/>
                 </a:solidFill>
@@ -7512,7 +7726,7 @@
                 <a:sym typeface="Sniglet"/>
               </a:defRPr>
             </a:lvl5pPr>
-            <a:lvl6pPr indent="0" lvl="5" marL="0" marR="0" algn="ctr">
+            <a:lvl6pPr marL="0" marR="0" lvl="5" indent="0" algn="ctr">
               <a:lnSpc>
                 <a:spcPct val="100000"/>
               </a:lnSpc>
@@ -7528,7 +7742,7 @@
               <a:buSzPts val="1000"/>
               <a:buFont typeface="Arial"/>
               <a:buNone/>
-              <a:defRPr b="0" i="0" sz="1000" u="none" cap="none" strike="noStrike">
+              <a:defRPr sz="1000" b="0" i="0" u="none" strike="noStrike" cap="none">
                 <a:solidFill>
                   <a:srgbClr val="FFFFFF"/>
                 </a:solidFill>
@@ -7538,7 +7752,7 @@
                 <a:sym typeface="Sniglet"/>
               </a:defRPr>
             </a:lvl6pPr>
-            <a:lvl7pPr indent="0" lvl="6" marL="0" marR="0" algn="ctr">
+            <a:lvl7pPr marL="0" marR="0" lvl="6" indent="0" algn="ctr">
               <a:lnSpc>
                 <a:spcPct val="100000"/>
               </a:lnSpc>
@@ -7554,7 +7768,7 @@
               <a:buSzPts val="1000"/>
               <a:buFont typeface="Arial"/>
               <a:buNone/>
-              <a:defRPr b="0" i="0" sz="1000" u="none" cap="none" strike="noStrike">
+              <a:defRPr sz="1000" b="0" i="0" u="none" strike="noStrike" cap="none">
                 <a:solidFill>
                   <a:srgbClr val="FFFFFF"/>
                 </a:solidFill>
@@ -7564,7 +7778,7 @@
                 <a:sym typeface="Sniglet"/>
               </a:defRPr>
             </a:lvl7pPr>
-            <a:lvl8pPr indent="0" lvl="7" marL="0" marR="0" algn="ctr">
+            <a:lvl8pPr marL="0" marR="0" lvl="7" indent="0" algn="ctr">
               <a:lnSpc>
                 <a:spcPct val="100000"/>
               </a:lnSpc>
@@ -7580,7 +7794,7 @@
               <a:buSzPts val="1000"/>
               <a:buFont typeface="Arial"/>
               <a:buNone/>
-              <a:defRPr b="0" i="0" sz="1000" u="none" cap="none" strike="noStrike">
+              <a:defRPr sz="1000" b="0" i="0" u="none" strike="noStrike" cap="none">
                 <a:solidFill>
                   <a:srgbClr val="FFFFFF"/>
                 </a:solidFill>
@@ -7590,7 +7804,7 @@
                 <a:sym typeface="Sniglet"/>
               </a:defRPr>
             </a:lvl8pPr>
-            <a:lvl9pPr indent="0" lvl="8" marL="0" marR="0" algn="ctr">
+            <a:lvl9pPr marL="0" marR="0" lvl="8" indent="0" algn="ctr">
               <a:lnSpc>
                 <a:spcPct val="100000"/>
               </a:lnSpc>
@@ -7606,7 +7820,7 @@
               <a:buSzPts val="1000"/>
               <a:buFont typeface="Arial"/>
               <a:buNone/>
-              <a:defRPr b="0" i="0" sz="1000" u="none" cap="none" strike="noStrike">
+              <a:defRPr sz="1000" b="0" i="0" u="none" strike="noStrike" cap="none">
                 <a:solidFill>
                   <a:srgbClr val="FFFFFF"/>
                 </a:solidFill>
@@ -7618,7 +7832,7 @@
             </a:lvl9pPr>
           </a:lstStyle>
           <a:p>
-            <a:pPr indent="0" lvl="0" marL="0" rtl="0" algn="ctr">
+            <a:pPr marL="0" lvl="0" indent="0" algn="ctr" rtl="0">
               <a:spcBef>
                 <a:spcPts val="0"/>
               </a:spcBef>
@@ -7644,11 +7858,11 @@
 </file>
 
 <file path=ppt/slideLayouts/slideLayout9.xml><?xml version="1.0" encoding="utf-8"?>
-<p:sldLayout xmlns:a="http://schemas.openxmlformats.org/drawingml/2006/main" xmlns:r="http://schemas.openxmlformats.org/officeDocument/2006/relationships" xmlns:mc="http://schemas.openxmlformats.org/markup-compatibility/2006" xmlns:mv="urn:schemas-microsoft-com:mac:vml" xmlns:p="http://schemas.openxmlformats.org/presentationml/2006/main" xmlns:c="http://schemas.openxmlformats.org/drawingml/2006/chart" xmlns:dgm="http://schemas.openxmlformats.org/drawingml/2006/diagram" xmlns:o="urn:schemas-microsoft-com:office:office" xmlns:v="urn:schemas-microsoft-com:vml" xmlns:pvml="urn:schemas-microsoft-com:office:powerpoint" xmlns:com="http://schemas.openxmlformats.org/drawingml/2006/compatibility" xmlns:p14="http://schemas.microsoft.com/office/powerpoint/2010/main" xmlns:p15="http://schemas.microsoft.com/office/powerpoint/2012/main" matchingName="Caption">
+<p:sldLayout xmlns:a="http://schemas.openxmlformats.org/drawingml/2006/main" xmlns:r="http://schemas.openxmlformats.org/officeDocument/2006/relationships" xmlns:p="http://schemas.openxmlformats.org/presentationml/2006/main" matchingName="Caption">
   <p:cSld name="CAPTION_ONLY">
     <p:spTree>
       <p:nvGrpSpPr>
-        <p:cNvPr id="49" name="Shape 49"/>
+        <p:cNvPr id="1" name="Shape 49"/>
         <p:cNvGrpSpPr/>
         <p:nvPr/>
       </p:nvGrpSpPr>
@@ -7663,9 +7877,11 @@
       <p:sp>
         <p:nvSpPr>
           <p:cNvPr id="50" name="Google Shape;50;p40"/>
-          <p:cNvSpPr txBox="1"/>
+          <p:cNvSpPr txBox="1">
+            <a:spLocks noGrp="1"/>
+          </p:cNvSpPr>
           <p:nvPr>
-            <p:ph idx="1" type="body"/>
+            <p:ph type="body" idx="1"/>
           </p:nvPr>
         </p:nvSpPr>
         <p:spPr>
@@ -7682,11 +7898,11 @@
           </a:ln>
         </p:spPr>
         <p:txBody>
-          <a:bodyPr anchorCtr="0" anchor="t" bIns="91425" lIns="91425" spcFirstLastPara="1" rIns="91425" wrap="square" tIns="91425">
+          <a:bodyPr spcFirstLastPara="1" wrap="square" lIns="91425" tIns="91425" rIns="91425" bIns="91425" anchor="t" anchorCtr="0">
             <a:noAutofit/>
           </a:bodyPr>
           <a:lstStyle>
-            <a:lvl1pPr indent="-228600" lvl="0" marL="457200" algn="ctr">
+            <a:lvl1pPr marL="457200" lvl="0" indent="-228600" algn="ctr">
               <a:lnSpc>
                 <a:spcPct val="100000"/>
               </a:lnSpc>
@@ -7701,15 +7917,19 @@
               <a:defRPr sz="1800"/>
             </a:lvl1pPr>
           </a:lstStyle>
-          <a:p/>
+          <a:p>
+            <a:endParaRPr/>
+          </a:p>
         </p:txBody>
       </p:sp>
       <p:sp>
         <p:nvSpPr>
           <p:cNvPr id="51" name="Google Shape;51;p40"/>
-          <p:cNvSpPr txBox="1"/>
+          <p:cNvSpPr txBox="1">
+            <a:spLocks noGrp="1"/>
+          </p:cNvSpPr>
           <p:nvPr>
-            <p:ph idx="12" type="sldNum"/>
+            <p:ph type="sldNum" idx="12"/>
           </p:nvPr>
         </p:nvSpPr>
         <p:spPr>
@@ -7726,11 +7946,11 @@
           </a:ln>
         </p:spPr>
         <p:txBody>
-          <a:bodyPr anchorCtr="0" anchor="t" bIns="91425" lIns="91425" spcFirstLastPara="1" rIns="91425" wrap="square" tIns="91425">
+          <a:bodyPr spcFirstLastPara="1" wrap="square" lIns="91425" tIns="91425" rIns="91425" bIns="91425" anchor="t" anchorCtr="0">
             <a:noAutofit/>
           </a:bodyPr>
           <a:lstStyle>
-            <a:lvl1pPr indent="0" lvl="0" marL="0" marR="0" algn="ctr">
+            <a:lvl1pPr marL="0" marR="0" lvl="0" indent="0" algn="ctr">
               <a:lnSpc>
                 <a:spcPct val="100000"/>
               </a:lnSpc>
@@ -7746,7 +7966,7 @@
               <a:buSzPts val="1000"/>
               <a:buFont typeface="Arial"/>
               <a:buNone/>
-              <a:defRPr b="0" i="0" sz="1000" u="none" cap="none" strike="noStrike">
+              <a:defRPr sz="1000" b="0" i="0" u="none" strike="noStrike" cap="none">
                 <a:solidFill>
                   <a:srgbClr val="FFFFFF"/>
                 </a:solidFill>
@@ -7756,7 +7976,7 @@
                 <a:sym typeface="Sniglet"/>
               </a:defRPr>
             </a:lvl1pPr>
-            <a:lvl2pPr indent="0" lvl="1" marL="0" marR="0" algn="ctr">
+            <a:lvl2pPr marL="0" marR="0" lvl="1" indent="0" algn="ctr">
               <a:lnSpc>
                 <a:spcPct val="100000"/>
               </a:lnSpc>
@@ -7772,7 +7992,7 @@
               <a:buSzPts val="1000"/>
               <a:buFont typeface="Arial"/>
               <a:buNone/>
-              <a:defRPr b="0" i="0" sz="1000" u="none" cap="none" strike="noStrike">
+              <a:defRPr sz="1000" b="0" i="0" u="none" strike="noStrike" cap="none">
                 <a:solidFill>
                   <a:srgbClr val="FFFFFF"/>
                 </a:solidFill>
@@ -7782,7 +8002,7 @@
                 <a:sym typeface="Sniglet"/>
               </a:defRPr>
             </a:lvl2pPr>
-            <a:lvl3pPr indent="0" lvl="2" marL="0" marR="0" algn="ctr">
+            <a:lvl3pPr marL="0" marR="0" lvl="2" indent="0" algn="ctr">
               <a:lnSpc>
                 <a:spcPct val="100000"/>
               </a:lnSpc>
@@ -7798,7 +8018,7 @@
               <a:buSzPts val="1000"/>
               <a:buFont typeface="Arial"/>
               <a:buNone/>
-              <a:defRPr b="0" i="0" sz="1000" u="none" cap="none" strike="noStrike">
+              <a:defRPr sz="1000" b="0" i="0" u="none" strike="noStrike" cap="none">
                 <a:solidFill>
                   <a:srgbClr val="FFFFFF"/>
                 </a:solidFill>
@@ -7808,7 +8028,7 @@
                 <a:sym typeface="Sniglet"/>
               </a:defRPr>
             </a:lvl3pPr>
-            <a:lvl4pPr indent="0" lvl="3" marL="0" marR="0" algn="ctr">
+            <a:lvl4pPr marL="0" marR="0" lvl="3" indent="0" algn="ctr">
               <a:lnSpc>
                 <a:spcPct val="100000"/>
               </a:lnSpc>
@@ -7824,7 +8044,7 @@
               <a:buSzPts val="1000"/>
               <a:buFont typeface="Arial"/>
               <a:buNone/>
-              <a:defRPr b="0" i="0" sz="1000" u="none" cap="none" strike="noStrike">
+              <a:defRPr sz="1000" b="0" i="0" u="none" strike="noStrike" cap="none">
                 <a:solidFill>
                   <a:srgbClr val="FFFFFF"/>
                 </a:solidFill>
@@ -7834,7 +8054,7 @@
                 <a:sym typeface="Sniglet"/>
               </a:defRPr>
             </a:lvl4pPr>
-            <a:lvl5pPr indent="0" lvl="4" marL="0" marR="0" algn="ctr">
+            <a:lvl5pPr marL="0" marR="0" lvl="4" indent="0" algn="ctr">
               <a:lnSpc>
                 <a:spcPct val="100000"/>
               </a:lnSpc>
@@ -7850,7 +8070,7 @@
               <a:buSzPts val="1000"/>
               <a:buFont typeface="Arial"/>
               <a:buNone/>
-              <a:defRPr b="0" i="0" sz="1000" u="none" cap="none" strike="noStrike">
+              <a:defRPr sz="1000" b="0" i="0" u="none" strike="noStrike" cap="none">
                 <a:solidFill>
                   <a:srgbClr val="FFFFFF"/>
                 </a:solidFill>
@@ -7860,7 +8080,7 @@
                 <a:sym typeface="Sniglet"/>
               </a:defRPr>
             </a:lvl5pPr>
-            <a:lvl6pPr indent="0" lvl="5" marL="0" marR="0" algn="ctr">
+            <a:lvl6pPr marL="0" marR="0" lvl="5" indent="0" algn="ctr">
               <a:lnSpc>
                 <a:spcPct val="100000"/>
               </a:lnSpc>
@@ -7876,7 +8096,7 @@
               <a:buSzPts val="1000"/>
               <a:buFont typeface="Arial"/>
               <a:buNone/>
-              <a:defRPr b="0" i="0" sz="1000" u="none" cap="none" strike="noStrike">
+              <a:defRPr sz="1000" b="0" i="0" u="none" strike="noStrike" cap="none">
                 <a:solidFill>
                   <a:srgbClr val="FFFFFF"/>
                 </a:solidFill>
@@ -7886,7 +8106,7 @@
                 <a:sym typeface="Sniglet"/>
               </a:defRPr>
             </a:lvl6pPr>
-            <a:lvl7pPr indent="0" lvl="6" marL="0" marR="0" algn="ctr">
+            <a:lvl7pPr marL="0" marR="0" lvl="6" indent="0" algn="ctr">
               <a:lnSpc>
                 <a:spcPct val="100000"/>
               </a:lnSpc>
@@ -7902,7 +8122,7 @@
               <a:buSzPts val="1000"/>
               <a:buFont typeface="Arial"/>
               <a:buNone/>
-              <a:defRPr b="0" i="0" sz="1000" u="none" cap="none" strike="noStrike">
+              <a:defRPr sz="1000" b="0" i="0" u="none" strike="noStrike" cap="none">
                 <a:solidFill>
                   <a:srgbClr val="FFFFFF"/>
                 </a:solidFill>
@@ -7912,7 +8132,7 @@
                 <a:sym typeface="Sniglet"/>
               </a:defRPr>
             </a:lvl7pPr>
-            <a:lvl8pPr indent="0" lvl="7" marL="0" marR="0" algn="ctr">
+            <a:lvl8pPr marL="0" marR="0" lvl="7" indent="0" algn="ctr">
               <a:lnSpc>
                 <a:spcPct val="100000"/>
               </a:lnSpc>
@@ -7928,7 +8148,7 @@
               <a:buSzPts val="1000"/>
               <a:buFont typeface="Arial"/>
               <a:buNone/>
-              <a:defRPr b="0" i="0" sz="1000" u="none" cap="none" strike="noStrike">
+              <a:defRPr sz="1000" b="0" i="0" u="none" strike="noStrike" cap="none">
                 <a:solidFill>
                   <a:srgbClr val="FFFFFF"/>
                 </a:solidFill>
@@ -7938,7 +8158,7 @@
                 <a:sym typeface="Sniglet"/>
               </a:defRPr>
             </a:lvl8pPr>
-            <a:lvl9pPr indent="0" lvl="8" marL="0" marR="0" algn="ctr">
+            <a:lvl9pPr marL="0" marR="0" lvl="8" indent="0" algn="ctr">
               <a:lnSpc>
                 <a:spcPct val="100000"/>
               </a:lnSpc>
@@ -7954,7 +8174,7 @@
               <a:buSzPts val="1000"/>
               <a:buFont typeface="Arial"/>
               <a:buNone/>
-              <a:defRPr b="0" i="0" sz="1000" u="none" cap="none" strike="noStrike">
+              <a:defRPr sz="1000" b="0" i="0" u="none" strike="noStrike" cap="none">
                 <a:solidFill>
                   <a:srgbClr val="FFFFFF"/>
                 </a:solidFill>
@@ -7966,7 +8186,7 @@
             </a:lvl9pPr>
           </a:lstStyle>
           <a:p>
-            <a:pPr indent="0" lvl="0" marL="0" rtl="0" algn="ctr">
+            <a:pPr marL="0" lvl="0" indent="0" algn="ctr" rtl="0">
               <a:spcBef>
                 <a:spcPts val="0"/>
               </a:spcBef>
@@ -7992,23 +8212,24 @@
 </file>
 
 <file path=ppt/slideMasters/slideMaster1.xml><?xml version="1.0" encoding="utf-8"?>
-<p:sldMaster xmlns:a="http://schemas.openxmlformats.org/drawingml/2006/main" xmlns:r="http://schemas.openxmlformats.org/officeDocument/2006/relationships" xmlns:mc="http://schemas.openxmlformats.org/markup-compatibility/2006" xmlns:mv="urn:schemas-microsoft-com:mac:vml" xmlns:p="http://schemas.openxmlformats.org/presentationml/2006/main" xmlns:c="http://schemas.openxmlformats.org/drawingml/2006/chart" xmlns:dgm="http://schemas.openxmlformats.org/drawingml/2006/diagram" xmlns:o="urn:schemas-microsoft-com:office:office" xmlns:v="urn:schemas-microsoft-com:vml" xmlns:pvml="urn:schemas-microsoft-com:office:powerpoint" xmlns:com="http://schemas.openxmlformats.org/drawingml/2006/compatibility" xmlns:p14="http://schemas.microsoft.com/office/powerpoint/2010/main" xmlns:p15="http://schemas.microsoft.com/office/powerpoint/2012/main">
+<p:sldMaster xmlns:a="http://schemas.openxmlformats.org/drawingml/2006/main" xmlns:r="http://schemas.openxmlformats.org/officeDocument/2006/relationships" xmlns:p="http://schemas.openxmlformats.org/presentationml/2006/main">
   <p:cSld name="simple-light">
     <p:bg>
       <p:bgPr>
         <a:blipFill>
-          <a:blip r:embed="rId1">
+          <a:blip r:embed="rId11">
             <a:alphaModFix/>
           </a:blip>
           <a:stretch>
             <a:fillRect/>
           </a:stretch>
         </a:blipFill>
+        <a:effectLst/>
       </p:bgPr>
     </p:bg>
     <p:spTree>
       <p:nvGrpSpPr>
-        <p:cNvPr id="5" name="Shape 5"/>
+        <p:cNvPr id="1" name="Shape 5"/>
         <p:cNvGrpSpPr/>
         <p:nvPr/>
       </p:nvGrpSpPr>
@@ -8023,7 +8244,9 @@
       <p:sp>
         <p:nvSpPr>
           <p:cNvPr id="6" name="Google Shape;6;p31"/>
-          <p:cNvSpPr txBox="1"/>
+          <p:cNvSpPr txBox="1">
+            <a:spLocks noGrp="1"/>
+          </p:cNvSpPr>
           <p:nvPr>
             <p:ph type="title"/>
           </p:nvPr>
@@ -8042,11 +8265,11 @@
           </a:ln>
         </p:spPr>
         <p:txBody>
-          <a:bodyPr anchorCtr="0" anchor="t" bIns="91425" lIns="91425" spcFirstLastPara="1" rIns="91425" wrap="square" tIns="91425">
+          <a:bodyPr spcFirstLastPara="1" wrap="square" lIns="91425" tIns="91425" rIns="91425" bIns="91425" anchor="t" anchorCtr="0">
             <a:noAutofit/>
           </a:bodyPr>
           <a:lstStyle>
-            <a:lvl1pPr lvl="0" marR="0" rtl="0" algn="ctr">
+            <a:lvl1pPr marR="0" lvl="0" algn="ctr" rtl="0">
               <a:lnSpc>
                 <a:spcPct val="100000"/>
               </a:lnSpc>
@@ -8062,7 +8285,7 @@
               <a:buSzPts val="2600"/>
               <a:buFont typeface="Walter Turncoat"/>
               <a:buNone/>
-              <a:defRPr b="0" i="0" sz="2600" u="none" cap="none" strike="noStrike">
+              <a:defRPr sz="2600" b="0" i="0" u="none" strike="noStrike" cap="none">
                 <a:solidFill>
                   <a:srgbClr val="FFFFFF"/>
                 </a:solidFill>
@@ -8072,7 +8295,7 @@
                 <a:sym typeface="Walter Turncoat"/>
               </a:defRPr>
             </a:lvl1pPr>
-            <a:lvl2pPr lvl="1" marR="0" rtl="0" algn="ctr">
+            <a:lvl2pPr marR="0" lvl="1" algn="ctr" rtl="0">
               <a:lnSpc>
                 <a:spcPct val="100000"/>
               </a:lnSpc>
@@ -8088,7 +8311,7 @@
               <a:buSzPts val="2600"/>
               <a:buFont typeface="Walter Turncoat"/>
               <a:buNone/>
-              <a:defRPr b="0" i="0" sz="2600" u="none" cap="none" strike="noStrike">
+              <a:defRPr sz="2600" b="0" i="0" u="none" strike="noStrike" cap="none">
                 <a:solidFill>
                   <a:srgbClr val="FFFFFF"/>
                 </a:solidFill>
@@ -8098,7 +8321,7 @@
                 <a:sym typeface="Walter Turncoat"/>
               </a:defRPr>
             </a:lvl2pPr>
-            <a:lvl3pPr lvl="2" marR="0" rtl="0" algn="ctr">
+            <a:lvl3pPr marR="0" lvl="2" algn="ctr" rtl="0">
               <a:lnSpc>
                 <a:spcPct val="100000"/>
               </a:lnSpc>
@@ -8114,7 +8337,7 @@
               <a:buSzPts val="2600"/>
               <a:buFont typeface="Walter Turncoat"/>
               <a:buNone/>
-              <a:defRPr b="0" i="0" sz="2600" u="none" cap="none" strike="noStrike">
+              <a:defRPr sz="2600" b="0" i="0" u="none" strike="noStrike" cap="none">
                 <a:solidFill>
                   <a:srgbClr val="FFFFFF"/>
                 </a:solidFill>
@@ -8124,7 +8347,7 @@
                 <a:sym typeface="Walter Turncoat"/>
               </a:defRPr>
             </a:lvl3pPr>
-            <a:lvl4pPr lvl="3" marR="0" rtl="0" algn="ctr">
+            <a:lvl4pPr marR="0" lvl="3" algn="ctr" rtl="0">
               <a:lnSpc>
                 <a:spcPct val="100000"/>
               </a:lnSpc>
@@ -8140,7 +8363,7 @@
               <a:buSzPts val="2600"/>
               <a:buFont typeface="Walter Turncoat"/>
               <a:buNone/>
-              <a:defRPr b="0" i="0" sz="2600" u="none" cap="none" strike="noStrike">
+              <a:defRPr sz="2600" b="0" i="0" u="none" strike="noStrike" cap="none">
                 <a:solidFill>
                   <a:srgbClr val="FFFFFF"/>
                 </a:solidFill>
@@ -8150,7 +8373,7 @@
                 <a:sym typeface="Walter Turncoat"/>
               </a:defRPr>
             </a:lvl4pPr>
-            <a:lvl5pPr lvl="4" marR="0" rtl="0" algn="ctr">
+            <a:lvl5pPr marR="0" lvl="4" algn="ctr" rtl="0">
               <a:lnSpc>
                 <a:spcPct val="100000"/>
               </a:lnSpc>
@@ -8166,7 +8389,7 @@
               <a:buSzPts val="2600"/>
               <a:buFont typeface="Walter Turncoat"/>
               <a:buNone/>
-              <a:defRPr b="0" i="0" sz="2600" u="none" cap="none" strike="noStrike">
+              <a:defRPr sz="2600" b="0" i="0" u="none" strike="noStrike" cap="none">
                 <a:solidFill>
                   <a:srgbClr val="FFFFFF"/>
                 </a:solidFill>
@@ -8176,7 +8399,7 @@
                 <a:sym typeface="Walter Turncoat"/>
               </a:defRPr>
             </a:lvl5pPr>
-            <a:lvl6pPr lvl="5" marR="0" rtl="0" algn="ctr">
+            <a:lvl6pPr marR="0" lvl="5" algn="ctr" rtl="0">
               <a:lnSpc>
                 <a:spcPct val="100000"/>
               </a:lnSpc>
@@ -8192,7 +8415,7 @@
               <a:buSzPts val="2600"/>
               <a:buFont typeface="Walter Turncoat"/>
               <a:buNone/>
-              <a:defRPr b="0" i="0" sz="2600" u="none" cap="none" strike="noStrike">
+              <a:defRPr sz="2600" b="0" i="0" u="none" strike="noStrike" cap="none">
                 <a:solidFill>
                   <a:srgbClr val="FFFFFF"/>
                 </a:solidFill>
@@ -8202,7 +8425,7 @@
                 <a:sym typeface="Walter Turncoat"/>
               </a:defRPr>
             </a:lvl6pPr>
-            <a:lvl7pPr lvl="6" marR="0" rtl="0" algn="ctr">
+            <a:lvl7pPr marR="0" lvl="6" algn="ctr" rtl="0">
               <a:lnSpc>
                 <a:spcPct val="100000"/>
               </a:lnSpc>
@@ -8218,7 +8441,7 @@
               <a:buSzPts val="2600"/>
               <a:buFont typeface="Walter Turncoat"/>
               <a:buNone/>
-              <a:defRPr b="0" i="0" sz="2600" u="none" cap="none" strike="noStrike">
+              <a:defRPr sz="2600" b="0" i="0" u="none" strike="noStrike" cap="none">
                 <a:solidFill>
                   <a:srgbClr val="FFFFFF"/>
                 </a:solidFill>
@@ -8228,7 +8451,7 @@
                 <a:sym typeface="Walter Turncoat"/>
               </a:defRPr>
             </a:lvl7pPr>
-            <a:lvl8pPr lvl="7" marR="0" rtl="0" algn="ctr">
+            <a:lvl8pPr marR="0" lvl="7" algn="ctr" rtl="0">
               <a:lnSpc>
                 <a:spcPct val="100000"/>
               </a:lnSpc>
@@ -8244,7 +8467,7 @@
               <a:buSzPts val="2600"/>
               <a:buFont typeface="Walter Turncoat"/>
               <a:buNone/>
-              <a:defRPr b="0" i="0" sz="2600" u="none" cap="none" strike="noStrike">
+              <a:defRPr sz="2600" b="0" i="0" u="none" strike="noStrike" cap="none">
                 <a:solidFill>
                   <a:srgbClr val="FFFFFF"/>
                 </a:solidFill>
@@ -8254,7 +8477,7 @@
                 <a:sym typeface="Walter Turncoat"/>
               </a:defRPr>
             </a:lvl8pPr>
-            <a:lvl9pPr lvl="8" marR="0" rtl="0" algn="ctr">
+            <a:lvl9pPr marR="0" lvl="8" algn="ctr" rtl="0">
               <a:lnSpc>
                 <a:spcPct val="100000"/>
               </a:lnSpc>
@@ -8270,7 +8493,7 @@
               <a:buSzPts val="2600"/>
               <a:buFont typeface="Walter Turncoat"/>
               <a:buNone/>
-              <a:defRPr b="0" i="0" sz="2600" u="none" cap="none" strike="noStrike">
+              <a:defRPr sz="2600" b="0" i="0" u="none" strike="noStrike" cap="none">
                 <a:solidFill>
                   <a:srgbClr val="FFFFFF"/>
                 </a:solidFill>
@@ -8281,15 +8504,19 @@
               </a:defRPr>
             </a:lvl9pPr>
           </a:lstStyle>
-          <a:p/>
+          <a:p>
+            <a:endParaRPr/>
+          </a:p>
         </p:txBody>
       </p:sp>
       <p:sp>
         <p:nvSpPr>
           <p:cNvPr id="7" name="Google Shape;7;p31"/>
-          <p:cNvSpPr txBox="1"/>
+          <p:cNvSpPr txBox="1">
+            <a:spLocks noGrp="1"/>
+          </p:cNvSpPr>
           <p:nvPr>
-            <p:ph idx="1" type="body"/>
+            <p:ph type="body" idx="1"/>
           </p:nvPr>
         </p:nvSpPr>
         <p:spPr>
@@ -8306,11 +8533,11 @@
           </a:ln>
         </p:spPr>
         <p:txBody>
-          <a:bodyPr anchorCtr="0" anchor="t" bIns="91425" lIns="91425" spcFirstLastPara="1" rIns="91425" wrap="square" tIns="91425">
+          <a:bodyPr spcFirstLastPara="1" wrap="square" lIns="91425" tIns="91425" rIns="91425" bIns="91425" anchor="t" anchorCtr="0">
             <a:noAutofit/>
           </a:bodyPr>
           <a:lstStyle>
-            <a:lvl1pPr indent="-355600" lvl="0" marL="457200" marR="0" rtl="0" algn="l">
+            <a:lvl1pPr marL="457200" marR="0" lvl="0" indent="-355600" algn="l" rtl="0">
               <a:lnSpc>
                 <a:spcPct val="100000"/>
               </a:lnSpc>
@@ -8326,7 +8553,7 @@
               <a:buSzPts val="2000"/>
               <a:buFont typeface="Sniglet"/>
               <a:buChar char="✘"/>
-              <a:defRPr b="0" i="0" sz="2000" u="none" cap="none" strike="noStrike">
+              <a:defRPr sz="2000" b="0" i="0" u="none" strike="noStrike" cap="none">
                 <a:solidFill>
                   <a:srgbClr val="FFFFFF"/>
                 </a:solidFill>
@@ -8336,7 +8563,7 @@
                 <a:sym typeface="Sniglet"/>
               </a:defRPr>
             </a:lvl1pPr>
-            <a:lvl2pPr indent="-355600" lvl="1" marL="914400" marR="0" rtl="0" algn="l">
+            <a:lvl2pPr marL="914400" marR="0" lvl="1" indent="-355600" algn="l" rtl="0">
               <a:lnSpc>
                 <a:spcPct val="100000"/>
               </a:lnSpc>
@@ -8352,7 +8579,7 @@
               <a:buSzPts val="2000"/>
               <a:buFont typeface="Sniglet"/>
               <a:buChar char="○"/>
-              <a:defRPr b="0" i="0" sz="2000" u="none" cap="none" strike="noStrike">
+              <a:defRPr sz="2000" b="0" i="0" u="none" strike="noStrike" cap="none">
                 <a:solidFill>
                   <a:srgbClr val="FFFFFF"/>
                 </a:solidFill>
@@ -8362,7 +8589,7 @@
                 <a:sym typeface="Sniglet"/>
               </a:defRPr>
             </a:lvl2pPr>
-            <a:lvl3pPr indent="-355600" lvl="2" marL="1371600" marR="0" rtl="0" algn="l">
+            <a:lvl3pPr marL="1371600" marR="0" lvl="2" indent="-355600" algn="l" rtl="0">
               <a:lnSpc>
                 <a:spcPct val="100000"/>
               </a:lnSpc>
@@ -8378,7 +8605,7 @@
               <a:buSzPts val="2000"/>
               <a:buFont typeface="Sniglet"/>
               <a:buChar char="■"/>
-              <a:defRPr b="0" i="0" sz="2000" u="none" cap="none" strike="noStrike">
+              <a:defRPr sz="2000" b="0" i="0" u="none" strike="noStrike" cap="none">
                 <a:solidFill>
                   <a:srgbClr val="FFFFFF"/>
                 </a:solidFill>
@@ -8388,7 +8615,7 @@
                 <a:sym typeface="Sniglet"/>
               </a:defRPr>
             </a:lvl3pPr>
-            <a:lvl4pPr indent="-355600" lvl="3" marL="1828800" marR="0" rtl="0" algn="l">
+            <a:lvl4pPr marL="1828800" marR="0" lvl="3" indent="-355600" algn="l" rtl="0">
               <a:lnSpc>
                 <a:spcPct val="100000"/>
               </a:lnSpc>
@@ -8404,7 +8631,7 @@
               <a:buSzPts val="2000"/>
               <a:buFont typeface="Sniglet"/>
               <a:buChar char="●"/>
-              <a:defRPr b="0" i="0" sz="2000" u="none" cap="none" strike="noStrike">
+              <a:defRPr sz="2000" b="0" i="0" u="none" strike="noStrike" cap="none">
                 <a:solidFill>
                   <a:srgbClr val="FFFFFF"/>
                 </a:solidFill>
@@ -8414,7 +8641,7 @@
                 <a:sym typeface="Sniglet"/>
               </a:defRPr>
             </a:lvl4pPr>
-            <a:lvl5pPr indent="-355600" lvl="4" marL="2286000" marR="0" rtl="0" algn="l">
+            <a:lvl5pPr marL="2286000" marR="0" lvl="4" indent="-355600" algn="l" rtl="0">
               <a:lnSpc>
                 <a:spcPct val="100000"/>
               </a:lnSpc>
@@ -8430,7 +8657,7 @@
               <a:buSzPts val="2000"/>
               <a:buFont typeface="Sniglet"/>
               <a:buChar char="○"/>
-              <a:defRPr b="0" i="0" sz="2000" u="none" cap="none" strike="noStrike">
+              <a:defRPr sz="2000" b="0" i="0" u="none" strike="noStrike" cap="none">
                 <a:solidFill>
                   <a:srgbClr val="FFFFFF"/>
                 </a:solidFill>
@@ -8440,7 +8667,7 @@
                 <a:sym typeface="Sniglet"/>
               </a:defRPr>
             </a:lvl5pPr>
-            <a:lvl6pPr indent="-355600" lvl="5" marL="2743200" marR="0" rtl="0" algn="l">
+            <a:lvl6pPr marL="2743200" marR="0" lvl="5" indent="-355600" algn="l" rtl="0">
               <a:lnSpc>
                 <a:spcPct val="100000"/>
               </a:lnSpc>
@@ -8456,7 +8683,7 @@
               <a:buSzPts val="2000"/>
               <a:buFont typeface="Sniglet"/>
               <a:buChar char="■"/>
-              <a:defRPr b="0" i="0" sz="2000" u="none" cap="none" strike="noStrike">
+              <a:defRPr sz="2000" b="0" i="0" u="none" strike="noStrike" cap="none">
                 <a:solidFill>
                   <a:srgbClr val="FFFFFF"/>
                 </a:solidFill>
@@ -8466,7 +8693,7 @@
                 <a:sym typeface="Sniglet"/>
               </a:defRPr>
             </a:lvl6pPr>
-            <a:lvl7pPr indent="-355600" lvl="6" marL="3200400" marR="0" rtl="0" algn="l">
+            <a:lvl7pPr marL="3200400" marR="0" lvl="6" indent="-355600" algn="l" rtl="0">
               <a:lnSpc>
                 <a:spcPct val="100000"/>
               </a:lnSpc>
@@ -8482,7 +8709,7 @@
               <a:buSzPts val="2000"/>
               <a:buFont typeface="Sniglet"/>
               <a:buChar char="●"/>
-              <a:defRPr b="0" i="0" sz="2000" u="none" cap="none" strike="noStrike">
+              <a:defRPr sz="2000" b="0" i="0" u="none" strike="noStrike" cap="none">
                 <a:solidFill>
                   <a:srgbClr val="FFFFFF"/>
                 </a:solidFill>
@@ -8492,7 +8719,7 @@
                 <a:sym typeface="Sniglet"/>
               </a:defRPr>
             </a:lvl7pPr>
-            <a:lvl8pPr indent="-355600" lvl="7" marL="3657600" marR="0" rtl="0" algn="l">
+            <a:lvl8pPr marL="3657600" marR="0" lvl="7" indent="-355600" algn="l" rtl="0">
               <a:lnSpc>
                 <a:spcPct val="100000"/>
               </a:lnSpc>
@@ -8508,7 +8735,7 @@
               <a:buSzPts val="2000"/>
               <a:buFont typeface="Sniglet"/>
               <a:buChar char="○"/>
-              <a:defRPr b="0" i="0" sz="2000" u="none" cap="none" strike="noStrike">
+              <a:defRPr sz="2000" b="0" i="0" u="none" strike="noStrike" cap="none">
                 <a:solidFill>
                   <a:srgbClr val="FFFFFF"/>
                 </a:solidFill>
@@ -8518,7 +8745,7 @@
                 <a:sym typeface="Sniglet"/>
               </a:defRPr>
             </a:lvl8pPr>
-            <a:lvl9pPr indent="-355600" lvl="8" marL="4114800" marR="0" rtl="0" algn="l">
+            <a:lvl9pPr marL="4114800" marR="0" lvl="8" indent="-355600" algn="l" rtl="0">
               <a:lnSpc>
                 <a:spcPct val="100000"/>
               </a:lnSpc>
@@ -8534,7 +8761,7 @@
               <a:buSzPts val="2000"/>
               <a:buFont typeface="Sniglet"/>
               <a:buChar char="■"/>
-              <a:defRPr b="0" i="0" sz="2000" u="none" cap="none" strike="noStrike">
+              <a:defRPr sz="2000" b="0" i="0" u="none" strike="noStrike" cap="none">
                 <a:solidFill>
                   <a:srgbClr val="FFFFFF"/>
                 </a:solidFill>
@@ -8545,15 +8772,19 @@
               </a:defRPr>
             </a:lvl9pPr>
           </a:lstStyle>
-          <a:p/>
+          <a:p>
+            <a:endParaRPr/>
+          </a:p>
         </p:txBody>
       </p:sp>
       <p:sp>
         <p:nvSpPr>
           <p:cNvPr id="8" name="Google Shape;8;p31"/>
-          <p:cNvSpPr txBox="1"/>
+          <p:cNvSpPr txBox="1">
+            <a:spLocks noGrp="1"/>
+          </p:cNvSpPr>
           <p:nvPr>
-            <p:ph idx="12" type="sldNum"/>
+            <p:ph type="sldNum" idx="12"/>
           </p:nvPr>
         </p:nvSpPr>
         <p:spPr>
@@ -8570,11 +8801,11 @@
           </a:ln>
         </p:spPr>
         <p:txBody>
-          <a:bodyPr anchorCtr="0" anchor="t" bIns="91425" lIns="91425" spcFirstLastPara="1" rIns="91425" wrap="square" tIns="91425">
+          <a:bodyPr spcFirstLastPara="1" wrap="square" lIns="91425" tIns="91425" rIns="91425" bIns="91425" anchor="t" anchorCtr="0">
             <a:noAutofit/>
           </a:bodyPr>
           <a:lstStyle>
-            <a:lvl1pPr indent="0" lvl="0" marL="0" marR="0" rtl="0" algn="ctr">
+            <a:lvl1pPr marL="0" marR="0" lvl="0" indent="0" algn="ctr" rtl="0">
               <a:lnSpc>
                 <a:spcPct val="100000"/>
               </a:lnSpc>
@@ -8590,7 +8821,7 @@
               <a:buSzPts val="1000"/>
               <a:buFont typeface="Arial"/>
               <a:buNone/>
-              <a:defRPr b="0" i="0" sz="1000" u="none" cap="none" strike="noStrike">
+              <a:defRPr sz="1000" b="0" i="0" u="none" strike="noStrike" cap="none">
                 <a:solidFill>
                   <a:srgbClr val="FFFFFF"/>
                 </a:solidFill>
@@ -8600,7 +8831,7 @@
                 <a:sym typeface="Sniglet"/>
               </a:defRPr>
             </a:lvl1pPr>
-            <a:lvl2pPr indent="0" lvl="1" marL="0" marR="0" rtl="0" algn="ctr">
+            <a:lvl2pPr marL="0" marR="0" lvl="1" indent="0" algn="ctr" rtl="0">
               <a:lnSpc>
                 <a:spcPct val="100000"/>
               </a:lnSpc>
@@ -8616,7 +8847,7 @@
               <a:buSzPts val="1000"/>
               <a:buFont typeface="Arial"/>
               <a:buNone/>
-              <a:defRPr b="0" i="0" sz="1000" u="none" cap="none" strike="noStrike">
+              <a:defRPr sz="1000" b="0" i="0" u="none" strike="noStrike" cap="none">
                 <a:solidFill>
                   <a:srgbClr val="FFFFFF"/>
                 </a:solidFill>
@@ -8626,7 +8857,7 @@
                 <a:sym typeface="Sniglet"/>
               </a:defRPr>
             </a:lvl2pPr>
-            <a:lvl3pPr indent="0" lvl="2" marL="0" marR="0" rtl="0" algn="ctr">
+            <a:lvl3pPr marL="0" marR="0" lvl="2" indent="0" algn="ctr" rtl="0">
               <a:lnSpc>
                 <a:spcPct val="100000"/>
               </a:lnSpc>
@@ -8642,7 +8873,7 @@
               <a:buSzPts val="1000"/>
               <a:buFont typeface="Arial"/>
               <a:buNone/>
-              <a:defRPr b="0" i="0" sz="1000" u="none" cap="none" strike="noStrike">
+              <a:defRPr sz="1000" b="0" i="0" u="none" strike="noStrike" cap="none">
                 <a:solidFill>
                   <a:srgbClr val="FFFFFF"/>
                 </a:solidFill>
@@ -8652,7 +8883,7 @@
                 <a:sym typeface="Sniglet"/>
               </a:defRPr>
             </a:lvl3pPr>
-            <a:lvl4pPr indent="0" lvl="3" marL="0" marR="0" rtl="0" algn="ctr">
+            <a:lvl4pPr marL="0" marR="0" lvl="3" indent="0" algn="ctr" rtl="0">
               <a:lnSpc>
                 <a:spcPct val="100000"/>
               </a:lnSpc>
@@ -8668,7 +8899,7 @@
               <a:buSzPts val="1000"/>
               <a:buFont typeface="Arial"/>
               <a:buNone/>
-              <a:defRPr b="0" i="0" sz="1000" u="none" cap="none" strike="noStrike">
+              <a:defRPr sz="1000" b="0" i="0" u="none" strike="noStrike" cap="none">
                 <a:solidFill>
                   <a:srgbClr val="FFFFFF"/>
                 </a:solidFill>
@@ -8678,7 +8909,7 @@
                 <a:sym typeface="Sniglet"/>
               </a:defRPr>
             </a:lvl4pPr>
-            <a:lvl5pPr indent="0" lvl="4" marL="0" marR="0" rtl="0" algn="ctr">
+            <a:lvl5pPr marL="0" marR="0" lvl="4" indent="0" algn="ctr" rtl="0">
               <a:lnSpc>
                 <a:spcPct val="100000"/>
               </a:lnSpc>
@@ -8694,7 +8925,7 @@
               <a:buSzPts val="1000"/>
               <a:buFont typeface="Arial"/>
               <a:buNone/>
-              <a:defRPr b="0" i="0" sz="1000" u="none" cap="none" strike="noStrike">
+              <a:defRPr sz="1000" b="0" i="0" u="none" strike="noStrike" cap="none">
                 <a:solidFill>
                   <a:srgbClr val="FFFFFF"/>
                 </a:solidFill>
@@ -8704,7 +8935,7 @@
                 <a:sym typeface="Sniglet"/>
               </a:defRPr>
             </a:lvl5pPr>
-            <a:lvl6pPr indent="0" lvl="5" marL="0" marR="0" rtl="0" algn="ctr">
+            <a:lvl6pPr marL="0" marR="0" lvl="5" indent="0" algn="ctr" rtl="0">
               <a:lnSpc>
                 <a:spcPct val="100000"/>
               </a:lnSpc>
@@ -8720,7 +8951,7 @@
               <a:buSzPts val="1000"/>
               <a:buFont typeface="Arial"/>
               <a:buNone/>
-              <a:defRPr b="0" i="0" sz="1000" u="none" cap="none" strike="noStrike">
+              <a:defRPr sz="1000" b="0" i="0" u="none" strike="noStrike" cap="none">
                 <a:solidFill>
                   <a:srgbClr val="FFFFFF"/>
                 </a:solidFill>
@@ -8730,7 +8961,7 @@
                 <a:sym typeface="Sniglet"/>
               </a:defRPr>
             </a:lvl6pPr>
-            <a:lvl7pPr indent="0" lvl="6" marL="0" marR="0" rtl="0" algn="ctr">
+            <a:lvl7pPr marL="0" marR="0" lvl="6" indent="0" algn="ctr" rtl="0">
               <a:lnSpc>
                 <a:spcPct val="100000"/>
               </a:lnSpc>
@@ -8746,7 +8977,7 @@
               <a:buSzPts val="1000"/>
               <a:buFont typeface="Arial"/>
               <a:buNone/>
-              <a:defRPr b="0" i="0" sz="1000" u="none" cap="none" strike="noStrike">
+              <a:defRPr sz="1000" b="0" i="0" u="none" strike="noStrike" cap="none">
                 <a:solidFill>
                   <a:srgbClr val="FFFFFF"/>
                 </a:solidFill>
@@ -8756,7 +8987,7 @@
                 <a:sym typeface="Sniglet"/>
               </a:defRPr>
             </a:lvl7pPr>
-            <a:lvl8pPr indent="0" lvl="7" marL="0" marR="0" rtl="0" algn="ctr">
+            <a:lvl8pPr marL="0" marR="0" lvl="7" indent="0" algn="ctr" rtl="0">
               <a:lnSpc>
                 <a:spcPct val="100000"/>
               </a:lnSpc>
@@ -8772,7 +9003,7 @@
               <a:buSzPts val="1000"/>
               <a:buFont typeface="Arial"/>
               <a:buNone/>
-              <a:defRPr b="0" i="0" sz="1000" u="none" cap="none" strike="noStrike">
+              <a:defRPr sz="1000" b="0" i="0" u="none" strike="noStrike" cap="none">
                 <a:solidFill>
                   <a:srgbClr val="FFFFFF"/>
                 </a:solidFill>
@@ -8782,7 +9013,7 @@
                 <a:sym typeface="Sniglet"/>
               </a:defRPr>
             </a:lvl8pPr>
-            <a:lvl9pPr indent="0" lvl="8" marL="0" marR="0" rtl="0" algn="ctr">
+            <a:lvl9pPr marL="0" marR="0" lvl="8" indent="0" algn="ctr" rtl="0">
               <a:lnSpc>
                 <a:spcPct val="100000"/>
               </a:lnSpc>
@@ -8798,7 +9029,7 @@
               <a:buSzPts val="1000"/>
               <a:buFont typeface="Arial"/>
               <a:buNone/>
-              <a:defRPr b="0" i="0" sz="1000" u="none" cap="none" strike="noStrike">
+              <a:defRPr sz="1000" b="0" i="0" u="none" strike="noStrike" cap="none">
                 <a:solidFill>
                   <a:srgbClr val="FFFFFF"/>
                 </a:solidFill>
@@ -8810,7 +9041,7 @@
             </a:lvl9pPr>
           </a:lstStyle>
           <a:p>
-            <a:pPr indent="0" lvl="0" marL="0" rtl="0" algn="ctr">
+            <a:pPr marL="0" lvl="0" indent="0" algn="ctr" rtl="0">
               <a:spcBef>
                 <a:spcPts val="0"/>
               </a:spcBef>
@@ -8846,16 +9077,16 @@
             <a:noFill/>
           </a:ln>
           <a:effectLst>
-            <a:reflection blurRad="0" dir="5400000" dist="38100" endA="0" fadeDir="5400012" kx="0" rotWithShape="0" algn="bl" stPos="0" sy="-100000" ky="0"/>
+            <a:reflection dist="38100" dir="5400000" fadeDir="5400012" sy="-100000" algn="bl" rotWithShape="0"/>
           </a:effectLst>
         </p:spPr>
         <p:txBody>
-          <a:bodyPr anchorCtr="0" anchor="ctr" bIns="91425" lIns="91425" spcFirstLastPara="1" rIns="91425" wrap="square" tIns="91425">
+          <a:bodyPr spcFirstLastPara="1" wrap="square" lIns="91425" tIns="91425" rIns="91425" bIns="91425" anchor="ctr" anchorCtr="0">
             <a:noAutofit/>
           </a:bodyPr>
           <a:lstStyle/>
           <a:p>
-            <a:pPr indent="0" lvl="0" marL="0" marR="0" rtl="0" algn="l">
+            <a:pPr marL="0" marR="0" lvl="0" indent="0" algn="l" rtl="0">
               <a:lnSpc>
                 <a:spcPct val="100000"/>
               </a:lnSpc>
@@ -8873,7 +9104,7 @@
               <a:buNone/>
             </a:pPr>
             <a:r>
-              <a:rPr b="1" i="0" lang="en" sz="800" u="none" cap="none" strike="noStrike">
+              <a:rPr lang="en" sz="800" b="1" i="0" u="none" strike="noStrike" cap="none">
                 <a:solidFill>
                   <a:srgbClr val="FFFFFF"/>
                 </a:solidFill>
@@ -8884,7 +9115,7 @@
               </a:rPr>
               <a:t>CONFIDENTIAL - NOT FOR USE AND/OR DISTRIBUTION TO THE GENERAL PUBLIC</a:t>
             </a:r>
-            <a:endParaRPr b="1" i="0" sz="800" u="none" cap="none" strike="noStrike">
+            <a:endParaRPr sz="800" b="1" i="0" u="none" strike="noStrike" cap="none">
               <a:solidFill>
                 <a:srgbClr val="FFFFFF"/>
               </a:solidFill>
@@ -8922,9 +9153,13 @@
               <a:ext cx="1052813" cy="1070850"/>
             </a:xfrm>
             <a:custGeom>
-              <a:rect b="b" l="l" r="r" t="t"/>
+              <a:avLst/>
+              <a:gdLst/>
+              <a:ahLst/>
+              <a:cxnLst/>
+              <a:rect l="l" t="t" r="r" b="b"/>
               <a:pathLst>
-                <a:path extrusionOk="0" h="68207" w="73112">
+                <a:path w="73112" h="68207" extrusionOk="0">
                   <a:moveTo>
                     <a:pt x="46809" y="1210"/>
                   </a:moveTo>
@@ -11639,12 +11874,12 @@
             </a:ln>
           </p:spPr>
           <p:txBody>
-            <a:bodyPr anchorCtr="0" anchor="ctr" bIns="91425" lIns="91425" spcFirstLastPara="1" rIns="91425" wrap="square" tIns="91425">
+            <a:bodyPr spcFirstLastPara="1" wrap="square" lIns="91425" tIns="91425" rIns="91425" bIns="91425" anchor="ctr" anchorCtr="0">
               <a:noAutofit/>
             </a:bodyPr>
             <a:lstStyle/>
             <a:p>
-              <a:pPr indent="0" lvl="0" marL="0" marR="0" rtl="0" algn="l">
+              <a:pPr marL="0" marR="0" lvl="0" indent="0" algn="l" rtl="0">
                 <a:lnSpc>
                   <a:spcPct val="100000"/>
                 </a:lnSpc>
@@ -11661,10 +11896,7 @@
                 <a:buFont typeface="Arial"/>
                 <a:buNone/>
               </a:pPr>
-              <a:r>
-                <a:t/>
-              </a:r>
-              <a:endParaRPr b="0" i="0" sz="1400" u="none" cap="none" strike="noStrike">
+              <a:endParaRPr sz="1400" b="0" i="0" u="none" strike="noStrike" cap="none">
                 <a:solidFill>
                   <a:srgbClr val="000000"/>
                 </a:solidFill>
@@ -11688,9 +11920,13 @@
               <a:ext cx="870547" cy="62144"/>
             </a:xfrm>
             <a:custGeom>
-              <a:rect b="b" l="l" r="r" t="t"/>
+              <a:avLst/>
+              <a:gdLst/>
+              <a:ahLst/>
+              <a:cxnLst/>
+              <a:rect l="l" t="t" r="r" b="b"/>
               <a:pathLst>
-                <a:path extrusionOk="0" h="2831" w="27831">
+                <a:path w="27831" h="2831" extrusionOk="0">
                   <a:moveTo>
                     <a:pt x="27264" y="944"/>
                   </a:moveTo>
@@ -12934,12 +13170,12 @@
             </a:ln>
           </p:spPr>
           <p:txBody>
-            <a:bodyPr anchorCtr="0" anchor="ctr" bIns="91425" lIns="91425" spcFirstLastPara="1" rIns="91425" wrap="square" tIns="91425">
+            <a:bodyPr spcFirstLastPara="1" wrap="square" lIns="91425" tIns="91425" rIns="91425" bIns="91425" anchor="ctr" anchorCtr="0">
               <a:noAutofit/>
             </a:bodyPr>
             <a:lstStyle/>
             <a:p>
-              <a:pPr indent="0" lvl="0" marL="0" marR="0" rtl="0" algn="l">
+              <a:pPr marL="0" marR="0" lvl="0" indent="0" algn="l" rtl="0">
                 <a:lnSpc>
                   <a:spcPct val="100000"/>
                 </a:lnSpc>
@@ -12956,10 +13192,7 @@
                 <a:buFont typeface="Arial"/>
                 <a:buNone/>
               </a:pPr>
-              <a:r>
-                <a:t/>
-              </a:r>
-              <a:endParaRPr b="0" i="0" sz="1400" u="none" cap="none" strike="noStrike">
+              <a:endParaRPr sz="1400" b="0" i="0" u="none" strike="noStrike" cap="none">
                 <a:solidFill>
                   <a:srgbClr val="000000"/>
                 </a:solidFill>
@@ -12983,9 +13216,13 @@
               <a:ext cx="859830" cy="62904"/>
             </a:xfrm>
             <a:custGeom>
-              <a:rect b="b" l="l" r="r" t="t"/>
+              <a:avLst/>
+              <a:gdLst/>
+              <a:ahLst/>
+              <a:cxnLst/>
+              <a:rect l="l" t="t" r="r" b="b"/>
               <a:pathLst>
-                <a:path extrusionOk="0" h="2831" w="27831">
+                <a:path w="27831" h="2831" extrusionOk="0">
                   <a:moveTo>
                     <a:pt x="27264" y="944"/>
                   </a:moveTo>
@@ -14229,12 +14466,12 @@
             </a:ln>
           </p:spPr>
           <p:txBody>
-            <a:bodyPr anchorCtr="0" anchor="ctr" bIns="91425" lIns="91425" spcFirstLastPara="1" rIns="91425" wrap="square" tIns="91425">
+            <a:bodyPr spcFirstLastPara="1" wrap="square" lIns="91425" tIns="91425" rIns="91425" bIns="91425" anchor="ctr" anchorCtr="0">
               <a:noAutofit/>
             </a:bodyPr>
             <a:lstStyle/>
             <a:p>
-              <a:pPr indent="0" lvl="0" marL="0" marR="0" rtl="0" algn="l">
+              <a:pPr marL="0" marR="0" lvl="0" indent="0" algn="l" rtl="0">
                 <a:lnSpc>
                   <a:spcPct val="100000"/>
                 </a:lnSpc>
@@ -14251,10 +14488,7 @@
                 <a:buFont typeface="Arial"/>
                 <a:buNone/>
               </a:pPr>
-              <a:r>
-                <a:t/>
-              </a:r>
-              <a:endParaRPr b="0" i="0" sz="1400" u="none" cap="none" strike="noStrike">
+              <a:endParaRPr sz="1400" b="0" i="0" u="none" strike="noStrike" cap="none">
                 <a:solidFill>
                   <a:srgbClr val="000000"/>
                 </a:solidFill>
@@ -14286,12 +14520,12 @@
             </a:ln>
           </p:spPr>
           <p:txBody>
-            <a:bodyPr anchorCtr="0" anchor="t" bIns="91425" lIns="91425" spcFirstLastPara="1" rIns="91425" wrap="square" tIns="91425">
+            <a:bodyPr spcFirstLastPara="1" wrap="square" lIns="91425" tIns="91425" rIns="91425" bIns="91425" anchor="t" anchorCtr="0">
               <a:noAutofit/>
             </a:bodyPr>
             <a:lstStyle/>
             <a:p>
-              <a:pPr indent="0" lvl="0" marL="0" marR="0" rtl="0" algn="l">
+              <a:pPr marL="0" marR="0" lvl="0" indent="0" algn="l" rtl="0">
                 <a:lnSpc>
                   <a:spcPct val="100000"/>
                 </a:lnSpc>
@@ -14309,7 +14543,7 @@
                 <a:buNone/>
               </a:pPr>
               <a:r>
-                <a:rPr b="0" i="0" lang="en" sz="2600" u="none" cap="none" strike="noStrike">
+                <a:rPr lang="en" sz="2600" b="0" i="0" u="none" strike="noStrike" cap="none">
                   <a:solidFill>
                     <a:srgbClr val="FFFFFF"/>
                   </a:solidFill>
@@ -14320,7 +14554,7 @@
                 </a:rPr>
                 <a:t>S</a:t>
               </a:r>
-              <a:endParaRPr b="0" i="0" sz="2600" u="none" cap="none" strike="noStrike">
+              <a:endParaRPr sz="2600" b="0" i="0" u="none" strike="noStrike" cap="none">
                 <a:solidFill>
                   <a:srgbClr val="FFFFFF"/>
                 </a:solidFill>
@@ -14352,12 +14586,12 @@
             </a:ln>
           </p:spPr>
           <p:txBody>
-            <a:bodyPr anchorCtr="0" anchor="t" bIns="91425" lIns="91425" spcFirstLastPara="1" rIns="91425" wrap="square" tIns="91425">
+            <a:bodyPr spcFirstLastPara="1" wrap="square" lIns="91425" tIns="91425" rIns="91425" bIns="91425" anchor="t" anchorCtr="0">
               <a:noAutofit/>
             </a:bodyPr>
             <a:lstStyle/>
             <a:p>
-              <a:pPr indent="0" lvl="0" marL="0" marR="0" rtl="0" algn="l">
+              <a:pPr marL="0" marR="0" lvl="0" indent="0" algn="l" rtl="0">
                 <a:lnSpc>
                   <a:spcPct val="100000"/>
                 </a:lnSpc>
@@ -14375,7 +14609,7 @@
                 <a:buNone/>
               </a:pPr>
               <a:r>
-                <a:rPr b="0" i="0" lang="en" sz="2600" u="none" cap="none" strike="noStrike">
+                <a:rPr lang="en" sz="2600" b="0" i="0" u="none" strike="noStrike" cap="none">
                   <a:solidFill>
                     <a:srgbClr val="FFFFFF"/>
                   </a:solidFill>
@@ -14386,7 +14620,7 @@
                 </a:rPr>
                 <a:t>L</a:t>
               </a:r>
-              <a:endParaRPr b="0" i="0" sz="2600" u="none" cap="none" strike="noStrike">
+              <a:endParaRPr sz="2600" b="0" i="0" u="none" strike="noStrike" cap="none">
                 <a:solidFill>
                   <a:srgbClr val="FFFFFF"/>
                 </a:solidFill>
@@ -14418,12 +14652,12 @@
             </a:ln>
           </p:spPr>
           <p:txBody>
-            <a:bodyPr anchorCtr="0" anchor="t" bIns="91425" lIns="91425" spcFirstLastPara="1" rIns="91425" wrap="square" tIns="91425">
+            <a:bodyPr spcFirstLastPara="1" wrap="square" lIns="91425" tIns="91425" rIns="91425" bIns="91425" anchor="t" anchorCtr="0">
               <a:noAutofit/>
             </a:bodyPr>
             <a:lstStyle/>
             <a:p>
-              <a:pPr indent="0" lvl="0" marL="0" marR="0" rtl="0" algn="l">
+              <a:pPr marL="0" marR="0" lvl="0" indent="0" algn="l" rtl="0">
                 <a:lnSpc>
                   <a:spcPct val="100000"/>
                 </a:lnSpc>
@@ -14441,7 +14675,7 @@
                 <a:buNone/>
               </a:pPr>
               <a:r>
-                <a:rPr b="0" i="0" lang="en" sz="2600" u="none" cap="none" strike="noStrike">
+                <a:rPr lang="en" sz="2600" b="0" i="0" u="none" strike="noStrike" cap="none">
                   <a:solidFill>
                     <a:srgbClr val="FFFFFF"/>
                   </a:solidFill>
@@ -14452,7 +14686,7 @@
                 </a:rPr>
                 <a:t>X</a:t>
               </a:r>
-              <a:endParaRPr b="0" i="0" sz="2600" u="none" cap="none" strike="noStrike">
+              <a:endParaRPr sz="2600" b="0" i="0" u="none" strike="noStrike" cap="none">
                 <a:solidFill>
                   <a:srgbClr val="FFFFFF"/>
                 </a:solidFill>
@@ -14484,12 +14718,12 @@
             </a:ln>
           </p:spPr>
           <p:txBody>
-            <a:bodyPr anchorCtr="0" anchor="t" bIns="91425" lIns="91425" spcFirstLastPara="1" rIns="91425" wrap="square" tIns="91425">
+            <a:bodyPr spcFirstLastPara="1" wrap="square" lIns="91425" tIns="91425" rIns="91425" bIns="91425" anchor="t" anchorCtr="0">
               <a:noAutofit/>
             </a:bodyPr>
             <a:lstStyle/>
             <a:p>
-              <a:pPr indent="0" lvl="0" marL="0" marR="0" rtl="0" algn="l">
+              <a:pPr marL="0" marR="0" lvl="0" indent="0" algn="l" rtl="0">
                 <a:lnSpc>
                   <a:spcPct val="100000"/>
                 </a:lnSpc>
@@ -14507,7 +14741,7 @@
                 <a:buNone/>
               </a:pPr>
               <a:r>
-                <a:rPr b="0" i="0" lang="en" sz="2600" u="none" cap="none" strike="noStrike">
+                <a:rPr lang="en" sz="2600" b="0" i="0" u="none" strike="noStrike" cap="none">
                   <a:solidFill>
                     <a:srgbClr val="FFFFFF"/>
                   </a:solidFill>
@@ -14518,7 +14752,7 @@
                 </a:rPr>
                 <a:t>D</a:t>
               </a:r>
-              <a:endParaRPr b="0" i="0" sz="2600" u="none" cap="none" strike="noStrike">
+              <a:endParaRPr sz="2600" b="0" i="0" u="none" strike="noStrike" cap="none">
                 <a:solidFill>
                   <a:srgbClr val="FFFFFF"/>
                 </a:solidFill>
@@ -14533,25 +14767,25 @@
       </p:grpSp>
     </p:spTree>
   </p:cSld>
-  <p:clrMap accent1="accent1" accent2="accent2" accent3="accent3" accent4="accent4" accent5="accent5" accent6="accent6" bg1="lt1" bg2="dk2" tx1="dk1" tx2="lt2" folHlink="folHlink" hlink="hlink"/>
+  <p:clrMap bg1="lt1" tx1="dk1" bg2="dk2" tx2="lt2" accent1="accent1" accent2="accent2" accent3="accent3" accent4="accent4" accent5="accent5" accent6="accent6" hlink="hlink" folHlink="folHlink"/>
   <p:sldLayoutIdLst>
-    <p:sldLayoutId id="2147483649" r:id="rId2"/>
-    <p:sldLayoutId id="2147483650" r:id="rId3"/>
-    <p:sldLayoutId id="2147483651" r:id="rId4"/>
-    <p:sldLayoutId id="2147483652" r:id="rId5"/>
-    <p:sldLayoutId id="2147483653" r:id="rId6"/>
-    <p:sldLayoutId id="2147483654" r:id="rId7"/>
-    <p:sldLayoutId id="2147483655" r:id="rId8"/>
-    <p:sldLayoutId id="2147483656" r:id="rId9"/>
-    <p:sldLayoutId id="2147483657" r:id="rId10"/>
+    <p:sldLayoutId id="2147483649" r:id="rId1"/>
+    <p:sldLayoutId id="2147483650" r:id="rId2"/>
+    <p:sldLayoutId id="2147483651" r:id="rId3"/>
+    <p:sldLayoutId id="2147483652" r:id="rId4"/>
+    <p:sldLayoutId id="2147483653" r:id="rId5"/>
+    <p:sldLayoutId id="2147483654" r:id="rId6"/>
+    <p:sldLayoutId id="2147483655" r:id="rId7"/>
+    <p:sldLayoutId id="2147483656" r:id="rId8"/>
+    <p:sldLayoutId id="2147483657" r:id="rId9"/>
   </p:sldLayoutIdLst>
   <p:transition>
     <p:fade thruBlk="1"/>
   </p:transition>
-  <p:hf dt="0" ftr="0" hdr="0"/>
+  <p:hf hdr="0" ftr="0" dt="0"/>
   <p:txStyles>
     <p:titleStyle>
-      <a:defPPr lvl="0" marR="0" rtl="0" algn="l">
+      <a:defPPr marR="0" lvl="0" algn="l" rtl="0">
         <a:lnSpc>
           <a:spcPct val="100000"/>
         </a:lnSpc>
@@ -14562,7 +14796,7 @@
           <a:spcPts val="0"/>
         </a:spcAft>
       </a:defPPr>
-      <a:lvl1pPr lvl="0" marR="0" rtl="0" algn="l">
+      <a:lvl1pPr marR="0" lvl="0" algn="l" rtl="0">
         <a:lnSpc>
           <a:spcPct val="100000"/>
         </a:lnSpc>
@@ -14576,7 +14810,7 @@
           <a:srgbClr val="000000"/>
         </a:buClr>
         <a:buFont typeface="Arial"/>
-        <a:defRPr b="0" i="0" sz="1400" u="none" cap="none" strike="noStrike">
+        <a:defRPr sz="1400" b="0" i="0" u="none" strike="noStrike" cap="none">
           <a:solidFill>
             <a:srgbClr val="000000"/>
           </a:solidFill>
@@ -14586,7 +14820,7 @@
           <a:sym typeface="Arial"/>
         </a:defRPr>
       </a:lvl1pPr>
-      <a:lvl2pPr lvl="1" marR="0" rtl="0" algn="l">
+      <a:lvl2pPr marR="0" lvl="1" algn="l" rtl="0">
         <a:lnSpc>
           <a:spcPct val="100000"/>
         </a:lnSpc>
@@ -14600,7 +14834,7 @@
           <a:srgbClr val="000000"/>
         </a:buClr>
         <a:buFont typeface="Arial"/>
-        <a:defRPr b="0" i="0" sz="1400" u="none" cap="none" strike="noStrike">
+        <a:defRPr sz="1400" b="0" i="0" u="none" strike="noStrike" cap="none">
           <a:solidFill>
             <a:srgbClr val="000000"/>
           </a:solidFill>
@@ -14610,7 +14844,7 @@
           <a:sym typeface="Arial"/>
         </a:defRPr>
       </a:lvl2pPr>
-      <a:lvl3pPr lvl="2" marR="0" rtl="0" algn="l">
+      <a:lvl3pPr marR="0" lvl="2" algn="l" rtl="0">
         <a:lnSpc>
           <a:spcPct val="100000"/>
         </a:lnSpc>
@@ -14624,7 +14858,7 @@
           <a:srgbClr val="000000"/>
         </a:buClr>
         <a:buFont typeface="Arial"/>
-        <a:defRPr b="0" i="0" sz="1400" u="none" cap="none" strike="noStrike">
+        <a:defRPr sz="1400" b="0" i="0" u="none" strike="noStrike" cap="none">
           <a:solidFill>
             <a:srgbClr val="000000"/>
           </a:solidFill>
@@ -14634,7 +14868,7 @@
           <a:sym typeface="Arial"/>
         </a:defRPr>
       </a:lvl3pPr>
-      <a:lvl4pPr lvl="3" marR="0" rtl="0" algn="l">
+      <a:lvl4pPr marR="0" lvl="3" algn="l" rtl="0">
         <a:lnSpc>
           <a:spcPct val="100000"/>
         </a:lnSpc>
@@ -14648,7 +14882,7 @@
           <a:srgbClr val="000000"/>
         </a:buClr>
         <a:buFont typeface="Arial"/>
-        <a:defRPr b="0" i="0" sz="1400" u="none" cap="none" strike="noStrike">
+        <a:defRPr sz="1400" b="0" i="0" u="none" strike="noStrike" cap="none">
           <a:solidFill>
             <a:srgbClr val="000000"/>
           </a:solidFill>
@@ -14658,7 +14892,7 @@
           <a:sym typeface="Arial"/>
         </a:defRPr>
       </a:lvl4pPr>
-      <a:lvl5pPr lvl="4" marR="0" rtl="0" algn="l">
+      <a:lvl5pPr marR="0" lvl="4" algn="l" rtl="0">
         <a:lnSpc>
           <a:spcPct val="100000"/>
         </a:lnSpc>
@@ -14672,7 +14906,7 @@
           <a:srgbClr val="000000"/>
         </a:buClr>
         <a:buFont typeface="Arial"/>
-        <a:defRPr b="0" i="0" sz="1400" u="none" cap="none" strike="noStrike">
+        <a:defRPr sz="1400" b="0" i="0" u="none" strike="noStrike" cap="none">
           <a:solidFill>
             <a:srgbClr val="000000"/>
           </a:solidFill>
@@ -14682,7 +14916,7 @@
           <a:sym typeface="Arial"/>
         </a:defRPr>
       </a:lvl5pPr>
-      <a:lvl6pPr lvl="5" marR="0" rtl="0" algn="l">
+      <a:lvl6pPr marR="0" lvl="5" algn="l" rtl="0">
         <a:lnSpc>
           <a:spcPct val="100000"/>
         </a:lnSpc>
@@ -14696,7 +14930,7 @@
           <a:srgbClr val="000000"/>
         </a:buClr>
         <a:buFont typeface="Arial"/>
-        <a:defRPr b="0" i="0" sz="1400" u="none" cap="none" strike="noStrike">
+        <a:defRPr sz="1400" b="0" i="0" u="none" strike="noStrike" cap="none">
           <a:solidFill>
             <a:srgbClr val="000000"/>
           </a:solidFill>
@@ -14706,7 +14940,7 @@
           <a:sym typeface="Arial"/>
         </a:defRPr>
       </a:lvl6pPr>
-      <a:lvl7pPr lvl="6" marR="0" rtl="0" algn="l">
+      <a:lvl7pPr marR="0" lvl="6" algn="l" rtl="0">
         <a:lnSpc>
           <a:spcPct val="100000"/>
         </a:lnSpc>
@@ -14720,7 +14954,7 @@
           <a:srgbClr val="000000"/>
         </a:buClr>
         <a:buFont typeface="Arial"/>
-        <a:defRPr b="0" i="0" sz="1400" u="none" cap="none" strike="noStrike">
+        <a:defRPr sz="1400" b="0" i="0" u="none" strike="noStrike" cap="none">
           <a:solidFill>
             <a:srgbClr val="000000"/>
           </a:solidFill>
@@ -14730,7 +14964,7 @@
           <a:sym typeface="Arial"/>
         </a:defRPr>
       </a:lvl7pPr>
-      <a:lvl8pPr lvl="7" marR="0" rtl="0" algn="l">
+      <a:lvl8pPr marR="0" lvl="7" algn="l" rtl="0">
         <a:lnSpc>
           <a:spcPct val="100000"/>
         </a:lnSpc>
@@ -14744,7 +14978,7 @@
           <a:srgbClr val="000000"/>
         </a:buClr>
         <a:buFont typeface="Arial"/>
-        <a:defRPr b="0" i="0" sz="1400" u="none" cap="none" strike="noStrike">
+        <a:defRPr sz="1400" b="0" i="0" u="none" strike="noStrike" cap="none">
           <a:solidFill>
             <a:srgbClr val="000000"/>
           </a:solidFill>
@@ -14754,7 +14988,7 @@
           <a:sym typeface="Arial"/>
         </a:defRPr>
       </a:lvl8pPr>
-      <a:lvl9pPr lvl="8" marR="0" rtl="0" algn="l">
+      <a:lvl9pPr marR="0" lvl="8" algn="l" rtl="0">
         <a:lnSpc>
           <a:spcPct val="100000"/>
         </a:lnSpc>
@@ -14768,7 +15002,7 @@
           <a:srgbClr val="000000"/>
         </a:buClr>
         <a:buFont typeface="Arial"/>
-        <a:defRPr b="0" i="0" sz="1400" u="none" cap="none" strike="noStrike">
+        <a:defRPr sz="1400" b="0" i="0" u="none" strike="noStrike" cap="none">
           <a:solidFill>
             <a:srgbClr val="000000"/>
           </a:solidFill>
@@ -14780,7 +15014,7 @@
       </a:lvl9pPr>
     </p:titleStyle>
     <p:bodyStyle>
-      <a:defPPr lvl="0" marR="0" rtl="0" algn="l">
+      <a:defPPr marR="0" lvl="0" algn="l" rtl="0">
         <a:lnSpc>
           <a:spcPct val="100000"/>
         </a:lnSpc>
@@ -14791,7 +15025,7 @@
           <a:spcPts val="0"/>
         </a:spcAft>
       </a:defPPr>
-      <a:lvl1pPr lvl="0" marR="0" rtl="0" algn="l">
+      <a:lvl1pPr marR="0" lvl="0" algn="l" rtl="0">
         <a:lnSpc>
           <a:spcPct val="100000"/>
         </a:lnSpc>
@@ -14805,7 +15039,7 @@
           <a:srgbClr val="000000"/>
         </a:buClr>
         <a:buFont typeface="Arial"/>
-        <a:defRPr b="0" i="0" sz="1400" u="none" cap="none" strike="noStrike">
+        <a:defRPr sz="1400" b="0" i="0" u="none" strike="noStrike" cap="none">
           <a:solidFill>
             <a:srgbClr val="000000"/>
           </a:solidFill>
@@ -14815,7 +15049,7 @@
           <a:sym typeface="Arial"/>
         </a:defRPr>
       </a:lvl1pPr>
-      <a:lvl2pPr lvl="1" marR="0" rtl="0" algn="l">
+      <a:lvl2pPr marR="0" lvl="1" algn="l" rtl="0">
         <a:lnSpc>
           <a:spcPct val="100000"/>
         </a:lnSpc>
@@ -14829,7 +15063,7 @@
           <a:srgbClr val="000000"/>
         </a:buClr>
         <a:buFont typeface="Arial"/>
-        <a:defRPr b="0" i="0" sz="1400" u="none" cap="none" strike="noStrike">
+        <a:defRPr sz="1400" b="0" i="0" u="none" strike="noStrike" cap="none">
           <a:solidFill>
             <a:srgbClr val="000000"/>
           </a:solidFill>
@@ -14839,7 +15073,7 @@
           <a:sym typeface="Arial"/>
         </a:defRPr>
       </a:lvl2pPr>
-      <a:lvl3pPr lvl="2" marR="0" rtl="0" algn="l">
+      <a:lvl3pPr marR="0" lvl="2" algn="l" rtl="0">
         <a:lnSpc>
           <a:spcPct val="100000"/>
         </a:lnSpc>
@@ -14853,7 +15087,7 @@
           <a:srgbClr val="000000"/>
         </a:buClr>
         <a:buFont typeface="Arial"/>
-        <a:defRPr b="0" i="0" sz="1400" u="none" cap="none" strike="noStrike">
+        <a:defRPr sz="1400" b="0" i="0" u="none" strike="noStrike" cap="none">
           <a:solidFill>
             <a:srgbClr val="000000"/>
           </a:solidFill>
@@ -14863,7 +15097,7 @@
           <a:sym typeface="Arial"/>
         </a:defRPr>
       </a:lvl3pPr>
-      <a:lvl4pPr lvl="3" marR="0" rtl="0" algn="l">
+      <a:lvl4pPr marR="0" lvl="3" algn="l" rtl="0">
         <a:lnSpc>
           <a:spcPct val="100000"/>
         </a:lnSpc>
@@ -14877,7 +15111,7 @@
           <a:srgbClr val="000000"/>
         </a:buClr>
         <a:buFont typeface="Arial"/>
-        <a:defRPr b="0" i="0" sz="1400" u="none" cap="none" strike="noStrike">
+        <a:defRPr sz="1400" b="0" i="0" u="none" strike="noStrike" cap="none">
           <a:solidFill>
             <a:srgbClr val="000000"/>
           </a:solidFill>
@@ -14887,7 +15121,7 @@
           <a:sym typeface="Arial"/>
         </a:defRPr>
       </a:lvl4pPr>
-      <a:lvl5pPr lvl="4" marR="0" rtl="0" algn="l">
+      <a:lvl5pPr marR="0" lvl="4" algn="l" rtl="0">
         <a:lnSpc>
           <a:spcPct val="100000"/>
         </a:lnSpc>
@@ -14901,7 +15135,7 @@
           <a:srgbClr val="000000"/>
         </a:buClr>
         <a:buFont typeface="Arial"/>
-        <a:defRPr b="0" i="0" sz="1400" u="none" cap="none" strike="noStrike">
+        <a:defRPr sz="1400" b="0" i="0" u="none" strike="noStrike" cap="none">
           <a:solidFill>
             <a:srgbClr val="000000"/>
           </a:solidFill>
@@ -14911,7 +15145,7 @@
           <a:sym typeface="Arial"/>
         </a:defRPr>
       </a:lvl5pPr>
-      <a:lvl6pPr lvl="5" marR="0" rtl="0" algn="l">
+      <a:lvl6pPr marR="0" lvl="5" algn="l" rtl="0">
         <a:lnSpc>
           <a:spcPct val="100000"/>
         </a:lnSpc>
@@ -14925,7 +15159,7 @@
           <a:srgbClr val="000000"/>
         </a:buClr>
         <a:buFont typeface="Arial"/>
-        <a:defRPr b="0" i="0" sz="1400" u="none" cap="none" strike="noStrike">
+        <a:defRPr sz="1400" b="0" i="0" u="none" strike="noStrike" cap="none">
           <a:solidFill>
             <a:srgbClr val="000000"/>
           </a:solidFill>
@@ -14935,7 +15169,7 @@
           <a:sym typeface="Arial"/>
         </a:defRPr>
       </a:lvl6pPr>
-      <a:lvl7pPr lvl="6" marR="0" rtl="0" algn="l">
+      <a:lvl7pPr marR="0" lvl="6" algn="l" rtl="0">
         <a:lnSpc>
           <a:spcPct val="100000"/>
         </a:lnSpc>
@@ -14949,7 +15183,7 @@
           <a:srgbClr val="000000"/>
         </a:buClr>
         <a:buFont typeface="Arial"/>
-        <a:defRPr b="0" i="0" sz="1400" u="none" cap="none" strike="noStrike">
+        <a:defRPr sz="1400" b="0" i="0" u="none" strike="noStrike" cap="none">
           <a:solidFill>
             <a:srgbClr val="000000"/>
           </a:solidFill>
@@ -14959,7 +15193,7 @@
           <a:sym typeface="Arial"/>
         </a:defRPr>
       </a:lvl7pPr>
-      <a:lvl8pPr lvl="7" marR="0" rtl="0" algn="l">
+      <a:lvl8pPr marR="0" lvl="7" algn="l" rtl="0">
         <a:lnSpc>
           <a:spcPct val="100000"/>
         </a:lnSpc>
@@ -14973,7 +15207,7 @@
           <a:srgbClr val="000000"/>
         </a:buClr>
         <a:buFont typeface="Arial"/>
-        <a:defRPr b="0" i="0" sz="1400" u="none" cap="none" strike="noStrike">
+        <a:defRPr sz="1400" b="0" i="0" u="none" strike="noStrike" cap="none">
           <a:solidFill>
             <a:srgbClr val="000000"/>
           </a:solidFill>
@@ -14983,7 +15217,7 @@
           <a:sym typeface="Arial"/>
         </a:defRPr>
       </a:lvl8pPr>
-      <a:lvl9pPr lvl="8" marR="0" rtl="0" algn="l">
+      <a:lvl9pPr marR="0" lvl="8" algn="l" rtl="0">
         <a:lnSpc>
           <a:spcPct val="100000"/>
         </a:lnSpc>
@@ -14997,7 +15231,7 @@
           <a:srgbClr val="000000"/>
         </a:buClr>
         <a:buFont typeface="Arial"/>
-        <a:defRPr b="0" i="0" sz="1400" u="none" cap="none" strike="noStrike">
+        <a:defRPr sz="1400" b="0" i="0" u="none" strike="noStrike" cap="none">
           <a:solidFill>
             <a:srgbClr val="000000"/>
           </a:solidFill>
@@ -15009,7 +15243,7 @@
       </a:lvl9pPr>
     </p:bodyStyle>
     <p:otherStyle>
-      <a:defPPr lvl="0" marR="0" rtl="0" algn="l">
+      <a:defPPr marR="0" lvl="0" algn="l" rtl="0">
         <a:lnSpc>
           <a:spcPct val="100000"/>
         </a:lnSpc>
@@ -15020,7 +15254,7 @@
           <a:spcPts val="0"/>
         </a:spcAft>
       </a:defPPr>
-      <a:lvl1pPr lvl="0" marR="0" rtl="0" algn="l">
+      <a:lvl1pPr marR="0" lvl="0" algn="l" rtl="0">
         <a:lnSpc>
           <a:spcPct val="100000"/>
         </a:lnSpc>
@@ -15034,7 +15268,7 @@
           <a:srgbClr val="000000"/>
         </a:buClr>
         <a:buFont typeface="Arial"/>
-        <a:defRPr b="0" i="0" sz="1400" u="none" cap="none" strike="noStrike">
+        <a:defRPr sz="1400" b="0" i="0" u="none" strike="noStrike" cap="none">
           <a:solidFill>
             <a:srgbClr val="000000"/>
           </a:solidFill>
@@ -15044,7 +15278,7 @@
           <a:sym typeface="Arial"/>
         </a:defRPr>
       </a:lvl1pPr>
-      <a:lvl2pPr lvl="1" marR="0" rtl="0" algn="l">
+      <a:lvl2pPr marR="0" lvl="1" algn="l" rtl="0">
         <a:lnSpc>
           <a:spcPct val="100000"/>
         </a:lnSpc>
@@ -15058,7 +15292,7 @@
           <a:srgbClr val="000000"/>
         </a:buClr>
         <a:buFont typeface="Arial"/>
-        <a:defRPr b="0" i="0" sz="1400" u="none" cap="none" strike="noStrike">
+        <a:defRPr sz="1400" b="0" i="0" u="none" strike="noStrike" cap="none">
           <a:solidFill>
             <a:srgbClr val="000000"/>
           </a:solidFill>
@@ -15068,7 +15302,7 @@
           <a:sym typeface="Arial"/>
         </a:defRPr>
       </a:lvl2pPr>
-      <a:lvl3pPr lvl="2" marR="0" rtl="0" algn="l">
+      <a:lvl3pPr marR="0" lvl="2" algn="l" rtl="0">
         <a:lnSpc>
           <a:spcPct val="100000"/>
         </a:lnSpc>
@@ -15082,7 +15316,7 @@
           <a:srgbClr val="000000"/>
         </a:buClr>
         <a:buFont typeface="Arial"/>
-        <a:defRPr b="0" i="0" sz="1400" u="none" cap="none" strike="noStrike">
+        <a:defRPr sz="1400" b="0" i="0" u="none" strike="noStrike" cap="none">
           <a:solidFill>
             <a:srgbClr val="000000"/>
           </a:solidFill>
@@ -15092,7 +15326,7 @@
           <a:sym typeface="Arial"/>
         </a:defRPr>
       </a:lvl3pPr>
-      <a:lvl4pPr lvl="3" marR="0" rtl="0" algn="l">
+      <a:lvl4pPr marR="0" lvl="3" algn="l" rtl="0">
         <a:lnSpc>
           <a:spcPct val="100000"/>
         </a:lnSpc>
@@ -15106,7 +15340,7 @@
           <a:srgbClr val="000000"/>
         </a:buClr>
         <a:buFont typeface="Arial"/>
-        <a:defRPr b="0" i="0" sz="1400" u="none" cap="none" strike="noStrike">
+        <a:defRPr sz="1400" b="0" i="0" u="none" strike="noStrike" cap="none">
           <a:solidFill>
             <a:srgbClr val="000000"/>
           </a:solidFill>
@@ -15116,7 +15350,7 @@
           <a:sym typeface="Arial"/>
         </a:defRPr>
       </a:lvl4pPr>
-      <a:lvl5pPr lvl="4" marR="0" rtl="0" algn="l">
+      <a:lvl5pPr marR="0" lvl="4" algn="l" rtl="0">
         <a:lnSpc>
           <a:spcPct val="100000"/>
         </a:lnSpc>
@@ -15130,7 +15364,7 @@
           <a:srgbClr val="000000"/>
         </a:buClr>
         <a:buFont typeface="Arial"/>
-        <a:defRPr b="0" i="0" sz="1400" u="none" cap="none" strike="noStrike">
+        <a:defRPr sz="1400" b="0" i="0" u="none" strike="noStrike" cap="none">
           <a:solidFill>
             <a:srgbClr val="000000"/>
           </a:solidFill>
@@ -15140,7 +15374,7 @@
           <a:sym typeface="Arial"/>
         </a:defRPr>
       </a:lvl5pPr>
-      <a:lvl6pPr lvl="5" marR="0" rtl="0" algn="l">
+      <a:lvl6pPr marR="0" lvl="5" algn="l" rtl="0">
         <a:lnSpc>
           <a:spcPct val="100000"/>
         </a:lnSpc>
@@ -15154,7 +15388,7 @@
           <a:srgbClr val="000000"/>
         </a:buClr>
         <a:buFont typeface="Arial"/>
-        <a:defRPr b="0" i="0" sz="1400" u="none" cap="none" strike="noStrike">
+        <a:defRPr sz="1400" b="0" i="0" u="none" strike="noStrike" cap="none">
           <a:solidFill>
             <a:srgbClr val="000000"/>
           </a:solidFill>
@@ -15164,7 +15398,7 @@
           <a:sym typeface="Arial"/>
         </a:defRPr>
       </a:lvl6pPr>
-      <a:lvl7pPr lvl="6" marR="0" rtl="0" algn="l">
+      <a:lvl7pPr marR="0" lvl="6" algn="l" rtl="0">
         <a:lnSpc>
           <a:spcPct val="100000"/>
         </a:lnSpc>
@@ -15178,7 +15412,7 @@
           <a:srgbClr val="000000"/>
         </a:buClr>
         <a:buFont typeface="Arial"/>
-        <a:defRPr b="0" i="0" sz="1400" u="none" cap="none" strike="noStrike">
+        <a:defRPr sz="1400" b="0" i="0" u="none" strike="noStrike" cap="none">
           <a:solidFill>
             <a:srgbClr val="000000"/>
           </a:solidFill>
@@ -15188,7 +15422,7 @@
           <a:sym typeface="Arial"/>
         </a:defRPr>
       </a:lvl7pPr>
-      <a:lvl8pPr lvl="7" marR="0" rtl="0" algn="l">
+      <a:lvl8pPr marR="0" lvl="7" algn="l" rtl="0">
         <a:lnSpc>
           <a:spcPct val="100000"/>
         </a:lnSpc>
@@ -15202,7 +15436,7 @@
           <a:srgbClr val="000000"/>
         </a:buClr>
         <a:buFont typeface="Arial"/>
-        <a:defRPr b="0" i="0" sz="1400" u="none" cap="none" strike="noStrike">
+        <a:defRPr sz="1400" b="0" i="0" u="none" strike="noStrike" cap="none">
           <a:solidFill>
             <a:srgbClr val="000000"/>
           </a:solidFill>
@@ -15212,7 +15446,7 @@
           <a:sym typeface="Arial"/>
         </a:defRPr>
       </a:lvl8pPr>
-      <a:lvl9pPr lvl="8" marR="0" rtl="0" algn="l">
+      <a:lvl9pPr marR="0" lvl="8" algn="l" rtl="0">
         <a:lnSpc>
           <a:spcPct val="100000"/>
         </a:lnSpc>
@@ -15226,7 +15460,7 @@
           <a:srgbClr val="000000"/>
         </a:buClr>
         <a:buFont typeface="Arial"/>
-        <a:defRPr b="0" i="0" sz="1400" u="none" cap="none" strike="noStrike">
+        <a:defRPr sz="1400" b="0" i="0" u="none" strike="noStrike" cap="none">
           <a:solidFill>
             <a:srgbClr val="000000"/>
           </a:solidFill>
@@ -15242,11 +15476,11 @@
 </file>
 
 <file path=ppt/slides/slide1.xml><?xml version="1.0" encoding="utf-8"?>
-<p:sld xmlns:a="http://schemas.openxmlformats.org/drawingml/2006/main" xmlns:r="http://schemas.openxmlformats.org/officeDocument/2006/relationships" xmlns:mc="http://schemas.openxmlformats.org/markup-compatibility/2006" xmlns:mv="urn:schemas-microsoft-com:mac:vml" xmlns:p="http://schemas.openxmlformats.org/presentationml/2006/main" xmlns:c="http://schemas.openxmlformats.org/drawingml/2006/chart" xmlns:dgm="http://schemas.openxmlformats.org/drawingml/2006/diagram" xmlns:o="urn:schemas-microsoft-com:office:office" xmlns:v="urn:schemas-microsoft-com:vml" xmlns:pvml="urn:schemas-microsoft-com:office:powerpoint" xmlns:com="http://schemas.openxmlformats.org/drawingml/2006/compatibility" xmlns:p14="http://schemas.microsoft.com/office/powerpoint/2010/main" xmlns:p15="http://schemas.microsoft.com/office/powerpoint/2012/main">
+<p:sld xmlns:a="http://schemas.openxmlformats.org/drawingml/2006/main" xmlns:r="http://schemas.openxmlformats.org/officeDocument/2006/relationships" xmlns:p="http://schemas.openxmlformats.org/presentationml/2006/main">
   <p:cSld>
     <p:spTree>
       <p:nvGrpSpPr>
-        <p:cNvPr id="55" name="Shape 55"/>
+        <p:cNvPr id="1" name="Shape 55"/>
         <p:cNvGrpSpPr/>
         <p:nvPr/>
       </p:nvGrpSpPr>
@@ -15261,7 +15495,9 @@
       <p:sp>
         <p:nvSpPr>
           <p:cNvPr id="56" name="Google Shape;56;p1"/>
-          <p:cNvSpPr txBox="1"/>
+          <p:cNvSpPr txBox="1">
+            <a:spLocks noGrp="1"/>
+          </p:cNvSpPr>
           <p:nvPr>
             <p:ph type="ctrTitle"/>
           </p:nvPr>
@@ -15280,12 +15516,12 @@
           </a:ln>
         </p:spPr>
         <p:txBody>
-          <a:bodyPr anchorCtr="0" anchor="ctr" bIns="91425" lIns="91425" spcFirstLastPara="1" rIns="91425" wrap="square" tIns="91425">
+          <a:bodyPr spcFirstLastPara="1" wrap="square" lIns="91425" tIns="91425" rIns="91425" bIns="91425" anchor="ctr" anchorCtr="0">
             <a:noAutofit/>
           </a:bodyPr>
           <a:lstStyle/>
           <a:p>
-            <a:pPr indent="0" lvl="0" marL="0" rtl="0" algn="ctr">
+            <a:pPr marL="0" lvl="0" indent="0" algn="ctr" rtl="0">
               <a:lnSpc>
                 <a:spcPct val="100000"/>
               </a:lnSpc>
@@ -15305,7 +15541,7 @@
             <a:endParaRPr/>
           </a:p>
           <a:p>
-            <a:pPr indent="0" lvl="0" marL="0" rtl="0" algn="ctr">
+            <a:pPr marL="0" lvl="0" indent="0" algn="ctr" rtl="0">
               <a:lnSpc>
                 <a:spcPct val="100000"/>
               </a:lnSpc>
@@ -15320,11 +15556,7 @@
             </a:pPr>
             <a:r>
               <a:rPr lang="en" sz="3900"/>
-              <a:t>Group</a:t>
-            </a:r>
-            <a:r>
-              <a:rPr lang="en" sz="3900"/>
-              <a:t> 4</a:t>
+              <a:t>Group 4</a:t>
             </a:r>
             <a:r>
               <a:rPr lang="en"/>
@@ -15360,9 +15592,13 @@
               <a:ext cx="735850" cy="617950"/>
             </a:xfrm>
             <a:custGeom>
-              <a:rect b="b" l="l" r="r" t="t"/>
+              <a:avLst/>
+              <a:gdLst/>
+              <a:ahLst/>
+              <a:cxnLst/>
+              <a:rect l="l" t="t" r="r" b="b"/>
               <a:pathLst>
-                <a:path extrusionOk="0" h="24718" w="29434">
+                <a:path w="29434" h="24718" extrusionOk="0">
                   <a:moveTo>
                     <a:pt x="26604" y="13869"/>
                   </a:moveTo>
@@ -16712,12 +16948,12 @@
             </a:ln>
           </p:spPr>
           <p:txBody>
-            <a:bodyPr anchorCtr="0" anchor="ctr" bIns="91425" lIns="91425" spcFirstLastPara="1" rIns="91425" wrap="square" tIns="91425">
+            <a:bodyPr spcFirstLastPara="1" wrap="square" lIns="91425" tIns="91425" rIns="91425" bIns="91425" anchor="ctr" anchorCtr="0">
               <a:noAutofit/>
             </a:bodyPr>
             <a:lstStyle/>
             <a:p>
-              <a:pPr indent="0" lvl="0" marL="0" marR="0" rtl="0" algn="l">
+              <a:pPr marL="0" marR="0" lvl="0" indent="0" algn="l" rtl="0">
                 <a:lnSpc>
                   <a:spcPct val="100000"/>
                 </a:lnSpc>
@@ -16734,10 +16970,7 @@
                 <a:buFont typeface="Arial"/>
                 <a:buNone/>
               </a:pPr>
-              <a:r>
-                <a:t/>
-              </a:r>
-              <a:endParaRPr b="0" i="0" sz="1400" u="none" cap="none" strike="noStrike">
+              <a:endParaRPr sz="1400" b="0" i="0" u="none" strike="noStrike" cap="none">
                 <a:solidFill>
                   <a:srgbClr val="000000"/>
                 </a:solidFill>
@@ -16761,9 +16994,13 @@
               <a:ext cx="169825" cy="162775"/>
             </a:xfrm>
             <a:custGeom>
-              <a:rect b="b" l="l" r="r" t="t"/>
+              <a:avLst/>
+              <a:gdLst/>
+              <a:ahLst/>
+              <a:cxnLst/>
+              <a:rect l="l" t="t" r="r" b="b"/>
               <a:pathLst>
-                <a:path extrusionOk="0" h="6511" w="6793">
+                <a:path w="6793" h="6511" extrusionOk="0">
                   <a:moveTo>
                     <a:pt x="1038" y="6416"/>
                   </a:moveTo>
@@ -17128,12 +17365,12 @@
             </a:ln>
           </p:spPr>
           <p:txBody>
-            <a:bodyPr anchorCtr="0" anchor="ctr" bIns="91425" lIns="91425" spcFirstLastPara="1" rIns="91425" wrap="square" tIns="91425">
+            <a:bodyPr spcFirstLastPara="1" wrap="square" lIns="91425" tIns="91425" rIns="91425" bIns="91425" anchor="ctr" anchorCtr="0">
               <a:noAutofit/>
             </a:bodyPr>
             <a:lstStyle/>
             <a:p>
-              <a:pPr indent="0" lvl="0" marL="0" marR="0" rtl="0" algn="l">
+              <a:pPr marL="0" marR="0" lvl="0" indent="0" algn="l" rtl="0">
                 <a:lnSpc>
                   <a:spcPct val="100000"/>
                 </a:lnSpc>
@@ -17150,10 +17387,7 @@
                 <a:buFont typeface="Arial"/>
                 <a:buNone/>
               </a:pPr>
-              <a:r>
-                <a:t/>
-              </a:r>
-              <a:endParaRPr b="0" i="0" sz="1400" u="none" cap="none" strike="noStrike">
+              <a:endParaRPr sz="1400" b="0" i="0" u="none" strike="noStrike" cap="none">
                 <a:solidFill>
                   <a:srgbClr val="000000"/>
                 </a:solidFill>
@@ -17175,11 +17409,11 @@
 </file>
 
 <file path=ppt/slides/slide2.xml><?xml version="1.0" encoding="utf-8"?>
-<p:sld xmlns:a="http://schemas.openxmlformats.org/drawingml/2006/main" xmlns:r="http://schemas.openxmlformats.org/officeDocument/2006/relationships" xmlns:mc="http://schemas.openxmlformats.org/markup-compatibility/2006" xmlns:mv="urn:schemas-microsoft-com:mac:vml" xmlns:p="http://schemas.openxmlformats.org/presentationml/2006/main" xmlns:c="http://schemas.openxmlformats.org/drawingml/2006/chart" xmlns:dgm="http://schemas.openxmlformats.org/drawingml/2006/diagram" xmlns:o="urn:schemas-microsoft-com:office:office" xmlns:v="urn:schemas-microsoft-com:vml" xmlns:pvml="urn:schemas-microsoft-com:office:powerpoint" xmlns:com="http://schemas.openxmlformats.org/drawingml/2006/compatibility" xmlns:p14="http://schemas.microsoft.com/office/powerpoint/2010/main" xmlns:p15="http://schemas.microsoft.com/office/powerpoint/2012/main">
+<p:sld xmlns:a="http://schemas.openxmlformats.org/drawingml/2006/main" xmlns:r="http://schemas.openxmlformats.org/officeDocument/2006/relationships" xmlns:p="http://schemas.openxmlformats.org/presentationml/2006/main">
   <p:cSld>
     <p:spTree>
       <p:nvGrpSpPr>
-        <p:cNvPr id="63" name="Shape 63"/>
+        <p:cNvPr id="1" name="Shape 63"/>
         <p:cNvGrpSpPr/>
         <p:nvPr/>
       </p:nvGrpSpPr>
@@ -17194,7 +17428,9 @@
       <p:sp>
         <p:nvSpPr>
           <p:cNvPr id="64" name="Google Shape;64;p4"/>
-          <p:cNvSpPr txBox="1"/>
+          <p:cNvSpPr txBox="1">
+            <a:spLocks noGrp="1"/>
+          </p:cNvSpPr>
           <p:nvPr>
             <p:ph type="ctrTitle"/>
           </p:nvPr>
@@ -17213,12 +17449,12 @@
           </a:ln>
         </p:spPr>
         <p:txBody>
-          <a:bodyPr anchorCtr="0" anchor="b" bIns="91425" lIns="91425" spcFirstLastPara="1" rIns="91425" wrap="square" tIns="91425">
+          <a:bodyPr spcFirstLastPara="1" wrap="square" lIns="91425" tIns="91425" rIns="91425" bIns="91425" anchor="b" anchorCtr="0">
             <a:noAutofit/>
           </a:bodyPr>
           <a:lstStyle/>
           <a:p>
-            <a:pPr indent="0" lvl="0" marL="0" rtl="0" algn="ctr">
+            <a:pPr marL="0" lvl="0" indent="0" algn="ctr" rtl="0">
               <a:lnSpc>
                 <a:spcPct val="100000"/>
               </a:lnSpc>
@@ -17233,16 +17469,12 @@
             </a:pPr>
             <a:r>
               <a:rPr lang="en" sz="6000"/>
-              <a:t>Q</a:t>
-            </a:r>
-            <a:r>
-              <a:rPr lang="en" sz="6000"/>
-              <a:t>1</a:t>
+              <a:t>Q1</a:t>
             </a:r>
             <a:endParaRPr sz="6000"/>
           </a:p>
           <a:p>
-            <a:pPr indent="0" lvl="0" marL="0" rtl="0" algn="ctr">
+            <a:pPr marL="0" lvl="0" indent="0" algn="ctr" rtl="0">
               <a:lnSpc>
                 <a:spcPct val="100000"/>
               </a:lnSpc>
@@ -17255,13 +17487,10 @@
               <a:buSzPts val="4800"/>
               <a:buNone/>
             </a:pPr>
-            <a:r>
-              <a:t/>
-            </a:r>
             <a:endParaRPr/>
           </a:p>
           <a:p>
-            <a:pPr indent="0" lvl="0" marL="0" rtl="0" algn="ctr">
+            <a:pPr marL="0" lvl="0" indent="0" algn="ctr" rtl="0">
               <a:lnSpc>
                 <a:spcPct val="100000"/>
               </a:lnSpc>
@@ -17294,9 +17523,13 @@
             <a:ext cx="1824693" cy="1702276"/>
           </a:xfrm>
           <a:custGeom>
-            <a:rect b="b" l="l" r="r" t="t"/>
+            <a:avLst/>
+            <a:gdLst/>
+            <a:ahLst/>
+            <a:cxnLst/>
+            <a:rect l="l" t="t" r="r" b="b"/>
             <a:pathLst>
-              <a:path extrusionOk="0" h="68207" w="73112">
+              <a:path w="73112" h="68207" extrusionOk="0">
                 <a:moveTo>
                   <a:pt x="46809" y="1210"/>
                 </a:moveTo>
@@ -20011,12 +20244,12 @@
           </a:ln>
         </p:spPr>
         <p:txBody>
-          <a:bodyPr anchorCtr="0" anchor="ctr" bIns="91425" lIns="91425" spcFirstLastPara="1" rIns="91425" wrap="square" tIns="91425">
+          <a:bodyPr spcFirstLastPara="1" wrap="square" lIns="91425" tIns="91425" rIns="91425" bIns="91425" anchor="ctr" anchorCtr="0">
             <a:noAutofit/>
           </a:bodyPr>
           <a:lstStyle/>
           <a:p>
-            <a:pPr indent="0" lvl="0" marL="0" marR="0" rtl="0" algn="l">
+            <a:pPr marL="0" marR="0" lvl="0" indent="0" algn="l" rtl="0">
               <a:lnSpc>
                 <a:spcPct val="100000"/>
               </a:lnSpc>
@@ -20033,10 +20266,7 @@
               <a:buFont typeface="Arial"/>
               <a:buNone/>
             </a:pPr>
-            <a:r>
-              <a:t/>
-            </a:r>
-            <a:endParaRPr b="0" i="0" sz="1400" u="none" cap="none" strike="noStrike">
+            <a:endParaRPr sz="1400" b="0" i="0" u="none" strike="noStrike" cap="none">
               <a:solidFill>
                 <a:srgbClr val="000000"/>
               </a:solidFill>
@@ -20051,9 +20281,11 @@
       <p:sp>
         <p:nvSpPr>
           <p:cNvPr id="66" name="Google Shape;66;p4"/>
-          <p:cNvSpPr txBox="1"/>
+          <p:cNvSpPr txBox="1">
+            <a:spLocks noGrp="1"/>
+          </p:cNvSpPr>
           <p:nvPr>
-            <p:ph idx="12" type="sldNum"/>
+            <p:ph type="sldNum" idx="12"/>
           </p:nvPr>
         </p:nvSpPr>
         <p:spPr>
@@ -20070,12 +20302,12 @@
           </a:ln>
         </p:spPr>
         <p:txBody>
-          <a:bodyPr anchorCtr="0" anchor="t" bIns="91425" lIns="91425" spcFirstLastPara="1" rIns="91425" wrap="square" tIns="91425">
+          <a:bodyPr spcFirstLastPara="1" wrap="square" lIns="91425" tIns="91425" rIns="91425" bIns="91425" anchor="t" anchorCtr="0">
             <a:noAutofit/>
           </a:bodyPr>
           <a:lstStyle/>
           <a:p>
-            <a:pPr indent="0" lvl="0" marL="0" rtl="0" algn="ctr">
+            <a:pPr marL="0" lvl="0" indent="0" algn="ctr" rtl="0">
               <a:lnSpc>
                 <a:spcPct val="100000"/>
               </a:lnSpc>
@@ -20090,7 +20322,7 @@
             </a:pPr>
             <a:fld id="{00000000-1234-1234-1234-123412341234}" type="slidenum">
               <a:rPr lang="en"/>
-              <a:t>‹#›</a:t>
+              <a:t>2</a:t>
             </a:fld>
             <a:endParaRPr/>
           </a:p>
@@ -20105,11 +20337,11 @@
 </file>
 
 <file path=ppt/slides/slide3.xml><?xml version="1.0" encoding="utf-8"?>
-<p:sld xmlns:a="http://schemas.openxmlformats.org/drawingml/2006/main" xmlns:r="http://schemas.openxmlformats.org/officeDocument/2006/relationships" xmlns:mc="http://schemas.openxmlformats.org/markup-compatibility/2006" xmlns:mv="urn:schemas-microsoft-com:mac:vml" xmlns:p="http://schemas.openxmlformats.org/presentationml/2006/main" xmlns:c="http://schemas.openxmlformats.org/drawingml/2006/chart" xmlns:dgm="http://schemas.openxmlformats.org/drawingml/2006/diagram" xmlns:o="urn:schemas-microsoft-com:office:office" xmlns:v="urn:schemas-microsoft-com:vml" xmlns:pvml="urn:schemas-microsoft-com:office:powerpoint" xmlns:com="http://schemas.openxmlformats.org/drawingml/2006/compatibility" xmlns:p14="http://schemas.microsoft.com/office/powerpoint/2010/main" xmlns:p15="http://schemas.microsoft.com/office/powerpoint/2012/main">
+<p:sld xmlns:a="http://schemas.openxmlformats.org/drawingml/2006/main" xmlns:r="http://schemas.openxmlformats.org/officeDocument/2006/relationships" xmlns:p="http://schemas.openxmlformats.org/presentationml/2006/main">
   <p:cSld>
     <p:spTree>
       <p:nvGrpSpPr>
-        <p:cNvPr id="70" name="Shape 70"/>
+        <p:cNvPr id="1" name="Shape 70"/>
         <p:cNvGrpSpPr/>
         <p:nvPr/>
       </p:nvGrpSpPr>
@@ -20124,9 +20356,11 @@
       <p:sp>
         <p:nvSpPr>
           <p:cNvPr id="71" name="Google Shape;71;p6"/>
-          <p:cNvSpPr txBox="1"/>
+          <p:cNvSpPr txBox="1">
+            <a:spLocks noGrp="1"/>
+          </p:cNvSpPr>
           <p:nvPr>
-            <p:ph idx="1" type="body"/>
+            <p:ph type="body" idx="1"/>
           </p:nvPr>
         </p:nvSpPr>
         <p:spPr>
@@ -20143,12 +20377,12 @@
           </a:ln>
         </p:spPr>
         <p:txBody>
-          <a:bodyPr anchorCtr="0" anchor="t" bIns="91425" lIns="91425" spcFirstLastPara="1" rIns="91425" wrap="square" tIns="91425">
+          <a:bodyPr spcFirstLastPara="1" wrap="square" lIns="91425" tIns="91425" rIns="91425" bIns="91425" anchor="t" anchorCtr="0">
             <a:noAutofit/>
           </a:bodyPr>
           <a:lstStyle/>
           <a:p>
-            <a:pPr indent="-355600" lvl="0" marL="457200" rtl="0" algn="l">
+            <a:pPr marL="457200" lvl="0" indent="-355600" algn="l" rtl="0">
               <a:lnSpc>
                 <a:spcPct val="100000"/>
               </a:lnSpc>
@@ -20168,7 +20402,7 @@
             <a:endParaRPr/>
           </a:p>
           <a:p>
-            <a:pPr indent="-355600" lvl="0" marL="457200" rtl="0" algn="l">
+            <a:pPr marL="457200" lvl="0" indent="-355600" algn="l" rtl="0">
               <a:lnSpc>
                 <a:spcPct val="100000"/>
               </a:lnSpc>
@@ -20188,7 +20422,7 @@
             <a:endParaRPr/>
           </a:p>
           <a:p>
-            <a:pPr indent="-355600" lvl="0" marL="457200" rtl="0" algn="l">
+            <a:pPr marL="457200" lvl="0" indent="-355600" algn="l" rtl="0">
               <a:lnSpc>
                 <a:spcPct val="100000"/>
               </a:lnSpc>
@@ -20208,7 +20442,7 @@
             <a:endParaRPr/>
           </a:p>
           <a:p>
-            <a:pPr indent="-355600" lvl="0" marL="457200" rtl="0" algn="l">
+            <a:pPr marL="457200" lvl="0" indent="-355600" algn="l" rtl="0">
               <a:lnSpc>
                 <a:spcPct val="100000"/>
               </a:lnSpc>
@@ -20223,16 +20457,12 @@
             </a:pPr>
             <a:r>
               <a:rPr lang="en"/>
-              <a:t>Increase sale value and </a:t>
-            </a:r>
-            <a:r>
-              <a:rPr lang="en"/>
-              <a:t>volume</a:t>
+              <a:t>Increase sale value and volume</a:t>
             </a:r>
             <a:endParaRPr/>
           </a:p>
           <a:p>
-            <a:pPr indent="0" lvl="0" marL="457200" rtl="0" algn="l">
+            <a:pPr marL="457200" lvl="0" indent="0" algn="l" rtl="0">
               <a:lnSpc>
                 <a:spcPct val="100000"/>
               </a:lnSpc>
@@ -20244,13 +20474,10 @@
               </a:spcAft>
               <a:buNone/>
             </a:pPr>
-            <a:r>
-              <a:t/>
-            </a:r>
             <a:endParaRPr/>
           </a:p>
           <a:p>
-            <a:pPr indent="0" lvl="0" marL="0" rtl="0" algn="l">
+            <a:pPr marL="0" lvl="0" indent="0" algn="l" rtl="0">
               <a:lnSpc>
                 <a:spcPct val="100000"/>
               </a:lnSpc>
@@ -20263,13 +20490,10 @@
               <a:buSzPts val="2000"/>
               <a:buNone/>
             </a:pPr>
-            <a:r>
-              <a:t/>
-            </a:r>
             <a:endParaRPr/>
           </a:p>
           <a:p>
-            <a:pPr indent="0" lvl="0" marL="0" rtl="0" algn="l">
+            <a:pPr marL="0" lvl="0" indent="0" algn="l" rtl="0">
               <a:lnSpc>
                 <a:spcPct val="100000"/>
               </a:lnSpc>
@@ -20282,9 +20506,6 @@
               <a:buSzPts val="2000"/>
               <a:buNone/>
             </a:pPr>
-            <a:r>
-              <a:t/>
-            </a:r>
             <a:endParaRPr/>
           </a:p>
         </p:txBody>
@@ -20301,9 +20522,13 @@
             <a:ext cx="788694" cy="805193"/>
           </a:xfrm>
           <a:custGeom>
-            <a:rect b="b" l="l" r="r" t="t"/>
+            <a:avLst/>
+            <a:gdLst/>
+            <a:ahLst/>
+            <a:cxnLst/>
+            <a:rect l="l" t="t" r="r" b="b"/>
             <a:pathLst>
-              <a:path extrusionOk="0" h="69056" w="67641">
+              <a:path w="67641" h="69056" extrusionOk="0">
                 <a:moveTo>
                   <a:pt x="49622" y="2736"/>
                 </a:moveTo>
@@ -21671,12 +21896,12 @@
           </a:ln>
         </p:spPr>
         <p:txBody>
-          <a:bodyPr anchorCtr="0" anchor="ctr" bIns="91425" lIns="91425" spcFirstLastPara="1" rIns="91425" wrap="square" tIns="91425">
+          <a:bodyPr spcFirstLastPara="1" wrap="square" lIns="91425" tIns="91425" rIns="91425" bIns="91425" anchor="ctr" anchorCtr="0">
             <a:noAutofit/>
           </a:bodyPr>
           <a:lstStyle/>
           <a:p>
-            <a:pPr indent="0" lvl="0" marL="0" marR="0" rtl="0" algn="l">
+            <a:pPr marL="0" marR="0" lvl="0" indent="0" algn="l" rtl="0">
               <a:lnSpc>
                 <a:spcPct val="100000"/>
               </a:lnSpc>
@@ -21693,10 +21918,7 @@
               <a:buFont typeface="Arial"/>
               <a:buNone/>
             </a:pPr>
-            <a:r>
-              <a:t/>
-            </a:r>
-            <a:endParaRPr b="0" i="0" sz="1400" u="none" cap="none" strike="noStrike">
+            <a:endParaRPr sz="1400" b="0" i="0" u="none" strike="noStrike" cap="none">
               <a:solidFill>
                 <a:srgbClr val="000000"/>
               </a:solidFill>
@@ -21720,9 +21942,13 @@
             <a:ext cx="345681" cy="414830"/>
           </a:xfrm>
           <a:custGeom>
-            <a:rect b="b" l="l" r="r" t="t"/>
+            <a:avLst/>
+            <a:gdLst/>
+            <a:ahLst/>
+            <a:cxnLst/>
+            <a:rect l="l" t="t" r="r" b="b"/>
             <a:pathLst>
-              <a:path extrusionOk="0" h="18981" w="15817">
+              <a:path w="15817" h="18981" extrusionOk="0">
                 <a:moveTo>
                   <a:pt x="11364" y="1"/>
                 </a:moveTo>
@@ -24599,12 +24825,12 @@
           </a:ln>
         </p:spPr>
         <p:txBody>
-          <a:bodyPr anchorCtr="0" anchor="ctr" bIns="91425" lIns="91425" spcFirstLastPara="1" rIns="91425" wrap="square" tIns="91425">
+          <a:bodyPr spcFirstLastPara="1" wrap="square" lIns="91425" tIns="91425" rIns="91425" bIns="91425" anchor="ctr" anchorCtr="0">
             <a:noAutofit/>
           </a:bodyPr>
           <a:lstStyle/>
           <a:p>
-            <a:pPr indent="0" lvl="0" marL="0" marR="0" rtl="0" algn="l">
+            <a:pPr marL="0" marR="0" lvl="0" indent="0" algn="l" rtl="0">
               <a:lnSpc>
                 <a:spcPct val="100000"/>
               </a:lnSpc>
@@ -24621,10 +24847,7 @@
               <a:buFont typeface="Arial"/>
               <a:buNone/>
             </a:pPr>
-            <a:r>
-              <a:t/>
-            </a:r>
-            <a:endParaRPr b="0" i="0" sz="1400" u="none" cap="none" strike="noStrike">
+            <a:endParaRPr sz="1400" b="0" i="0" u="none" strike="noStrike" cap="none">
               <a:solidFill>
                 <a:srgbClr val="000000"/>
               </a:solidFill>
@@ -24639,9 +24862,11 @@
       <p:sp>
         <p:nvSpPr>
           <p:cNvPr id="74" name="Google Shape;74;p6"/>
-          <p:cNvSpPr txBox="1"/>
+          <p:cNvSpPr txBox="1">
+            <a:spLocks noGrp="1"/>
+          </p:cNvSpPr>
           <p:nvPr>
-            <p:ph idx="12" type="sldNum"/>
+            <p:ph type="sldNum" idx="12"/>
           </p:nvPr>
         </p:nvSpPr>
         <p:spPr>
@@ -24658,12 +24883,12 @@
           </a:ln>
         </p:spPr>
         <p:txBody>
-          <a:bodyPr anchorCtr="0" anchor="t" bIns="91425" lIns="91425" spcFirstLastPara="1" rIns="91425" wrap="square" tIns="91425">
+          <a:bodyPr spcFirstLastPara="1" wrap="square" lIns="91425" tIns="91425" rIns="91425" bIns="91425" anchor="t" anchorCtr="0">
             <a:noAutofit/>
           </a:bodyPr>
           <a:lstStyle/>
           <a:p>
-            <a:pPr indent="0" lvl="0" marL="0" rtl="0" algn="ctr">
+            <a:pPr marL="0" lvl="0" indent="0" algn="ctr" rtl="0">
               <a:lnSpc>
                 <a:spcPct val="100000"/>
               </a:lnSpc>
@@ -24678,7 +24903,7 @@
             </a:pPr>
             <a:fld id="{00000000-1234-1234-1234-123412341234}" type="slidenum">
               <a:rPr lang="en"/>
-              <a:t>‹#›</a:t>
+              <a:t>3</a:t>
             </a:fld>
             <a:endParaRPr/>
           </a:p>
@@ -24693,11 +24918,11 @@
 </file>
 
 <file path=ppt/slides/slide4.xml><?xml version="1.0" encoding="utf-8"?>
-<p:sld xmlns:a="http://schemas.openxmlformats.org/drawingml/2006/main" xmlns:r="http://schemas.openxmlformats.org/officeDocument/2006/relationships" xmlns:mc="http://schemas.openxmlformats.org/markup-compatibility/2006" xmlns:mv="urn:schemas-microsoft-com:mac:vml" xmlns:p="http://schemas.openxmlformats.org/presentationml/2006/main" xmlns:c="http://schemas.openxmlformats.org/drawingml/2006/chart" xmlns:dgm="http://schemas.openxmlformats.org/drawingml/2006/diagram" xmlns:o="urn:schemas-microsoft-com:office:office" xmlns:v="urn:schemas-microsoft-com:vml" xmlns:pvml="urn:schemas-microsoft-com:office:powerpoint" xmlns:com="http://schemas.openxmlformats.org/drawingml/2006/compatibility" xmlns:p14="http://schemas.microsoft.com/office/powerpoint/2010/main" xmlns:p15="http://schemas.microsoft.com/office/powerpoint/2012/main">
+<p:sld xmlns:a="http://schemas.openxmlformats.org/drawingml/2006/main" xmlns:r="http://schemas.openxmlformats.org/officeDocument/2006/relationships" xmlns:p="http://schemas.openxmlformats.org/presentationml/2006/main">
   <p:cSld>
     <p:spTree>
       <p:nvGrpSpPr>
-        <p:cNvPr id="78" name="Shape 78"/>
+        <p:cNvPr id="1" name="Shape 78"/>
         <p:cNvGrpSpPr/>
         <p:nvPr/>
       </p:nvGrpSpPr>
@@ -24712,7 +24937,9 @@
       <p:sp>
         <p:nvSpPr>
           <p:cNvPr id="79" name="Google Shape;79;g8a25fea61a_0_1"/>
-          <p:cNvSpPr txBox="1"/>
+          <p:cNvSpPr txBox="1">
+            <a:spLocks noGrp="1"/>
+          </p:cNvSpPr>
           <p:nvPr>
             <p:ph type="ctrTitle"/>
           </p:nvPr>
@@ -24731,12 +24958,12 @@
           </a:ln>
         </p:spPr>
         <p:txBody>
-          <a:bodyPr anchorCtr="0" anchor="b" bIns="91425" lIns="91425" spcFirstLastPara="1" rIns="91425" wrap="square" tIns="91425">
+          <a:bodyPr spcFirstLastPara="1" wrap="square" lIns="91425" tIns="91425" rIns="91425" bIns="91425" anchor="b" anchorCtr="0">
             <a:noAutofit/>
           </a:bodyPr>
           <a:lstStyle/>
           <a:p>
-            <a:pPr indent="0" lvl="0" marL="0" rtl="0" algn="ctr">
+            <a:pPr marL="0" lvl="0" indent="0" algn="ctr" rtl="0">
               <a:lnSpc>
                 <a:spcPct val="100000"/>
               </a:lnSpc>
@@ -24756,7 +24983,7 @@
             <a:endParaRPr sz="6000"/>
           </a:p>
           <a:p>
-            <a:pPr indent="0" lvl="0" marL="0" rtl="0" algn="ctr">
+            <a:pPr marL="0" lvl="0" indent="0" algn="ctr" rtl="0">
               <a:lnSpc>
                 <a:spcPct val="100000"/>
               </a:lnSpc>
@@ -24769,13 +24996,10 @@
               <a:buSzPts val="4800"/>
               <a:buNone/>
             </a:pPr>
-            <a:r>
-              <a:t/>
-            </a:r>
             <a:endParaRPr/>
           </a:p>
           <a:p>
-            <a:pPr indent="0" lvl="0" marL="0" rtl="0" algn="ctr">
+            <a:pPr marL="0" lvl="0" indent="0" algn="ctr" rtl="0">
               <a:lnSpc>
                 <a:spcPct val="100000"/>
               </a:lnSpc>
@@ -24808,9 +25032,13 @@
             <a:ext cx="1824693" cy="1702276"/>
           </a:xfrm>
           <a:custGeom>
-            <a:rect b="b" l="l" r="r" t="t"/>
+            <a:avLst/>
+            <a:gdLst/>
+            <a:ahLst/>
+            <a:cxnLst/>
+            <a:rect l="l" t="t" r="r" b="b"/>
             <a:pathLst>
-              <a:path extrusionOk="0" h="68207" w="73112">
+              <a:path w="73112" h="68207" extrusionOk="0">
                 <a:moveTo>
                   <a:pt x="46809" y="1210"/>
                 </a:moveTo>
@@ -27525,12 +27753,12 @@
           </a:ln>
         </p:spPr>
         <p:txBody>
-          <a:bodyPr anchorCtr="0" anchor="ctr" bIns="91425" lIns="91425" spcFirstLastPara="1" rIns="91425" wrap="square" tIns="91425">
+          <a:bodyPr spcFirstLastPara="1" wrap="square" lIns="91425" tIns="91425" rIns="91425" bIns="91425" anchor="ctr" anchorCtr="0">
             <a:noAutofit/>
           </a:bodyPr>
           <a:lstStyle/>
           <a:p>
-            <a:pPr indent="0" lvl="0" marL="0" marR="0" rtl="0" algn="l">
+            <a:pPr marL="0" marR="0" lvl="0" indent="0" algn="l" rtl="0">
               <a:lnSpc>
                 <a:spcPct val="100000"/>
               </a:lnSpc>
@@ -27547,10 +27775,7 @@
               <a:buFont typeface="Arial"/>
               <a:buNone/>
             </a:pPr>
-            <a:r>
-              <a:t/>
-            </a:r>
-            <a:endParaRPr b="0" i="0" sz="1400" u="none" cap="none" strike="noStrike">
+            <a:endParaRPr sz="1400" b="0" i="0" u="none" strike="noStrike" cap="none">
               <a:solidFill>
                 <a:srgbClr val="000000"/>
               </a:solidFill>
@@ -27565,9 +27790,11 @@
       <p:sp>
         <p:nvSpPr>
           <p:cNvPr id="81" name="Google Shape;81;g8a25fea61a_0_1"/>
-          <p:cNvSpPr txBox="1"/>
+          <p:cNvSpPr txBox="1">
+            <a:spLocks noGrp="1"/>
+          </p:cNvSpPr>
           <p:nvPr>
-            <p:ph idx="12" type="sldNum"/>
+            <p:ph type="sldNum" idx="12"/>
           </p:nvPr>
         </p:nvSpPr>
         <p:spPr>
@@ -27584,12 +27811,12 @@
           </a:ln>
         </p:spPr>
         <p:txBody>
-          <a:bodyPr anchorCtr="0" anchor="t" bIns="91425" lIns="91425" spcFirstLastPara="1" rIns="91425" wrap="square" tIns="91425">
+          <a:bodyPr spcFirstLastPara="1" wrap="square" lIns="91425" tIns="91425" rIns="91425" bIns="91425" anchor="t" anchorCtr="0">
             <a:noAutofit/>
           </a:bodyPr>
           <a:lstStyle/>
           <a:p>
-            <a:pPr indent="0" lvl="0" marL="0" rtl="0" algn="ctr">
+            <a:pPr marL="0" lvl="0" indent="0" algn="ctr" rtl="0">
               <a:lnSpc>
                 <a:spcPct val="100000"/>
               </a:lnSpc>
@@ -27604,7 +27831,7 @@
             </a:pPr>
             <a:fld id="{00000000-1234-1234-1234-123412341234}" type="slidenum">
               <a:rPr lang="en"/>
-              <a:t>‹#›</a:t>
+              <a:t>4</a:t>
             </a:fld>
             <a:endParaRPr/>
           </a:p>
@@ -27619,11 +27846,109 @@
 </file>
 
 <file path=ppt/slides/slide5.xml><?xml version="1.0" encoding="utf-8"?>
-<p:sld xmlns:a="http://schemas.openxmlformats.org/drawingml/2006/main" xmlns:r="http://schemas.openxmlformats.org/officeDocument/2006/relationships" xmlns:mc="http://schemas.openxmlformats.org/markup-compatibility/2006" xmlns:mv="urn:schemas-microsoft-com:mac:vml" xmlns:p="http://schemas.openxmlformats.org/presentationml/2006/main" xmlns:c="http://schemas.openxmlformats.org/drawingml/2006/chart" xmlns:dgm="http://schemas.openxmlformats.org/drawingml/2006/diagram" xmlns:o="urn:schemas-microsoft-com:office:office" xmlns:v="urn:schemas-microsoft-com:vml" xmlns:pvml="urn:schemas-microsoft-com:office:powerpoint" xmlns:com="http://schemas.openxmlformats.org/drawingml/2006/compatibility" xmlns:p14="http://schemas.microsoft.com/office/powerpoint/2010/main" xmlns:p15="http://schemas.microsoft.com/office/powerpoint/2012/main">
+<p:sld xmlns:a="http://schemas.openxmlformats.org/drawingml/2006/main" xmlns:r="http://schemas.openxmlformats.org/officeDocument/2006/relationships" xmlns:p="http://schemas.openxmlformats.org/presentationml/2006/main">
   <p:cSld>
     <p:spTree>
       <p:nvGrpSpPr>
-        <p:cNvPr id="85" name="Shape 85"/>
+        <p:cNvPr id="1" name=""/>
+        <p:cNvGrpSpPr/>
+        <p:nvPr/>
+      </p:nvGrpSpPr>
+      <p:grpSpPr>
+        <a:xfrm>
+          <a:off x="0" y="0"/>
+          <a:ext cx="0" cy="0"/>
+          <a:chOff x="0" y="0"/>
+          <a:chExt cx="0" cy="0"/>
+        </a:xfrm>
+      </p:grpSpPr>
+      <p:sp>
+        <p:nvSpPr>
+          <p:cNvPr id="4" name="Slide Number Placeholder 3">
+            <a:extLst>
+              <a:ext uri="{FF2B5EF4-FFF2-40B4-BE49-F238E27FC236}">
+                <a16:creationId xmlns:a16="http://schemas.microsoft.com/office/drawing/2014/main" id="{E21F9316-A9CC-0C41-B926-6FD008478657}"/>
+              </a:ext>
+            </a:extLst>
+          </p:cNvPr>
+          <p:cNvSpPr>
+            <a:spLocks noGrp="1"/>
+          </p:cNvSpPr>
+          <p:nvPr>
+            <p:ph type="sldNum" idx="12"/>
+          </p:nvPr>
+        </p:nvSpPr>
+        <p:spPr/>
+        <p:txBody>
+          <a:bodyPr/>
+          <a:lstStyle/>
+          <a:p>
+            <a:pPr marL="0" lvl="0" indent="0" algn="ctr" rtl="0">
+              <a:spcBef>
+                <a:spcPts val="0"/>
+              </a:spcBef>
+              <a:spcAft>
+                <a:spcPts val="0"/>
+              </a:spcAft>
+              <a:buNone/>
+            </a:pPr>
+            <a:fld id="{00000000-1234-1234-1234-123412341234}" type="slidenum">
+              <a:rPr lang="en" smtClean="0"/>
+              <a:t>5</a:t>
+            </a:fld>
+            <a:endParaRPr lang="en"/>
+          </a:p>
+        </p:txBody>
+      </p:sp>
+      <p:pic>
+        <p:nvPicPr>
+          <p:cNvPr id="6" name="Picture 5" descr="A picture containing clock&#10;&#10;Description automatically generated">
+            <a:extLst>
+              <a:ext uri="{FF2B5EF4-FFF2-40B4-BE49-F238E27FC236}">
+                <a16:creationId xmlns:a16="http://schemas.microsoft.com/office/drawing/2014/main" id="{2C1ABD83-DEFB-8245-9D5B-49995ABE5BFD}"/>
+              </a:ext>
+            </a:extLst>
+          </p:cNvPr>
+          <p:cNvPicPr>
+            <a:picLocks noChangeAspect="1"/>
+          </p:cNvPicPr>
+          <p:nvPr/>
+        </p:nvPicPr>
+        <p:blipFill>
+          <a:blip r:embed="rId3"/>
+          <a:stretch>
+            <a:fillRect/>
+          </a:stretch>
+        </p:blipFill>
+        <p:spPr>
+          <a:xfrm>
+            <a:off x="497882" y="1100138"/>
+            <a:ext cx="8148236" cy="3450638"/>
+          </a:xfrm>
+          <a:prstGeom prst="rect">
+            <a:avLst/>
+          </a:prstGeom>
+        </p:spPr>
+      </p:pic>
+    </p:spTree>
+    <p:extLst>
+      <p:ext uri="{BB962C8B-B14F-4D97-AF65-F5344CB8AC3E}">
+        <p14:creationId xmlns:p14="http://schemas.microsoft.com/office/powerpoint/2010/main" val="3891280040"/>
+      </p:ext>
+    </p:extLst>
+  </p:cSld>
+  <p:clrMapOvr>
+    <a:masterClrMapping/>
+  </p:clrMapOvr>
+</p:sld>
+</file>
+
+<file path=ppt/slides/slide6.xml><?xml version="1.0" encoding="utf-8"?>
+<p:sld xmlns:a="http://schemas.openxmlformats.org/drawingml/2006/main" xmlns:r="http://schemas.openxmlformats.org/officeDocument/2006/relationships" xmlns:p="http://schemas.openxmlformats.org/presentationml/2006/main">
+  <p:cSld>
+    <p:spTree>
+      <p:nvGrpSpPr>
+        <p:cNvPr id="1" name="Shape 85"/>
         <p:cNvGrpSpPr/>
         <p:nvPr/>
       </p:nvGrpSpPr>
@@ -27638,9 +27963,11 @@
       <p:sp>
         <p:nvSpPr>
           <p:cNvPr id="86" name="Google Shape;86;p10"/>
-          <p:cNvSpPr txBox="1"/>
+          <p:cNvSpPr txBox="1">
+            <a:spLocks noGrp="1"/>
+          </p:cNvSpPr>
           <p:nvPr>
-            <p:ph idx="12" type="sldNum"/>
+            <p:ph type="sldNum" idx="12"/>
           </p:nvPr>
         </p:nvSpPr>
         <p:spPr>
@@ -27657,12 +27984,12 @@
           </a:ln>
         </p:spPr>
         <p:txBody>
-          <a:bodyPr anchorCtr="0" anchor="t" bIns="91425" lIns="91425" spcFirstLastPara="1" rIns="91425" wrap="square" tIns="91425">
+          <a:bodyPr spcFirstLastPara="1" wrap="square" lIns="91425" tIns="91425" rIns="91425" bIns="91425" anchor="t" anchorCtr="0">
             <a:noAutofit/>
           </a:bodyPr>
           <a:lstStyle/>
           <a:p>
-            <a:pPr indent="0" lvl="0" marL="0" rtl="0" algn="ctr">
+            <a:pPr marL="0" lvl="0" indent="0" algn="ctr" rtl="0">
               <a:lnSpc>
                 <a:spcPct val="100000"/>
               </a:lnSpc>
@@ -27677,7 +28004,7 @@
             </a:pPr>
             <a:fld id="{00000000-1234-1234-1234-123412341234}" type="slidenum">
               <a:rPr lang="en"/>
-              <a:t>‹#›</a:t>
+              <a:t>6</a:t>
             </a:fld>
             <a:endParaRPr/>
           </a:p>
@@ -27699,7 +28026,7 @@
         </p:blipFill>
         <p:spPr>
           <a:xfrm>
-            <a:off x="1409113" y="1534204"/>
+            <a:off x="568287" y="918003"/>
             <a:ext cx="6325771" cy="2075100"/>
           </a:xfrm>
           <a:prstGeom prst="rect">
@@ -27711,6 +28038,115 @@
           </a:ln>
         </p:spPr>
       </p:pic>
+      <p:sp>
+        <p:nvSpPr>
+          <p:cNvPr id="2" name="TextBox 1">
+            <a:extLst>
+              <a:ext uri="{FF2B5EF4-FFF2-40B4-BE49-F238E27FC236}">
+                <a16:creationId xmlns:a16="http://schemas.microsoft.com/office/drawing/2014/main" id="{D1ED3640-C23A-4B42-85F8-B935A3AEFF4A}"/>
+              </a:ext>
+            </a:extLst>
+          </p:cNvPr>
+          <p:cNvSpPr txBox="1"/>
+          <p:nvPr/>
+        </p:nvSpPr>
+        <p:spPr>
+          <a:xfrm>
+            <a:off x="3731172" y="3326232"/>
+            <a:ext cx="4866289" cy="1384995"/>
+          </a:xfrm>
+          <a:prstGeom prst="rect">
+            <a:avLst/>
+          </a:prstGeom>
+          <a:noFill/>
+        </p:spPr>
+        <p:txBody>
+          <a:bodyPr wrap="square" rtlCol="0">
+            <a:spAutoFit/>
+          </a:bodyPr>
+          <a:lstStyle/>
+          <a:p>
+            <a:pPr lvl="0">
+              <a:buClr>
+                <a:schemeClr val="dk1"/>
+              </a:buClr>
+              <a:buSzPts val="1100"/>
+            </a:pPr>
+            <a:r>
+              <a:rPr lang="en-US" dirty="0">
+                <a:solidFill>
+                  <a:schemeClr val="bg1"/>
+                </a:solidFill>
+              </a:rPr>
+              <a:t>R – The user-movie rating matrix</a:t>
+            </a:r>
+          </a:p>
+          <a:p>
+            <a:pPr lvl="0">
+              <a:buClr>
+                <a:schemeClr val="dk1"/>
+              </a:buClr>
+              <a:buSzPts val="1100"/>
+            </a:pPr>
+            <a:r>
+              <a:rPr lang="en-US" dirty="0">
+                <a:solidFill>
+                  <a:schemeClr val="bg1"/>
+                </a:solidFill>
+              </a:rPr>
+              <a:t>K – Number of latent features</a:t>
+            </a:r>
+          </a:p>
+          <a:p>
+            <a:pPr lvl="0">
+              <a:buClr>
+                <a:schemeClr val="dk1"/>
+              </a:buClr>
+              <a:buSzPts val="1100"/>
+            </a:pPr>
+            <a:r>
+              <a:rPr lang="en-US" dirty="0">
+                <a:solidFill>
+                  <a:schemeClr val="bg1"/>
+                </a:solidFill>
+              </a:rPr>
+              <a:t>alpha – Learning rate for stochastic gradient descent</a:t>
+            </a:r>
+          </a:p>
+          <a:p>
+            <a:pPr lvl="0">
+              <a:buClr>
+                <a:schemeClr val="dk1"/>
+              </a:buClr>
+              <a:buSzPts val="1100"/>
+            </a:pPr>
+            <a:r>
+              <a:rPr lang="en-US" dirty="0">
+                <a:solidFill>
+                  <a:schemeClr val="bg1"/>
+                </a:solidFill>
+              </a:rPr>
+              <a:t>beta – Regularization parameter for bias</a:t>
+            </a:r>
+          </a:p>
+          <a:p>
+            <a:pPr lvl="0">
+              <a:buClr>
+                <a:schemeClr val="dk1"/>
+              </a:buClr>
+              <a:buSzPts val="1100"/>
+            </a:pPr>
+            <a:r>
+              <a:rPr lang="en-US" dirty="0">
+                <a:solidFill>
+                  <a:schemeClr val="bg1"/>
+                </a:solidFill>
+              </a:rPr>
+              <a:t>iterations – Number of iterations to perform stochastic gradient descent   </a:t>
+            </a:r>
+          </a:p>
+        </p:txBody>
+      </p:sp>
     </p:spTree>
   </p:cSld>
   <p:clrMapOvr>
@@ -27719,12 +28155,12 @@
 </p:sld>
 </file>
 
-<file path=ppt/slides/slide6.xml><?xml version="1.0" encoding="utf-8"?>
-<p:sld xmlns:a="http://schemas.openxmlformats.org/drawingml/2006/main" xmlns:r="http://schemas.openxmlformats.org/officeDocument/2006/relationships" xmlns:mc="http://schemas.openxmlformats.org/markup-compatibility/2006" xmlns:mv="urn:schemas-microsoft-com:mac:vml" xmlns:p="http://schemas.openxmlformats.org/presentationml/2006/main" xmlns:c="http://schemas.openxmlformats.org/drawingml/2006/chart" xmlns:dgm="http://schemas.openxmlformats.org/drawingml/2006/diagram" xmlns:o="urn:schemas-microsoft-com:office:office" xmlns:v="urn:schemas-microsoft-com:vml" xmlns:pvml="urn:schemas-microsoft-com:office:powerpoint" xmlns:com="http://schemas.openxmlformats.org/drawingml/2006/compatibility" xmlns:p14="http://schemas.microsoft.com/office/powerpoint/2010/main" xmlns:p15="http://schemas.microsoft.com/office/powerpoint/2012/main">
+<file path=ppt/slides/slide7.xml><?xml version="1.0" encoding="utf-8"?>
+<p:sld xmlns:a="http://schemas.openxmlformats.org/drawingml/2006/main" xmlns:r="http://schemas.openxmlformats.org/officeDocument/2006/relationships" xmlns:p="http://schemas.openxmlformats.org/presentationml/2006/main">
   <p:cSld>
     <p:spTree>
       <p:nvGrpSpPr>
-        <p:cNvPr id="91" name="Shape 91"/>
+        <p:cNvPr id="1" name="Shape 91"/>
         <p:cNvGrpSpPr/>
         <p:nvPr/>
       </p:nvGrpSpPr>
@@ -27739,9 +28175,11 @@
       <p:sp>
         <p:nvSpPr>
           <p:cNvPr id="92" name="Google Shape;92;g8a25fea61a_0_10"/>
-          <p:cNvSpPr txBox="1"/>
+          <p:cNvSpPr txBox="1">
+            <a:spLocks noGrp="1"/>
+          </p:cNvSpPr>
           <p:nvPr>
-            <p:ph idx="12" type="sldNum"/>
+            <p:ph type="sldNum" idx="12"/>
           </p:nvPr>
         </p:nvSpPr>
         <p:spPr>
@@ -27754,12 +28192,12 @@
           </a:prstGeom>
         </p:spPr>
         <p:txBody>
-          <a:bodyPr anchorCtr="0" anchor="t" bIns="91425" lIns="91425" spcFirstLastPara="1" rIns="91425" wrap="square" tIns="91425">
+          <a:bodyPr spcFirstLastPara="1" wrap="square" lIns="91425" tIns="91425" rIns="91425" bIns="91425" anchor="t" anchorCtr="0">
             <a:noAutofit/>
           </a:bodyPr>
           <a:lstStyle/>
           <a:p>
-            <a:pPr indent="0" lvl="0" marL="0" rtl="0" algn="ctr">
+            <a:pPr marL="0" lvl="0" indent="0" algn="ctr" rtl="0">
               <a:spcBef>
                 <a:spcPts val="0"/>
               </a:spcBef>
@@ -27775,7 +28213,7 @@
             </a:pPr>
             <a:fld id="{00000000-1234-1234-1234-123412341234}" type="slidenum">
               <a:rPr lang="en"/>
-              <a:t>‹#›</a:t>
+              <a:t>7</a:t>
             </a:fld>
             <a:endParaRPr/>
           </a:p>
@@ -27817,12 +28255,12 @@
 </p:sld>
 </file>
 
-<file path=ppt/slides/slide7.xml><?xml version="1.0" encoding="utf-8"?>
-<p:sld xmlns:a="http://schemas.openxmlformats.org/drawingml/2006/main" xmlns:r="http://schemas.openxmlformats.org/officeDocument/2006/relationships" xmlns:mc="http://schemas.openxmlformats.org/markup-compatibility/2006" xmlns:mv="urn:schemas-microsoft-com:mac:vml" xmlns:p="http://schemas.openxmlformats.org/presentationml/2006/main" xmlns:c="http://schemas.openxmlformats.org/drawingml/2006/chart" xmlns:dgm="http://schemas.openxmlformats.org/drawingml/2006/diagram" xmlns:o="urn:schemas-microsoft-com:office:office" xmlns:v="urn:schemas-microsoft-com:vml" xmlns:pvml="urn:schemas-microsoft-com:office:powerpoint" xmlns:com="http://schemas.openxmlformats.org/drawingml/2006/compatibility" xmlns:p14="http://schemas.microsoft.com/office/powerpoint/2010/main" xmlns:p15="http://schemas.microsoft.com/office/powerpoint/2012/main">
+<file path=ppt/slides/slide8.xml><?xml version="1.0" encoding="utf-8"?>
+<p:sld xmlns:a="http://schemas.openxmlformats.org/drawingml/2006/main" xmlns:r="http://schemas.openxmlformats.org/officeDocument/2006/relationships" xmlns:p="http://schemas.openxmlformats.org/presentationml/2006/main">
   <p:cSld>
     <p:spTree>
       <p:nvGrpSpPr>
-        <p:cNvPr id="97" name="Shape 97"/>
+        <p:cNvPr id="1" name="Shape 97"/>
         <p:cNvGrpSpPr/>
         <p:nvPr/>
       </p:nvGrpSpPr>
@@ -27837,9 +28275,11 @@
       <p:sp>
         <p:nvSpPr>
           <p:cNvPr id="98" name="Google Shape;98;g8a25fea61a_0_17"/>
-          <p:cNvSpPr txBox="1"/>
+          <p:cNvSpPr txBox="1">
+            <a:spLocks noGrp="1"/>
+          </p:cNvSpPr>
           <p:nvPr>
-            <p:ph idx="12" type="sldNum"/>
+            <p:ph type="sldNum" idx="12"/>
           </p:nvPr>
         </p:nvSpPr>
         <p:spPr>
@@ -27852,12 +28292,12 @@
           </a:prstGeom>
         </p:spPr>
         <p:txBody>
-          <a:bodyPr anchorCtr="0" anchor="t" bIns="91425" lIns="91425" spcFirstLastPara="1" rIns="91425" wrap="square" tIns="91425">
+          <a:bodyPr spcFirstLastPara="1" wrap="square" lIns="91425" tIns="91425" rIns="91425" bIns="91425" anchor="t" anchorCtr="0">
             <a:noAutofit/>
           </a:bodyPr>
           <a:lstStyle/>
           <a:p>
-            <a:pPr indent="0" lvl="0" marL="0" rtl="0" algn="ctr">
+            <a:pPr marL="0" lvl="0" indent="0" algn="ctr" rtl="0">
               <a:spcBef>
                 <a:spcPts val="0"/>
               </a:spcBef>
@@ -27873,7 +28313,7 @@
             </a:pPr>
             <a:fld id="{00000000-1234-1234-1234-123412341234}" type="slidenum">
               <a:rPr lang="en"/>
-              <a:t>‹#›</a:t>
+              <a:t>8</a:t>
             </a:fld>
             <a:endParaRPr/>
           </a:p>
@@ -27915,12 +28355,12 @@
 </p:sld>
 </file>
 
-<file path=ppt/slides/slide8.xml><?xml version="1.0" encoding="utf-8"?>
-<p:sld xmlns:a="http://schemas.openxmlformats.org/drawingml/2006/main" xmlns:r="http://schemas.openxmlformats.org/officeDocument/2006/relationships" xmlns:mc="http://schemas.openxmlformats.org/markup-compatibility/2006" xmlns:mv="urn:schemas-microsoft-com:mac:vml" xmlns:p="http://schemas.openxmlformats.org/presentationml/2006/main" xmlns:c="http://schemas.openxmlformats.org/drawingml/2006/chart" xmlns:dgm="http://schemas.openxmlformats.org/drawingml/2006/diagram" xmlns:o="urn:schemas-microsoft-com:office:office" xmlns:v="urn:schemas-microsoft-com:vml" xmlns:pvml="urn:schemas-microsoft-com:office:powerpoint" xmlns:com="http://schemas.openxmlformats.org/drawingml/2006/compatibility" xmlns:p14="http://schemas.microsoft.com/office/powerpoint/2010/main" xmlns:p15="http://schemas.microsoft.com/office/powerpoint/2012/main">
+<file path=ppt/slides/slide9.xml><?xml version="1.0" encoding="utf-8"?>
+<p:sld xmlns:a="http://schemas.openxmlformats.org/drawingml/2006/main" xmlns:r="http://schemas.openxmlformats.org/officeDocument/2006/relationships" xmlns:p="http://schemas.openxmlformats.org/presentationml/2006/main">
   <p:cSld>
     <p:spTree>
       <p:nvGrpSpPr>
-        <p:cNvPr id="103" name="Shape 103"/>
+        <p:cNvPr id="1" name="Shape 103"/>
         <p:cNvGrpSpPr/>
         <p:nvPr/>
       </p:nvGrpSpPr>
@@ -27935,9 +28375,11 @@
       <p:sp>
         <p:nvSpPr>
           <p:cNvPr id="104" name="Google Shape;104;g8a25fea61a_0_25"/>
-          <p:cNvSpPr txBox="1"/>
+          <p:cNvSpPr txBox="1">
+            <a:spLocks noGrp="1"/>
+          </p:cNvSpPr>
           <p:nvPr>
-            <p:ph idx="12" type="sldNum"/>
+            <p:ph type="sldNum" idx="12"/>
           </p:nvPr>
         </p:nvSpPr>
         <p:spPr>
@@ -27950,12 +28392,12 @@
           </a:prstGeom>
         </p:spPr>
         <p:txBody>
-          <a:bodyPr anchorCtr="0" anchor="t" bIns="91425" lIns="91425" spcFirstLastPara="1" rIns="91425" wrap="square" tIns="91425">
+          <a:bodyPr spcFirstLastPara="1" wrap="square" lIns="91425" tIns="91425" rIns="91425" bIns="91425" anchor="t" anchorCtr="0">
             <a:noAutofit/>
           </a:bodyPr>
           <a:lstStyle/>
           <a:p>
-            <a:pPr indent="0" lvl="0" marL="0" rtl="0" algn="ctr">
+            <a:pPr marL="0" lvl="0" indent="0" algn="ctr" rtl="0">
               <a:spcBef>
                 <a:spcPts val="0"/>
               </a:spcBef>
@@ -27971,7 +28413,7 @@
             </a:pPr>
             <a:fld id="{00000000-1234-1234-1234-123412341234}" type="slidenum">
               <a:rPr lang="en"/>
-              <a:t>‹#›</a:t>
+              <a:t>9</a:t>
             </a:fld>
             <a:endParaRPr/>
           </a:p>
@@ -28014,7 +28456,7 @@
 </file>
 
 <file path=ppt/theme/theme1.xml><?xml version="1.0" encoding="utf-8"?>
-<a:theme xmlns:a="http://schemas.openxmlformats.org/drawingml/2006/main" xmlns:r="http://schemas.openxmlformats.org/officeDocument/2006/relationships" name="Ursula template">
+<a:theme xmlns:a="http://schemas.openxmlformats.org/drawingml/2006/main" name="Ursula template">
   <a:themeElements>
     <a:clrScheme name="Custom 347">
       <a:dk1>
@@ -28289,11 +28731,13 @@
       </a:bgFillStyleLst>
     </a:fmtScheme>
   </a:themeElements>
+  <a:objectDefaults/>
+  <a:extraClrSchemeLst/>
 </a:theme>
 </file>
 
 <file path=ppt/theme/theme2.xml><?xml version="1.0" encoding="utf-8"?>
-<a:theme xmlns:a="http://schemas.openxmlformats.org/drawingml/2006/main" xmlns:r="http://schemas.openxmlformats.org/officeDocument/2006/relationships">
+<a:theme xmlns:a="http://schemas.openxmlformats.org/drawingml/2006/main">
   <a:themeElements>
     <a:clrScheme name="Default">
       <a:dk1>
@@ -28568,5 +29012,7 @@
       </a:bgFillStyleLst>
     </a:fmtScheme>
   </a:themeElements>
+  <a:objectDefaults/>
+  <a:extraClrSchemeLst/>
 </a:theme>
 </file>